--- a/payments/open-banking-dual-mode-end-to-end-security-simplified.pptx
+++ b/payments/open-banking-dual-mode-end-to-end-security-simplified.pptx
@@ -174,7 +174,7 @@
           <a:p>
             <a:fld id="{487FC4E9-77CD-4C2A-BF4D-150A82B34D6E}" type="datetimeFigureOut">
               <a:rPr lang="en-US" smtClean="0"/>
-              <a:t>2019-11-10</a:t>
+              <a:t>2019-11-19</a:t>
             </a:fld>
             <a:endParaRPr lang="en-US"/>
           </a:p>
@@ -451,7 +451,7 @@
           <a:p>
             <a:fld id="{487FC4E9-77CD-4C2A-BF4D-150A82B34D6E}" type="datetimeFigureOut">
               <a:rPr lang="en-US" smtClean="0"/>
-              <a:t>2019-11-10</a:t>
+              <a:t>2019-11-19</a:t>
             </a:fld>
             <a:endParaRPr lang="en-US"/>
           </a:p>
@@ -704,7 +704,7 @@
           <a:p>
             <a:fld id="{487FC4E9-77CD-4C2A-BF4D-150A82B34D6E}" type="datetimeFigureOut">
               <a:rPr lang="en-US" smtClean="0"/>
-              <a:t>2019-11-10</a:t>
+              <a:t>2019-11-19</a:t>
             </a:fld>
             <a:endParaRPr lang="en-US"/>
           </a:p>
@@ -874,7 +874,7 @@
           <a:p>
             <a:fld id="{487FC4E9-77CD-4C2A-BF4D-150A82B34D6E}" type="datetimeFigureOut">
               <a:rPr lang="en-US" smtClean="0"/>
-              <a:t>2019-11-10</a:t>
+              <a:t>2019-11-19</a:t>
             </a:fld>
             <a:endParaRPr lang="en-US"/>
           </a:p>
@@ -1054,7 +1054,7 @@
           <a:p>
             <a:fld id="{487FC4E9-77CD-4C2A-BF4D-150A82B34D6E}" type="datetimeFigureOut">
               <a:rPr lang="en-US" smtClean="0"/>
-              <a:t>2019-11-10</a:t>
+              <a:t>2019-11-19</a:t>
             </a:fld>
             <a:endParaRPr lang="en-US"/>
           </a:p>
@@ -1296,7 +1296,7 @@
           <a:p>
             <a:fld id="{FC49C25B-30EF-47C5-9138-00DBA21FC2D6}" type="datetimeFigureOut">
               <a:rPr lang="en-US" smtClean="0"/>
-              <a:t>2019-11-10</a:t>
+              <a:t>2019-11-19</a:t>
             </a:fld>
             <a:endParaRPr lang="en-US"/>
           </a:p>
@@ -1466,7 +1466,7 @@
           <a:p>
             <a:fld id="{FC49C25B-30EF-47C5-9138-00DBA21FC2D6}" type="datetimeFigureOut">
               <a:rPr lang="en-US" smtClean="0"/>
-              <a:t>2019-11-10</a:t>
+              <a:t>2019-11-19</a:t>
             </a:fld>
             <a:endParaRPr lang="en-US"/>
           </a:p>
@@ -1712,7 +1712,7 @@
           <a:p>
             <a:fld id="{FC49C25B-30EF-47C5-9138-00DBA21FC2D6}" type="datetimeFigureOut">
               <a:rPr lang="en-US" smtClean="0"/>
-              <a:t>2019-11-10</a:t>
+              <a:t>2019-11-19</a:t>
             </a:fld>
             <a:endParaRPr lang="en-US"/>
           </a:p>
@@ -2000,7 +2000,7 @@
           <a:p>
             <a:fld id="{FC49C25B-30EF-47C5-9138-00DBA21FC2D6}" type="datetimeFigureOut">
               <a:rPr lang="en-US" smtClean="0"/>
-              <a:t>2019-11-10</a:t>
+              <a:t>2019-11-19</a:t>
             </a:fld>
             <a:endParaRPr lang="en-US"/>
           </a:p>
@@ -2422,7 +2422,7 @@
           <a:p>
             <a:fld id="{FC49C25B-30EF-47C5-9138-00DBA21FC2D6}" type="datetimeFigureOut">
               <a:rPr lang="en-US" smtClean="0"/>
-              <a:t>2019-11-10</a:t>
+              <a:t>2019-11-19</a:t>
             </a:fld>
             <a:endParaRPr lang="en-US"/>
           </a:p>
@@ -2540,7 +2540,7 @@
           <a:p>
             <a:fld id="{487FC4E9-77CD-4C2A-BF4D-150A82B34D6E}" type="datetimeFigureOut">
               <a:rPr lang="en-US" smtClean="0"/>
-              <a:t>2019-11-10</a:t>
+              <a:t>2019-11-19</a:t>
             </a:fld>
             <a:endParaRPr lang="en-US"/>
           </a:p>
@@ -2658,7 +2658,7 @@
           <a:p>
             <a:fld id="{FC49C25B-30EF-47C5-9138-00DBA21FC2D6}" type="datetimeFigureOut">
               <a:rPr lang="en-US" smtClean="0"/>
-              <a:t>2019-11-10</a:t>
+              <a:t>2019-11-19</a:t>
             </a:fld>
             <a:endParaRPr lang="en-US"/>
           </a:p>
@@ -2753,7 +2753,7 @@
           <a:p>
             <a:fld id="{FC49C25B-30EF-47C5-9138-00DBA21FC2D6}" type="datetimeFigureOut">
               <a:rPr lang="en-US" smtClean="0"/>
-              <a:t>2019-11-10</a:t>
+              <a:t>2019-11-19</a:t>
             </a:fld>
             <a:endParaRPr lang="en-US"/>
           </a:p>
@@ -3030,7 +3030,7 @@
           <a:p>
             <a:fld id="{FC49C25B-30EF-47C5-9138-00DBA21FC2D6}" type="datetimeFigureOut">
               <a:rPr lang="en-US" smtClean="0"/>
-              <a:t>2019-11-10</a:t>
+              <a:t>2019-11-19</a:t>
             </a:fld>
             <a:endParaRPr lang="en-US"/>
           </a:p>
@@ -3283,7 +3283,7 @@
           <a:p>
             <a:fld id="{FC49C25B-30EF-47C5-9138-00DBA21FC2D6}" type="datetimeFigureOut">
               <a:rPr lang="en-US" smtClean="0"/>
-              <a:t>2019-11-10</a:t>
+              <a:t>2019-11-19</a:t>
             </a:fld>
             <a:endParaRPr lang="en-US"/>
           </a:p>
@@ -3453,7 +3453,7 @@
           <a:p>
             <a:fld id="{FC49C25B-30EF-47C5-9138-00DBA21FC2D6}" type="datetimeFigureOut">
               <a:rPr lang="en-US" smtClean="0"/>
-              <a:t>2019-11-10</a:t>
+              <a:t>2019-11-19</a:t>
             </a:fld>
             <a:endParaRPr lang="en-US"/>
           </a:p>
@@ -3633,7 +3633,7 @@
           <a:p>
             <a:fld id="{FC49C25B-30EF-47C5-9138-00DBA21FC2D6}" type="datetimeFigureOut">
               <a:rPr lang="en-US" smtClean="0"/>
-              <a:t>2019-11-10</a:t>
+              <a:t>2019-11-19</a:t>
             </a:fld>
             <a:endParaRPr lang="en-US"/>
           </a:p>
@@ -3881,7 +3881,7 @@
           <a:p>
             <a:fld id="{9AC59E2D-BDB3-457B-9981-CCAC3BF92E36}" type="datetimeFigureOut">
               <a:rPr lang="en-US" smtClean="0"/>
-              <a:t>2019-11-10</a:t>
+              <a:t>2019-11-19</a:t>
             </a:fld>
             <a:endParaRPr lang="en-US"/>
           </a:p>
@@ -4067,7 +4067,7 @@
           <a:p>
             <a:fld id="{9AC59E2D-BDB3-457B-9981-CCAC3BF92E36}" type="datetimeFigureOut">
               <a:rPr lang="en-US" smtClean="0"/>
-              <a:t>2019-11-10</a:t>
+              <a:t>2019-11-19</a:t>
             </a:fld>
             <a:endParaRPr lang="en-US"/>
           </a:p>
@@ -4319,7 +4319,7 @@
           <a:p>
             <a:fld id="{9AC59E2D-BDB3-457B-9981-CCAC3BF92E36}" type="datetimeFigureOut">
               <a:rPr lang="en-US" smtClean="0"/>
-              <a:t>2019-11-10</a:t>
+              <a:t>2019-11-19</a:t>
             </a:fld>
             <a:endParaRPr lang="en-US"/>
           </a:p>
@@ -4621,7 +4621,7 @@
           <a:p>
             <a:fld id="{9AC59E2D-BDB3-457B-9981-CCAC3BF92E36}" type="datetimeFigureOut">
               <a:rPr lang="en-US" smtClean="0"/>
-              <a:t>2019-11-10</a:t>
+              <a:t>2019-11-19</a:t>
             </a:fld>
             <a:endParaRPr lang="en-US"/>
           </a:p>
@@ -4739,7 +4739,7 @@
           <a:p>
             <a:fld id="{487FC4E9-77CD-4C2A-BF4D-150A82B34D6E}" type="datetimeFigureOut">
               <a:rPr lang="en-US" smtClean="0"/>
-              <a:t>2019-11-10</a:t>
+              <a:t>2019-11-19</a:t>
             </a:fld>
             <a:endParaRPr lang="en-US"/>
           </a:p>
@@ -5181,7 +5181,7 @@
           <a:p>
             <a:fld id="{9AC59E2D-BDB3-457B-9981-CCAC3BF92E36}" type="datetimeFigureOut">
               <a:rPr lang="en-US" smtClean="0"/>
-              <a:t>2019-11-10</a:t>
+              <a:t>2019-11-19</a:t>
             </a:fld>
             <a:endParaRPr lang="en-US"/>
           </a:p>
@@ -5307,7 +5307,7 @@
           <a:p>
             <a:fld id="{9AC59E2D-BDB3-457B-9981-CCAC3BF92E36}" type="datetimeFigureOut">
               <a:rPr lang="en-US" smtClean="0"/>
-              <a:t>2019-11-10</a:t>
+              <a:t>2019-11-19</a:t>
             </a:fld>
             <a:endParaRPr lang="en-US"/>
           </a:p>
@@ -5402,7 +5402,7 @@
           <a:p>
             <a:fld id="{9AC59E2D-BDB3-457B-9981-CCAC3BF92E36}" type="datetimeFigureOut">
               <a:rPr lang="en-US" smtClean="0"/>
-              <a:t>2019-11-10</a:t>
+              <a:t>2019-11-19</a:t>
             </a:fld>
             <a:endParaRPr lang="en-US"/>
           </a:p>
@@ -5688,7 +5688,7 @@
           <a:p>
             <a:fld id="{9AC59E2D-BDB3-457B-9981-CCAC3BF92E36}" type="datetimeFigureOut">
               <a:rPr lang="en-US" smtClean="0"/>
-              <a:t>2019-11-10</a:t>
+              <a:t>2019-11-19</a:t>
             </a:fld>
             <a:endParaRPr lang="en-US"/>
           </a:p>
@@ -5950,7 +5950,7 @@
           <a:p>
             <a:fld id="{9AC59E2D-BDB3-457B-9981-CCAC3BF92E36}" type="datetimeFigureOut">
               <a:rPr lang="en-US" smtClean="0"/>
-              <a:t>2019-11-10</a:t>
+              <a:t>2019-11-19</a:t>
             </a:fld>
             <a:endParaRPr lang="en-US"/>
           </a:p>
@@ -6136,7 +6136,7 @@
           <a:p>
             <a:fld id="{9AC59E2D-BDB3-457B-9981-CCAC3BF92E36}" type="datetimeFigureOut">
               <a:rPr lang="en-US" smtClean="0"/>
-              <a:t>2019-11-10</a:t>
+              <a:t>2019-11-19</a:t>
             </a:fld>
             <a:endParaRPr lang="en-US"/>
           </a:p>
@@ -6322,7 +6322,7 @@
           <a:p>
             <a:fld id="{9AC59E2D-BDB3-457B-9981-CCAC3BF92E36}" type="datetimeFigureOut">
               <a:rPr lang="en-US" smtClean="0"/>
-              <a:t>2019-11-10</a:t>
+              <a:t>2019-11-19</a:t>
             </a:fld>
             <a:endParaRPr lang="en-US"/>
           </a:p>
@@ -6564,7 +6564,7 @@
           <a:p>
             <a:fld id="{FA70D030-0E6B-41F6-8C32-589A7A1D0D79}" type="datetimeFigureOut">
               <a:rPr lang="en-US" smtClean="0"/>
-              <a:t>2019-11-10</a:t>
+              <a:t>2019-11-19</a:t>
             </a:fld>
             <a:endParaRPr lang="en-US"/>
           </a:p>
@@ -6734,7 +6734,7 @@
           <a:p>
             <a:fld id="{FA70D030-0E6B-41F6-8C32-589A7A1D0D79}" type="datetimeFigureOut">
               <a:rPr lang="en-US" smtClean="0"/>
-              <a:t>2019-11-10</a:t>
+              <a:t>2019-11-19</a:t>
             </a:fld>
             <a:endParaRPr lang="en-US"/>
           </a:p>
@@ -6980,7 +6980,7 @@
           <a:p>
             <a:fld id="{FA70D030-0E6B-41F6-8C32-589A7A1D0D79}" type="datetimeFigureOut">
               <a:rPr lang="en-US" smtClean="0"/>
-              <a:t>2019-11-10</a:t>
+              <a:t>2019-11-19</a:t>
             </a:fld>
             <a:endParaRPr lang="en-US"/>
           </a:p>
@@ -7098,7 +7098,7 @@
           <a:p>
             <a:fld id="{487FC4E9-77CD-4C2A-BF4D-150A82B34D6E}" type="datetimeFigureOut">
               <a:rPr lang="en-US" smtClean="0"/>
-              <a:t>2019-11-10</a:t>
+              <a:t>2019-11-19</a:t>
             </a:fld>
             <a:endParaRPr lang="en-US"/>
           </a:p>
@@ -7386,7 +7386,7 @@
           <a:p>
             <a:fld id="{FA70D030-0E6B-41F6-8C32-589A7A1D0D79}" type="datetimeFigureOut">
               <a:rPr lang="en-US" smtClean="0"/>
-              <a:t>2019-11-10</a:t>
+              <a:t>2019-11-19</a:t>
             </a:fld>
             <a:endParaRPr lang="en-US"/>
           </a:p>
@@ -7808,7 +7808,7 @@
           <a:p>
             <a:fld id="{FA70D030-0E6B-41F6-8C32-589A7A1D0D79}" type="datetimeFigureOut">
               <a:rPr lang="en-US" smtClean="0"/>
-              <a:t>2019-11-10</a:t>
+              <a:t>2019-11-19</a:t>
             </a:fld>
             <a:endParaRPr lang="en-US"/>
           </a:p>
@@ -7926,7 +7926,7 @@
           <a:p>
             <a:fld id="{FA70D030-0E6B-41F6-8C32-589A7A1D0D79}" type="datetimeFigureOut">
               <a:rPr lang="en-US" smtClean="0"/>
-              <a:t>2019-11-10</a:t>
+              <a:t>2019-11-19</a:t>
             </a:fld>
             <a:endParaRPr lang="en-US"/>
           </a:p>
@@ -8021,7 +8021,7 @@
           <a:p>
             <a:fld id="{FA70D030-0E6B-41F6-8C32-589A7A1D0D79}" type="datetimeFigureOut">
               <a:rPr lang="en-US" smtClean="0"/>
-              <a:t>2019-11-10</a:t>
+              <a:t>2019-11-19</a:t>
             </a:fld>
             <a:endParaRPr lang="en-US"/>
           </a:p>
@@ -8298,7 +8298,7 @@
           <a:p>
             <a:fld id="{FA70D030-0E6B-41F6-8C32-589A7A1D0D79}" type="datetimeFigureOut">
               <a:rPr lang="en-US" smtClean="0"/>
-              <a:t>2019-11-10</a:t>
+              <a:t>2019-11-19</a:t>
             </a:fld>
             <a:endParaRPr lang="en-US"/>
           </a:p>
@@ -8551,7 +8551,7 @@
           <a:p>
             <a:fld id="{FA70D030-0E6B-41F6-8C32-589A7A1D0D79}" type="datetimeFigureOut">
               <a:rPr lang="en-US" smtClean="0"/>
-              <a:t>2019-11-10</a:t>
+              <a:t>2019-11-19</a:t>
             </a:fld>
             <a:endParaRPr lang="en-US"/>
           </a:p>
@@ -8721,7 +8721,7 @@
           <a:p>
             <a:fld id="{FA70D030-0E6B-41F6-8C32-589A7A1D0D79}" type="datetimeFigureOut">
               <a:rPr lang="en-US" smtClean="0"/>
-              <a:t>2019-11-10</a:t>
+              <a:t>2019-11-19</a:t>
             </a:fld>
             <a:endParaRPr lang="en-US"/>
           </a:p>
@@ -8901,7 +8901,7 @@
           <a:p>
             <a:fld id="{FA70D030-0E6B-41F6-8C32-589A7A1D0D79}" type="datetimeFigureOut">
               <a:rPr lang="en-US" smtClean="0"/>
-              <a:t>2019-11-10</a:t>
+              <a:t>2019-11-19</a:t>
             </a:fld>
             <a:endParaRPr lang="en-US"/>
           </a:p>
@@ -9071,7 +9071,7 @@
           <a:p>
             <a:fld id="{487FC4E9-77CD-4C2A-BF4D-150A82B34D6E}" type="datetimeFigureOut">
               <a:rPr lang="en-US" smtClean="0"/>
-              <a:t>2019-11-10</a:t>
+              <a:t>2019-11-19</a:t>
             </a:fld>
             <a:endParaRPr lang="en-US"/>
           </a:p>
@@ -9317,7 +9317,7 @@
           <a:p>
             <a:fld id="{487FC4E9-77CD-4C2A-BF4D-150A82B34D6E}" type="datetimeFigureOut">
               <a:rPr lang="en-US" smtClean="0"/>
-              <a:t>2019-11-10</a:t>
+              <a:t>2019-11-19</a:t>
             </a:fld>
             <a:endParaRPr lang="en-US"/>
           </a:p>
@@ -9605,7 +9605,7 @@
           <a:p>
             <a:fld id="{487FC4E9-77CD-4C2A-BF4D-150A82B34D6E}" type="datetimeFigureOut">
               <a:rPr lang="en-US" smtClean="0"/>
-              <a:t>2019-11-10</a:t>
+              <a:t>2019-11-19</a:t>
             </a:fld>
             <a:endParaRPr lang="en-US"/>
           </a:p>
@@ -10027,7 +10027,7 @@
           <a:p>
             <a:fld id="{487FC4E9-77CD-4C2A-BF4D-150A82B34D6E}" type="datetimeFigureOut">
               <a:rPr lang="en-US" smtClean="0"/>
-              <a:t>2019-11-10</a:t>
+              <a:t>2019-11-19</a:t>
             </a:fld>
             <a:endParaRPr lang="en-US"/>
           </a:p>
@@ -10145,7 +10145,7 @@
           <a:p>
             <a:fld id="{487FC4E9-77CD-4C2A-BF4D-150A82B34D6E}" type="datetimeFigureOut">
               <a:rPr lang="en-US" smtClean="0"/>
-              <a:t>2019-11-10</a:t>
+              <a:t>2019-11-19</a:t>
             </a:fld>
             <a:endParaRPr lang="en-US"/>
           </a:p>
@@ -10358,7 +10358,7 @@
           <a:p>
             <a:fld id="{487FC4E9-77CD-4C2A-BF4D-150A82B34D6E}" type="datetimeFigureOut">
               <a:rPr lang="en-US" smtClean="0"/>
-              <a:t>2019-11-10</a:t>
+              <a:t>2019-11-19</a:t>
             </a:fld>
             <a:endParaRPr lang="en-US"/>
           </a:p>
@@ -10871,7 +10871,7 @@
           <a:p>
             <a:fld id="{FC49C25B-30EF-47C5-9138-00DBA21FC2D6}" type="datetimeFigureOut">
               <a:rPr lang="en-US" smtClean="0"/>
-              <a:t>2019-11-10</a:t>
+              <a:t>2019-11-19</a:t>
             </a:fld>
             <a:endParaRPr lang="en-US"/>
           </a:p>
@@ -11286,7 +11286,7 @@
           <a:p>
             <a:fld id="{9AC59E2D-BDB3-457B-9981-CCAC3BF92E36}" type="datetimeFigureOut">
               <a:rPr lang="en-US" smtClean="0"/>
-              <a:t>2019-11-10</a:t>
+              <a:t>2019-11-19</a:t>
             </a:fld>
             <a:endParaRPr lang="en-US"/>
           </a:p>
@@ -11796,7 +11796,7 @@
           <a:p>
             <a:fld id="{FA70D030-0E6B-41F6-8C32-589A7A1D0D79}" type="datetimeFigureOut">
               <a:rPr lang="en-US" smtClean="0"/>
-              <a:t>2019-11-10</a:t>
+              <a:t>2019-11-19</a:t>
             </a:fld>
             <a:endParaRPr lang="en-US"/>
           </a:p>
@@ -12238,134 +12238,6 @@
           </a:fontRef>
         </p:style>
       </p:cxnSp>
-      <p:sp>
-        <p:nvSpPr>
-          <p:cNvPr id="99" name="Rectangle 98"/>
-          <p:cNvSpPr/>
-          <p:nvPr/>
-        </p:nvSpPr>
-        <p:spPr>
-          <a:xfrm>
-            <a:off x="3807087" y="5229201"/>
-            <a:ext cx="2133065" cy="1152127"/>
-          </a:xfrm>
-          <a:prstGeom prst="rect">
-            <a:avLst/>
-          </a:prstGeom>
-          <a:blipFill>
-            <a:blip r:embed="rId3">
-              <a:duotone>
-                <a:schemeClr val="accent6">
-                  <a:shade val="45000"/>
-                  <a:satMod val="135000"/>
-                </a:schemeClr>
-                <a:prstClr val="white"/>
-              </a:duotone>
-              <a:extLst>
-                <a:ext uri="{BEBA8EAE-BF5A-486C-A8C5-ECC9F3942E4B}">
-                  <a14:imgProps xmlns:a14="http://schemas.microsoft.com/office/drawing/2010/main">
-                    <a14:imgLayer r:embed="rId4">
-                      <a14:imgEffect>
-                        <a14:brightnessContrast bright="-33000" contrast="62000"/>
-                      </a14:imgEffect>
-                    </a14:imgLayer>
-                  </a14:imgProps>
-                </a:ext>
-              </a:extLst>
-            </a:blip>
-            <a:tile tx="0" ty="0" sx="50000" sy="50000" flip="none" algn="tl"/>
-          </a:blipFill>
-          <a:ln w="6350">
-            <a:solidFill>
-              <a:schemeClr val="bg1">
-                <a:lumMod val="50000"/>
-              </a:schemeClr>
-            </a:solidFill>
-          </a:ln>
-          <a:effectLst>
-            <a:outerShdw blurRad="50800" dist="38100" dir="2700000" algn="tl" rotWithShape="0">
-              <a:prstClr val="black">
-                <a:alpha val="40000"/>
-              </a:prstClr>
-            </a:outerShdw>
-          </a:effectLst>
-        </p:spPr>
-        <p:style>
-          <a:lnRef idx="2">
-            <a:schemeClr val="accent1">
-              <a:shade val="50000"/>
-            </a:schemeClr>
-          </a:lnRef>
-          <a:fillRef idx="1">
-            <a:schemeClr val="accent1"/>
-          </a:fillRef>
-          <a:effectRef idx="0">
-            <a:schemeClr val="accent1"/>
-          </a:effectRef>
-          <a:fontRef idx="minor">
-            <a:schemeClr val="lt1"/>
-          </a:fontRef>
-        </p:style>
-        <p:txBody>
-          <a:bodyPr rtlCol="0" anchor="ctr"/>
-          <a:lstStyle/>
-          <a:p>
-            <a:pPr algn="ctr"/>
-            <a:r>
-              <a:rPr lang="en-US" sz="1400" i="1" dirty="0" smtClean="0">
-                <a:solidFill>
-                  <a:schemeClr val="tx1"/>
-                </a:solidFill>
-              </a:rPr>
-              <a:t>Signed</a:t>
-            </a:r>
-            <a:r>
-              <a:rPr lang="en-US" sz="1400" dirty="0" smtClean="0">
-                <a:solidFill>
-                  <a:schemeClr val="tx1"/>
-                </a:solidFill>
-              </a:rPr>
-              <a:t> And </a:t>
-            </a:r>
-            <a:r>
-              <a:rPr lang="en-US" sz="1400" i="1" dirty="0" smtClean="0">
-                <a:solidFill>
-                  <a:schemeClr val="tx1"/>
-                </a:solidFill>
-              </a:rPr>
-              <a:t>Encrypted</a:t>
-            </a:r>
-            <a:r>
-              <a:rPr lang="en-US" sz="1400" dirty="0" smtClean="0">
-                <a:solidFill>
-                  <a:schemeClr val="tx1"/>
-                </a:solidFill>
-              </a:rPr>
-              <a:t/>
-            </a:r>
-            <a:br>
-              <a:rPr lang="en-US" sz="1400" dirty="0" smtClean="0">
-                <a:solidFill>
-                  <a:schemeClr val="tx1"/>
-                </a:solidFill>
-              </a:rPr>
-            </a:br>
-            <a:r>
-              <a:rPr lang="en-US" sz="1400" dirty="0" smtClean="0">
-                <a:solidFill>
-                  <a:schemeClr val="tx1"/>
-                </a:solidFill>
-              </a:rPr>
-              <a:t>User Authorization</a:t>
-            </a:r>
-            <a:endParaRPr lang="en-US" sz="1400" dirty="0">
-              <a:solidFill>
-                <a:schemeClr val="tx1"/>
-              </a:solidFill>
-            </a:endParaRPr>
-          </a:p>
-        </p:txBody>
-      </p:sp>
       <p:cxnSp>
         <p:nvCxnSpPr>
           <p:cNvPr id="208" name="Straight Connector 207"/>
@@ -12462,14 +12334,14 @@
         </p:nvSpPr>
         <p:spPr>
           <a:xfrm>
-            <a:off x="716820" y="5105262"/>
-            <a:ext cx="2482867" cy="1420081"/>
+            <a:off x="611560" y="5105262"/>
+            <a:ext cx="2567050" cy="1420081"/>
           </a:xfrm>
           <a:prstGeom prst="rect">
             <a:avLst/>
           </a:prstGeom>
           <a:blipFill>
-            <a:blip r:embed="rId5"/>
+            <a:blip r:embed="rId3"/>
             <a:tile tx="0" ty="0" sx="50000" sy="50000" flip="none" algn="tl"/>
           </a:blipFill>
           <a:ln w="6350">
@@ -12716,7 +12588,7 @@
               <a:avLst/>
             </a:prstGeom>
             <a:blipFill>
-              <a:blip r:embed="rId5"/>
+              <a:blip r:embed="rId3"/>
               <a:tile tx="0" ty="0" sx="50000" sy="50000" flip="none" algn="tl"/>
             </a:blipFill>
             <a:ln w="6350">
@@ -12968,7 +12840,7 @@
           <p:nvPr/>
         </p:nvPicPr>
         <p:blipFill>
-          <a:blip r:embed="rId6" cstate="print">
+          <a:blip r:embed="rId4" cstate="print">
             <a:extLst>
               <a:ext uri="{28A0092B-C50C-407E-A947-70E740481C1C}">
                 <a14:useLocalDpi xmlns:a14="http://schemas.microsoft.com/office/drawing/2010/main" val="0"/>
@@ -14250,7 +14122,7 @@
           <p:nvPr/>
         </p:nvPicPr>
         <p:blipFill>
-          <a:blip r:embed="rId7" cstate="print">
+          <a:blip r:embed="rId5" cstate="print">
             <a:extLst>
               <a:ext uri="{28A0092B-C50C-407E-A947-70E740481C1C}">
                 <a14:useLocalDpi xmlns:a14="http://schemas.microsoft.com/office/drawing/2010/main" val="0"/>
@@ -14298,7 +14170,7 @@
           <p:nvPr/>
         </p:nvPicPr>
         <p:blipFill>
-          <a:blip r:embed="rId8">
+          <a:blip r:embed="rId6">
             <a:extLst>
               <a:ext uri="{28A0092B-C50C-407E-A947-70E740481C1C}">
                 <a14:useLocalDpi xmlns:a14="http://schemas.microsoft.com/office/drawing/2010/main" val="0"/>
@@ -14391,7 +14263,7 @@
           <p:nvPr/>
         </p:nvPicPr>
         <p:blipFill>
-          <a:blip r:embed="rId9">
+          <a:blip r:embed="rId7">
             <a:duotone>
               <a:prstClr val="black"/>
               <a:schemeClr val="accent3">
@@ -14402,7 +14274,7 @@
             <a:extLst>
               <a:ext uri="{BEBA8EAE-BF5A-486C-A8C5-ECC9F3942E4B}">
                 <a14:imgProps xmlns:a14="http://schemas.microsoft.com/office/drawing/2010/main">
-                  <a14:imgLayer r:embed="rId10">
+                  <a14:imgLayer r:embed="rId8">
                     <a14:imgEffect>
                       <a14:colorTemperature colorTemp="5246"/>
                     </a14:imgEffect>
@@ -14527,7 +14399,7 @@
             <a:avLst/>
           </a:prstGeom>
           <a:blipFill>
-            <a:blip r:embed="rId5"/>
+            <a:blip r:embed="rId3"/>
             <a:tile tx="0" ty="0" sx="50000" sy="50000" flip="none" algn="tl"/>
           </a:blipFill>
           <a:ln w="6350">
@@ -15426,14 +15298,7 @@
                 <a:latin typeface="Arial" panose="020B0604020202020204" pitchFamily="34" charset="0"/>
                 <a:cs typeface="Arial" panose="020B0604020202020204" pitchFamily="34" charset="0"/>
               </a:rPr>
-              <a:t>“</a:t>
-            </a:r>
-            <a:r>
-              <a:rPr lang="en-US" sz="1400" dirty="0" smtClean="0">
-                <a:latin typeface="Arial" panose="020B0604020202020204" pitchFamily="34" charset="0"/>
-                <a:cs typeface="Arial" panose="020B0604020202020204" pitchFamily="34" charset="0"/>
-              </a:rPr>
-              <a:t>Virtual” Payment Card</a:t>
+              <a:t>“Virtual” Payment Card</a:t>
             </a:r>
           </a:p>
           <a:p>
@@ -16090,8 +15955,8 @@
         </p:nvSpPr>
         <p:spPr>
           <a:xfrm>
-            <a:off x="611560" y="260648"/>
-            <a:ext cx="8281434" cy="461665"/>
+            <a:off x="1763688" y="260648"/>
+            <a:ext cx="5751896" cy="461665"/>
           </a:xfrm>
           <a:prstGeom prst="rect">
             <a:avLst/>
@@ -16109,7 +15974,7 @@
                 <a:latin typeface="Times New Roman" panose="02020603050405020304" pitchFamily="18" charset="0"/>
                 <a:cs typeface="Times New Roman" panose="02020603050405020304" pitchFamily="18" charset="0"/>
               </a:rPr>
-              <a:t>Open Banking/DM: End-to-End Security and Privacy (</a:t>
+              <a:t>End-to-End Security and Privacy (</a:t>
             </a:r>
             <a:r>
               <a:rPr lang="en-US" sz="2400" i="1" dirty="0" smtClean="0">
@@ -16128,293 +15993,6 @@
             <a:endParaRPr lang="en-US" sz="2400" dirty="0">
               <a:latin typeface="Times New Roman" panose="02020603050405020304" pitchFamily="18" charset="0"/>
               <a:cs typeface="Times New Roman" panose="02020603050405020304" pitchFamily="18" charset="0"/>
-            </a:endParaRPr>
-          </a:p>
-        </p:txBody>
-      </p:sp>
-      <p:sp>
-        <p:nvSpPr>
-          <p:cNvPr id="2" name="Rectangle 1"/>
-          <p:cNvSpPr/>
-          <p:nvPr/>
-        </p:nvSpPr>
-        <p:spPr>
-          <a:xfrm>
-            <a:off x="6549185" y="5373216"/>
-            <a:ext cx="1839239" cy="864096"/>
-          </a:xfrm>
-          <a:prstGeom prst="rect">
-            <a:avLst/>
-          </a:prstGeom>
-          <a:solidFill>
-            <a:srgbClr val="FFFFCC"/>
-          </a:solidFill>
-          <a:ln w="6350">
-            <a:solidFill>
-              <a:schemeClr val="bg1">
-                <a:lumMod val="50000"/>
-              </a:schemeClr>
-            </a:solidFill>
-          </a:ln>
-          <a:effectLst>
-            <a:outerShdw blurRad="50800" dist="38100" dir="2700000" algn="tl" rotWithShape="0">
-              <a:prstClr val="black">
-                <a:alpha val="40000"/>
-              </a:prstClr>
-            </a:outerShdw>
-          </a:effectLst>
-        </p:spPr>
-        <p:style>
-          <a:lnRef idx="2">
-            <a:schemeClr val="accent1">
-              <a:shade val="50000"/>
-            </a:schemeClr>
-          </a:lnRef>
-          <a:fillRef idx="1">
-            <a:schemeClr val="accent1"/>
-          </a:fillRef>
-          <a:effectRef idx="0">
-            <a:schemeClr val="accent1"/>
-          </a:effectRef>
-          <a:fontRef idx="minor">
-            <a:schemeClr val="lt1"/>
-          </a:fontRef>
-        </p:style>
-        <p:txBody>
-          <a:bodyPr rtlCol="0" anchor="ctr"/>
-          <a:lstStyle/>
-          <a:p>
-            <a:r>
-              <a:rPr lang="en-US" sz="1400" i="1" noProof="1" smtClean="0">
-                <a:solidFill>
-                  <a:schemeClr val="tx1"/>
-                </a:solidFill>
-              </a:rPr>
-              <a:t>Merchant</a:t>
-            </a:r>
-            <a:r>
-              <a:rPr lang="en-US" sz="1400" noProof="1" smtClean="0">
-                <a:solidFill>
-                  <a:schemeClr val="tx1"/>
-                </a:solidFill>
-              </a:rPr>
-              <a:t>: Coop</a:t>
-            </a:r>
-          </a:p>
-          <a:p>
-            <a:r>
-              <a:rPr lang="en-US" sz="1400" i="1" noProof="1" smtClean="0">
-                <a:solidFill>
-                  <a:schemeClr val="tx1"/>
-                </a:solidFill>
-              </a:rPr>
-              <a:t>Amount</a:t>
-            </a:r>
-            <a:r>
-              <a:rPr lang="en-US" sz="1400" noProof="1" smtClean="0">
-                <a:solidFill>
-                  <a:schemeClr val="tx1"/>
-                </a:solidFill>
-              </a:rPr>
-              <a:t>: € </a:t>
-            </a:r>
-            <a:r>
-              <a:rPr lang="en-US" sz="1400" noProof="1" smtClean="0">
-                <a:solidFill>
-                  <a:schemeClr val="tx1"/>
-                </a:solidFill>
-              </a:rPr>
-              <a:t>100</a:t>
-            </a:r>
-            <a:endParaRPr lang="en-US" sz="1400" noProof="1" smtClean="0">
-              <a:solidFill>
-                <a:schemeClr val="tx1"/>
-              </a:solidFill>
-            </a:endParaRPr>
-          </a:p>
-          <a:p>
-            <a:r>
-              <a:rPr lang="en-US" sz="1400" i="1" noProof="1" smtClean="0">
-                <a:solidFill>
-                  <a:schemeClr val="tx1"/>
-                </a:solidFill>
-              </a:rPr>
-              <a:t>AccountId</a:t>
-            </a:r>
-            <a:r>
-              <a:rPr lang="en-US" sz="1400" noProof="1" smtClean="0">
-                <a:solidFill>
-                  <a:schemeClr val="tx1"/>
-                </a:solidFill>
-              </a:rPr>
-              <a:t>: </a:t>
-            </a:r>
-            <a:r>
-              <a:rPr lang="en-US" sz="1400" noProof="1" smtClean="0">
-                <a:solidFill>
-                  <a:schemeClr val="tx1"/>
-                </a:solidFill>
-                <a:cs typeface="Arial" panose="020B0604020202020204" pitchFamily="34" charset="0"/>
-              </a:rPr>
-              <a:t>SE48800</a:t>
-            </a:r>
-            <a:r>
-              <a:rPr lang="en-US" sz="1400" dirty="0" smtClean="0">
-                <a:solidFill>
-                  <a:schemeClr val="tx1"/>
-                </a:solidFill>
-                <a:cs typeface="Arial" panose="020B0604020202020204" pitchFamily="34" charset="0"/>
-              </a:rPr>
-              <a:t>…</a:t>
-            </a:r>
-            <a:endParaRPr lang="en-US" sz="1400" dirty="0">
-              <a:solidFill>
-                <a:schemeClr val="tx1"/>
-              </a:solidFill>
-              <a:cs typeface="Arial" panose="020B0604020202020204" pitchFamily="34" charset="0"/>
-            </a:endParaRPr>
-          </a:p>
-        </p:txBody>
-      </p:sp>
-      <p:sp>
-        <p:nvSpPr>
-          <p:cNvPr id="147" name="Rectangle 146"/>
-          <p:cNvSpPr/>
-          <p:nvPr/>
-        </p:nvSpPr>
-        <p:spPr>
-          <a:xfrm>
-            <a:off x="3951104" y="5373216"/>
-            <a:ext cx="1839239" cy="864096"/>
-          </a:xfrm>
-          <a:prstGeom prst="rect">
-            <a:avLst/>
-          </a:prstGeom>
-          <a:solidFill>
-            <a:srgbClr val="FFFFCC"/>
-          </a:solidFill>
-          <a:ln w="6350">
-            <a:solidFill>
-              <a:schemeClr val="bg1">
-                <a:lumMod val="50000"/>
-              </a:schemeClr>
-            </a:solidFill>
-          </a:ln>
-          <a:effectLst>
-            <a:outerShdw blurRad="50800" dist="38100" dir="2700000" algn="tl" rotWithShape="0">
-              <a:prstClr val="black">
-                <a:alpha val="40000"/>
-              </a:prstClr>
-            </a:outerShdw>
-          </a:effectLst>
-        </p:spPr>
-        <p:style>
-          <a:lnRef idx="2">
-            <a:schemeClr val="accent1">
-              <a:shade val="50000"/>
-            </a:schemeClr>
-          </a:lnRef>
-          <a:fillRef idx="1">
-            <a:schemeClr val="accent1"/>
-          </a:fillRef>
-          <a:effectRef idx="0">
-            <a:schemeClr val="accent1"/>
-          </a:effectRef>
-          <a:fontRef idx="minor">
-            <a:schemeClr val="lt1"/>
-          </a:fontRef>
-        </p:style>
-        <p:txBody>
-          <a:bodyPr rtlCol="0" anchor="ctr"/>
-          <a:lstStyle/>
-          <a:p>
-            <a:r>
-              <a:rPr lang="en-US" sz="1400" i="1" noProof="1" smtClean="0">
-                <a:solidFill>
-                  <a:schemeClr val="tx1"/>
-                </a:solidFill>
-              </a:rPr>
-              <a:t>Merchant</a:t>
-            </a:r>
-            <a:r>
-              <a:rPr lang="en-US" sz="1400" noProof="1" smtClean="0">
-                <a:solidFill>
-                  <a:schemeClr val="tx1"/>
-                </a:solidFill>
-              </a:rPr>
-              <a:t>: Coop</a:t>
-            </a:r>
-          </a:p>
-          <a:p>
-            <a:r>
-              <a:rPr lang="en-US" sz="1400" i="1" noProof="1" smtClean="0">
-                <a:solidFill>
-                  <a:schemeClr val="tx1"/>
-                </a:solidFill>
-              </a:rPr>
-              <a:t>Amount</a:t>
-            </a:r>
-            <a:r>
-              <a:rPr lang="en-US" sz="1400" noProof="1" smtClean="0">
-                <a:solidFill>
-                  <a:schemeClr val="tx1"/>
-                </a:solidFill>
-              </a:rPr>
-              <a:t>: € </a:t>
-            </a:r>
-            <a:r>
-              <a:rPr lang="en-US" sz="1400" noProof="1" smtClean="0">
-                <a:solidFill>
-                  <a:schemeClr val="tx1"/>
-                </a:solidFill>
-              </a:rPr>
-              <a:t>100</a:t>
-            </a:r>
-            <a:endParaRPr lang="en-US" sz="1400" noProof="1" smtClean="0">
-              <a:solidFill>
-                <a:schemeClr val="tx1"/>
-              </a:solidFill>
-            </a:endParaRPr>
-          </a:p>
-          <a:p>
-            <a:r>
-              <a:rPr lang="en-US" sz="1400" i="1" noProof="1" smtClean="0">
-                <a:solidFill>
-                  <a:schemeClr val="tx1"/>
-                </a:solidFill>
-              </a:rPr>
-              <a:t>AccountId</a:t>
-            </a:r>
-            <a:r>
-              <a:rPr lang="en-US" sz="1400" noProof="1" smtClean="0">
-                <a:solidFill>
-                  <a:schemeClr val="tx1"/>
-                </a:solidFill>
-              </a:rPr>
-              <a:t>: </a:t>
-            </a:r>
-            <a:r>
-              <a:rPr lang="en-US" sz="1400" noProof="1" smtClean="0">
-                <a:solidFill>
-                  <a:schemeClr val="tx1"/>
-                </a:solidFill>
-                <a:cs typeface="Arial" panose="020B0604020202020204" pitchFamily="34" charset="0"/>
-              </a:rPr>
-              <a:t>SE48800</a:t>
-            </a:r>
-            <a:r>
-              <a:rPr lang="en-US" sz="1400" dirty="0" smtClean="0">
-                <a:solidFill>
-                  <a:schemeClr val="tx1"/>
-                </a:solidFill>
-                <a:cs typeface="Arial" panose="020B0604020202020204" pitchFamily="34" charset="0"/>
-              </a:rPr>
-              <a:t>…</a:t>
-            </a:r>
-            <a:endParaRPr lang="en-US" sz="1400" dirty="0">
-              <a:solidFill>
-                <a:schemeClr val="tx1"/>
-              </a:solidFill>
             </a:endParaRPr>
           </a:p>
         </p:txBody>
@@ -16428,7 +16006,7 @@
           <p:nvPr/>
         </p:nvPicPr>
         <p:blipFill>
-          <a:blip r:embed="rId8">
+          <a:blip r:embed="rId6">
             <a:extLst>
               <a:ext uri="{28A0092B-C50C-407E-A947-70E740481C1C}">
                 <a14:useLocalDpi xmlns:a14="http://schemas.microsoft.com/office/drawing/2010/main" val="0"/>
@@ -16442,7 +16020,7 @@
         </p:blipFill>
         <p:spPr bwMode="auto">
           <a:xfrm>
-            <a:off x="4311144" y="4800851"/>
+            <a:off x="4311144" y="4724392"/>
             <a:ext cx="360040" cy="356341"/>
           </a:xfrm>
           <a:prstGeom prst="rect">
@@ -16481,7 +16059,7 @@
         </p:nvSpPr>
         <p:spPr>
           <a:xfrm>
-            <a:off x="4664456" y="4900952"/>
+            <a:off x="4664456" y="4824493"/>
             <a:ext cx="742419" cy="204311"/>
           </a:xfrm>
           <a:prstGeom prst="roundRect">
@@ -16527,7 +16105,7 @@
           <p:nvPr/>
         </p:nvPicPr>
         <p:blipFill>
-          <a:blip r:embed="rId9">
+          <a:blip r:embed="rId7">
             <a:duotone>
               <a:prstClr val="black"/>
               <a:schemeClr val="accent3">
@@ -16538,7 +16116,7 @@
             <a:extLst>
               <a:ext uri="{BEBA8EAE-BF5A-486C-A8C5-ECC9F3942E4B}">
                 <a14:imgProps xmlns:a14="http://schemas.microsoft.com/office/drawing/2010/main">
-                  <a14:imgLayer r:embed="rId10">
+                  <a14:imgLayer r:embed="rId8">
                     <a14:imgEffect>
                       <a14:colorTemperature colorTemp="5246"/>
                     </a14:imgEffect>
@@ -16762,7 +16340,7 @@
         </p:nvSpPr>
         <p:spPr>
           <a:xfrm>
-            <a:off x="6427342" y="4993431"/>
+            <a:off x="6534433" y="4975617"/>
             <a:ext cx="2075953" cy="307777"/>
           </a:xfrm>
           <a:prstGeom prst="rect">
@@ -16799,15 +16377,15 @@
         </p:nvSpPr>
         <p:spPr>
           <a:xfrm>
-            <a:off x="6084168" y="5733256"/>
-            <a:ext cx="288032" cy="144016"/>
+            <a:off x="6162138" y="5733256"/>
+            <a:ext cx="216000" cy="144016"/>
           </a:xfrm>
           <a:prstGeom prst="leftArrow">
             <a:avLst/>
           </a:prstGeom>
           <a:solidFill>
             <a:schemeClr val="bg1">
-              <a:lumMod val="75000"/>
+              <a:lumMod val="95000"/>
             </a:schemeClr>
           </a:solidFill>
           <a:ln w="12700"/>
@@ -16845,15 +16423,15 @@
         </p:nvSpPr>
         <p:spPr>
           <a:xfrm>
-            <a:off x="3347864" y="5733256"/>
-            <a:ext cx="288032" cy="144016"/>
+            <a:off x="3300360" y="5733256"/>
+            <a:ext cx="216000" cy="144016"/>
           </a:xfrm>
           <a:prstGeom prst="leftArrow">
             <a:avLst/>
           </a:prstGeom>
           <a:solidFill>
             <a:schemeClr val="bg1">
-              <a:lumMod val="75000"/>
+              <a:lumMod val="95000"/>
             </a:schemeClr>
           </a:solidFill>
           <a:ln w="12700"/>
@@ -17001,8 +16579,8 @@
         </p:nvSpPr>
         <p:spPr>
           <a:xfrm>
-            <a:off x="7590656" y="6658580"/>
-            <a:ext cx="1564852" cy="215444"/>
+            <a:off x="7619510" y="6658580"/>
+            <a:ext cx="1535998" cy="215444"/>
           </a:xfrm>
           <a:prstGeom prst="rect">
             <a:avLst/>
@@ -17021,7 +16599,7 @@
                 <a:latin typeface="Arial" panose="020B0604020202020204" pitchFamily="34" charset="0"/>
                 <a:cs typeface="Arial" panose="020B0604020202020204" pitchFamily="34" charset="0"/>
               </a:rPr>
-              <a:t>V0.1 </a:t>
+              <a:t>V0.2 </a:t>
             </a:r>
             <a:r>
               <a:rPr lang="en-US" sz="800" dirty="0" err="1" smtClean="0">
@@ -17035,7 +16613,14 @@
                 <a:latin typeface="Arial" panose="020B0604020202020204" pitchFamily="34" charset="0"/>
                 <a:cs typeface="Arial" panose="020B0604020202020204" pitchFamily="34" charset="0"/>
               </a:rPr>
-              <a:t> 2019-11-09</a:t>
+              <a:t> </a:t>
+            </a:r>
+            <a:r>
+              <a:rPr lang="en-US" sz="800" dirty="0" smtClean="0">
+                <a:latin typeface="Arial" panose="020B0604020202020204" pitchFamily="34" charset="0"/>
+                <a:cs typeface="Arial" panose="020B0604020202020204" pitchFamily="34" charset="0"/>
+              </a:rPr>
+              <a:t>2019-11-19</a:t>
             </a:r>
             <a:endParaRPr lang="en-US" sz="800" dirty="0">
               <a:latin typeface="Arial" panose="020B0604020202020204" pitchFamily="34" charset="0"/>
@@ -17044,6 +16629,612 @@
           </a:p>
         </p:txBody>
       </p:sp>
+      <p:grpSp>
+        <p:nvGrpSpPr>
+          <p:cNvPr id="9" name="Group 8"/>
+          <p:cNvGrpSpPr/>
+          <p:nvPr/>
+        </p:nvGrpSpPr>
+        <p:grpSpPr>
+          <a:xfrm>
+            <a:off x="6466831" y="5311246"/>
+            <a:ext cx="2199279" cy="1008112"/>
+            <a:chOff x="6549185" y="5301208"/>
+            <a:chExt cx="2199279" cy="1008112"/>
+          </a:xfrm>
+        </p:grpSpPr>
+        <p:sp>
+          <p:nvSpPr>
+            <p:cNvPr id="2" name="Rectangle 1"/>
+            <p:cNvSpPr/>
+            <p:nvPr/>
+          </p:nvSpPr>
+          <p:spPr>
+            <a:xfrm>
+              <a:off x="6549185" y="5301208"/>
+              <a:ext cx="2199279" cy="1008112"/>
+            </a:xfrm>
+            <a:prstGeom prst="rect">
+              <a:avLst/>
+            </a:prstGeom>
+            <a:solidFill>
+              <a:srgbClr val="FFFFCC"/>
+            </a:solidFill>
+            <a:ln w="6350">
+              <a:solidFill>
+                <a:schemeClr val="bg1">
+                  <a:lumMod val="50000"/>
+                </a:schemeClr>
+              </a:solidFill>
+            </a:ln>
+            <a:effectLst>
+              <a:outerShdw blurRad="50800" dist="38100" dir="2700000" algn="tl" rotWithShape="0">
+                <a:prstClr val="black">
+                  <a:alpha val="40000"/>
+                </a:prstClr>
+              </a:outerShdw>
+            </a:effectLst>
+          </p:spPr>
+          <p:style>
+            <a:lnRef idx="2">
+              <a:schemeClr val="accent1">
+                <a:shade val="50000"/>
+              </a:schemeClr>
+            </a:lnRef>
+            <a:fillRef idx="1">
+              <a:schemeClr val="accent1"/>
+            </a:fillRef>
+            <a:effectRef idx="0">
+              <a:schemeClr val="accent1"/>
+            </a:effectRef>
+            <a:fontRef idx="minor">
+              <a:schemeClr val="lt1"/>
+            </a:fontRef>
+          </p:style>
+          <p:txBody>
+            <a:bodyPr rtlCol="0" anchor="ctr"/>
+            <a:lstStyle/>
+            <a:p>
+              <a:pPr defTabSz="806450"/>
+              <a:endParaRPr lang="en-US" sz="1400" i="1" noProof="1" smtClean="0">
+                <a:solidFill>
+                  <a:schemeClr val="tx1"/>
+                </a:solidFill>
+              </a:endParaRPr>
+            </a:p>
+            <a:p>
+              <a:pPr defTabSz="806450"/>
+              <a:r>
+                <a:rPr lang="en-US" sz="1400" i="1" noProof="1" smtClean="0">
+                  <a:solidFill>
+                    <a:schemeClr val="tx1"/>
+                  </a:solidFill>
+                </a:rPr>
+                <a:t>HashOf</a:t>
+              </a:r>
+              <a:r>
+                <a:rPr lang="en-US" sz="1400" noProof="1" smtClean="0">
+                  <a:solidFill>
+                    <a:schemeClr val="tx1"/>
+                  </a:solidFill>
+                </a:rPr>
+                <a:t>:</a:t>
+              </a:r>
+            </a:p>
+            <a:p>
+              <a:pPr defTabSz="806450"/>
+              <a:r>
+                <a:rPr lang="en-US" sz="1400" noProof="1" smtClean="0">
+                  <a:solidFill>
+                    <a:schemeClr val="tx1"/>
+                  </a:solidFill>
+                </a:rPr>
+                <a:t>	</a:t>
+              </a:r>
+              <a:endParaRPr lang="en-US" sz="1400" noProof="1" smtClean="0">
+                <a:solidFill>
+                  <a:schemeClr val="tx1"/>
+                </a:solidFill>
+              </a:endParaRPr>
+            </a:p>
+            <a:p>
+              <a:pPr defTabSz="806450"/>
+              <a:r>
+                <a:rPr lang="en-US" sz="1400" i="1" noProof="1" smtClean="0">
+                  <a:solidFill>
+                    <a:schemeClr val="tx1"/>
+                  </a:solidFill>
+                </a:rPr>
+                <a:t>AccountId</a:t>
+              </a:r>
+              <a:r>
+                <a:rPr lang="en-US" sz="1400" noProof="1" smtClean="0">
+                  <a:solidFill>
+                    <a:schemeClr val="tx1"/>
+                  </a:solidFill>
+                </a:rPr>
+                <a:t>:	</a:t>
+              </a:r>
+              <a:r>
+                <a:rPr lang="en-US" sz="1400" noProof="1" smtClean="0">
+                  <a:solidFill>
+                    <a:schemeClr val="tx1"/>
+                  </a:solidFill>
+                  <a:cs typeface="Arial" panose="020B0604020202020204" pitchFamily="34" charset="0"/>
+                </a:rPr>
+                <a:t>SE48800</a:t>
+              </a:r>
+              <a:r>
+                <a:rPr lang="en-US" sz="1400" dirty="0" smtClean="0">
+                  <a:solidFill>
+                    <a:schemeClr val="tx1"/>
+                  </a:solidFill>
+                  <a:cs typeface="Arial" panose="020B0604020202020204" pitchFamily="34" charset="0"/>
+                </a:rPr>
+                <a:t>…</a:t>
+              </a:r>
+              <a:endParaRPr lang="en-US" sz="1400" dirty="0">
+                <a:solidFill>
+                  <a:schemeClr val="tx1"/>
+                </a:solidFill>
+                <a:cs typeface="Arial" panose="020B0604020202020204" pitchFamily="34" charset="0"/>
+              </a:endParaRPr>
+            </a:p>
+          </p:txBody>
+        </p:sp>
+        <p:sp>
+          <p:nvSpPr>
+            <p:cNvPr id="101" name="Rectangle 100"/>
+            <p:cNvSpPr/>
+            <p:nvPr/>
+          </p:nvSpPr>
+          <p:spPr>
+            <a:xfrm>
+              <a:off x="7301106" y="5403358"/>
+              <a:ext cx="1315015" cy="576364"/>
+            </a:xfrm>
+            <a:prstGeom prst="rect">
+              <a:avLst/>
+            </a:prstGeom>
+            <a:solidFill>
+              <a:schemeClr val="bg1"/>
+            </a:solidFill>
+            <a:ln w="6350">
+              <a:solidFill>
+                <a:schemeClr val="bg1">
+                  <a:lumMod val="50000"/>
+                </a:schemeClr>
+              </a:solidFill>
+            </a:ln>
+            <a:effectLst>
+              <a:outerShdw blurRad="50800" dist="38100" dir="2700000" algn="tl" rotWithShape="0">
+                <a:prstClr val="black">
+                  <a:alpha val="40000"/>
+                </a:prstClr>
+              </a:outerShdw>
+            </a:effectLst>
+          </p:spPr>
+          <p:style>
+            <a:lnRef idx="2">
+              <a:schemeClr val="accent1">
+                <a:shade val="50000"/>
+              </a:schemeClr>
+            </a:lnRef>
+            <a:fillRef idx="1">
+              <a:schemeClr val="accent1"/>
+            </a:fillRef>
+            <a:effectRef idx="0">
+              <a:schemeClr val="accent1"/>
+            </a:effectRef>
+            <a:fontRef idx="minor">
+              <a:schemeClr val="lt1"/>
+            </a:fontRef>
+          </p:style>
+          <p:txBody>
+            <a:bodyPr rtlCol="0" anchor="ctr"/>
+            <a:lstStyle/>
+            <a:p>
+              <a:pPr defTabSz="896938">
+                <a:tabLst>
+                  <a:tab pos="628650" algn="l"/>
+                </a:tabLst>
+              </a:pPr>
+              <a:r>
+                <a:rPr lang="en-US" sz="1400" i="1" noProof="1" smtClean="0">
+                  <a:solidFill>
+                    <a:schemeClr val="tx1"/>
+                  </a:solidFill>
+                </a:rPr>
+                <a:t>Payee:	 Coop</a:t>
+              </a:r>
+              <a:endParaRPr lang="en-US" sz="1400" i="1" noProof="1">
+                <a:solidFill>
+                  <a:schemeClr val="tx1"/>
+                </a:solidFill>
+              </a:endParaRPr>
+            </a:p>
+            <a:p>
+              <a:pPr defTabSz="896938">
+                <a:tabLst>
+                  <a:tab pos="628650" algn="l"/>
+                </a:tabLst>
+              </a:pPr>
+              <a:r>
+                <a:rPr lang="en-US" sz="1400" i="1" noProof="1">
+                  <a:solidFill>
+                    <a:schemeClr val="tx1"/>
+                  </a:solidFill>
+                </a:rPr>
+                <a:t>Amount</a:t>
+              </a:r>
+              <a:r>
+                <a:rPr lang="en-US" sz="1400" noProof="1" smtClean="0">
+                  <a:solidFill>
+                    <a:schemeClr val="tx1"/>
+                  </a:solidFill>
+                </a:rPr>
+                <a:t>:	 € 100</a:t>
+              </a:r>
+              <a:endParaRPr lang="en-US" sz="1400" noProof="1">
+                <a:solidFill>
+                  <a:schemeClr val="tx1"/>
+                </a:solidFill>
+              </a:endParaRPr>
+            </a:p>
+          </p:txBody>
+        </p:sp>
+      </p:grpSp>
+      <p:grpSp>
+        <p:nvGrpSpPr>
+          <p:cNvPr id="12" name="Group 11"/>
+          <p:cNvGrpSpPr/>
+          <p:nvPr/>
+        </p:nvGrpSpPr>
+        <p:grpSpPr>
+          <a:xfrm>
+            <a:off x="3615541" y="5201393"/>
+            <a:ext cx="2414359" cy="1224000"/>
+            <a:chOff x="3675747" y="5201393"/>
+            <a:chExt cx="2414359" cy="1224000"/>
+          </a:xfrm>
+        </p:grpSpPr>
+        <p:sp>
+          <p:nvSpPr>
+            <p:cNvPr id="99" name="Rectangle 98"/>
+            <p:cNvSpPr/>
+            <p:nvPr/>
+          </p:nvSpPr>
+          <p:spPr>
+            <a:xfrm>
+              <a:off x="3675747" y="5201393"/>
+              <a:ext cx="2414359" cy="1224000"/>
+            </a:xfrm>
+            <a:prstGeom prst="rect">
+              <a:avLst/>
+            </a:prstGeom>
+            <a:blipFill>
+              <a:blip r:embed="rId9">
+                <a:duotone>
+                  <a:schemeClr val="accent6">
+                    <a:shade val="45000"/>
+                    <a:satMod val="135000"/>
+                  </a:schemeClr>
+                  <a:prstClr val="white"/>
+                </a:duotone>
+                <a:extLst>
+                  <a:ext uri="{BEBA8EAE-BF5A-486C-A8C5-ECC9F3942E4B}">
+                    <a14:imgProps xmlns:a14="http://schemas.microsoft.com/office/drawing/2010/main">
+                      <a14:imgLayer r:embed="rId10">
+                        <a14:imgEffect>
+                          <a14:brightnessContrast bright="-33000" contrast="62000"/>
+                        </a14:imgEffect>
+                      </a14:imgLayer>
+                    </a14:imgProps>
+                  </a:ext>
+                </a:extLst>
+              </a:blip>
+              <a:tile tx="0" ty="0" sx="50000" sy="50000" flip="none" algn="tl"/>
+            </a:blipFill>
+            <a:ln w="6350">
+              <a:solidFill>
+                <a:schemeClr val="bg1">
+                  <a:lumMod val="50000"/>
+                </a:schemeClr>
+              </a:solidFill>
+            </a:ln>
+            <a:effectLst>
+              <a:outerShdw blurRad="50800" dist="38100" dir="2700000" algn="tl" rotWithShape="0">
+                <a:prstClr val="black">
+                  <a:alpha val="40000"/>
+                </a:prstClr>
+              </a:outerShdw>
+            </a:effectLst>
+          </p:spPr>
+          <p:style>
+            <a:lnRef idx="2">
+              <a:schemeClr val="accent1">
+                <a:shade val="50000"/>
+              </a:schemeClr>
+            </a:lnRef>
+            <a:fillRef idx="1">
+              <a:schemeClr val="accent1"/>
+            </a:fillRef>
+            <a:effectRef idx="0">
+              <a:schemeClr val="accent1"/>
+            </a:effectRef>
+            <a:fontRef idx="minor">
+              <a:schemeClr val="lt1"/>
+            </a:fontRef>
+          </p:style>
+          <p:txBody>
+            <a:bodyPr rtlCol="0" anchor="ctr"/>
+            <a:lstStyle/>
+            <a:p>
+              <a:pPr algn="ctr"/>
+              <a:endParaRPr lang="en-US" sz="1400" dirty="0">
+                <a:solidFill>
+                  <a:schemeClr val="tx1"/>
+                </a:solidFill>
+              </a:endParaRPr>
+            </a:p>
+          </p:txBody>
+        </p:sp>
+        <p:grpSp>
+          <p:nvGrpSpPr>
+            <p:cNvPr id="105" name="Group 104"/>
+            <p:cNvGrpSpPr/>
+            <p:nvPr/>
+          </p:nvGrpSpPr>
+          <p:grpSpPr>
+            <a:xfrm>
+              <a:off x="3779912" y="5301208"/>
+              <a:ext cx="2199279" cy="1008112"/>
+              <a:chOff x="6549185" y="5301208"/>
+              <a:chExt cx="2199279" cy="1008112"/>
+            </a:xfrm>
+          </p:grpSpPr>
+          <p:sp>
+            <p:nvSpPr>
+              <p:cNvPr id="106" name="Rectangle 105"/>
+              <p:cNvSpPr/>
+              <p:nvPr/>
+            </p:nvSpPr>
+            <p:spPr>
+              <a:xfrm>
+                <a:off x="6549185" y="5301208"/>
+                <a:ext cx="2199279" cy="1008112"/>
+              </a:xfrm>
+              <a:prstGeom prst="rect">
+                <a:avLst/>
+              </a:prstGeom>
+              <a:solidFill>
+                <a:srgbClr val="FFFFCC"/>
+              </a:solidFill>
+              <a:ln w="6350">
+                <a:solidFill>
+                  <a:schemeClr val="bg1">
+                    <a:lumMod val="50000"/>
+                  </a:schemeClr>
+                </a:solidFill>
+              </a:ln>
+              <a:effectLst>
+                <a:outerShdw blurRad="50800" dist="38100" dir="2700000" algn="tl" rotWithShape="0">
+                  <a:prstClr val="black">
+                    <a:alpha val="40000"/>
+                  </a:prstClr>
+                </a:outerShdw>
+              </a:effectLst>
+            </p:spPr>
+            <p:style>
+              <a:lnRef idx="2">
+                <a:schemeClr val="accent1">
+                  <a:shade val="50000"/>
+                </a:schemeClr>
+              </a:lnRef>
+              <a:fillRef idx="1">
+                <a:schemeClr val="accent1"/>
+              </a:fillRef>
+              <a:effectRef idx="0">
+                <a:schemeClr val="accent1"/>
+              </a:effectRef>
+              <a:fontRef idx="minor">
+                <a:schemeClr val="lt1"/>
+              </a:fontRef>
+            </p:style>
+            <p:txBody>
+              <a:bodyPr rtlCol="0" anchor="ctr"/>
+              <a:lstStyle/>
+              <a:p>
+                <a:pPr defTabSz="806450"/>
+                <a:endParaRPr lang="en-US" sz="1400" i="1" noProof="1" smtClean="0">
+                  <a:solidFill>
+                    <a:schemeClr val="tx1"/>
+                  </a:solidFill>
+                </a:endParaRPr>
+              </a:p>
+              <a:p>
+                <a:pPr defTabSz="806450"/>
+                <a:r>
+                  <a:rPr lang="en-US" sz="1400" i="1" noProof="1" smtClean="0">
+                    <a:solidFill>
+                      <a:schemeClr val="tx1"/>
+                    </a:solidFill>
+                  </a:rPr>
+                  <a:t>HashOf</a:t>
+                </a:r>
+                <a:r>
+                  <a:rPr lang="en-US" sz="1400" noProof="1" smtClean="0">
+                    <a:solidFill>
+                      <a:schemeClr val="tx1"/>
+                    </a:solidFill>
+                  </a:rPr>
+                  <a:t>:</a:t>
+                </a:r>
+              </a:p>
+              <a:p>
+                <a:pPr defTabSz="806450"/>
+                <a:r>
+                  <a:rPr lang="en-US" sz="1400" noProof="1" smtClean="0">
+                    <a:solidFill>
+                      <a:schemeClr val="tx1"/>
+                    </a:solidFill>
+                  </a:rPr>
+                  <a:t>	</a:t>
+                </a:r>
+                <a:endParaRPr lang="en-US" sz="1400" noProof="1" smtClean="0">
+                  <a:solidFill>
+                    <a:schemeClr val="tx1"/>
+                  </a:solidFill>
+                </a:endParaRPr>
+              </a:p>
+              <a:p>
+                <a:pPr defTabSz="806450"/>
+                <a:r>
+                  <a:rPr lang="en-US" sz="1400" i="1" noProof="1" smtClean="0">
+                    <a:solidFill>
+                      <a:schemeClr val="tx1"/>
+                    </a:solidFill>
+                  </a:rPr>
+                  <a:t>AccountId</a:t>
+                </a:r>
+                <a:r>
+                  <a:rPr lang="en-US" sz="1400" noProof="1" smtClean="0">
+                    <a:solidFill>
+                      <a:schemeClr val="tx1"/>
+                    </a:solidFill>
+                  </a:rPr>
+                  <a:t>:	</a:t>
+                </a:r>
+                <a:r>
+                  <a:rPr lang="en-US" sz="1400" noProof="1" smtClean="0">
+                    <a:solidFill>
+                      <a:schemeClr val="tx1"/>
+                    </a:solidFill>
+                    <a:cs typeface="Arial" panose="020B0604020202020204" pitchFamily="34" charset="0"/>
+                  </a:rPr>
+                  <a:t>SE48800</a:t>
+                </a:r>
+                <a:r>
+                  <a:rPr lang="en-US" sz="1400" dirty="0" smtClean="0">
+                    <a:solidFill>
+                      <a:schemeClr val="tx1"/>
+                    </a:solidFill>
+                    <a:cs typeface="Arial" panose="020B0604020202020204" pitchFamily="34" charset="0"/>
+                  </a:rPr>
+                  <a:t>…</a:t>
+                </a:r>
+                <a:endParaRPr lang="en-US" sz="1400" dirty="0">
+                  <a:solidFill>
+                    <a:schemeClr val="tx1"/>
+                  </a:solidFill>
+                  <a:cs typeface="Arial" panose="020B0604020202020204" pitchFamily="34" charset="0"/>
+                </a:endParaRPr>
+              </a:p>
+            </p:txBody>
+          </p:sp>
+          <p:sp>
+            <p:nvSpPr>
+              <p:cNvPr id="107" name="Rectangle 106"/>
+              <p:cNvSpPr/>
+              <p:nvPr/>
+            </p:nvSpPr>
+            <p:spPr>
+              <a:xfrm>
+                <a:off x="7301106" y="5403358"/>
+                <a:ext cx="1315015" cy="576364"/>
+              </a:xfrm>
+              <a:prstGeom prst="rect">
+                <a:avLst/>
+              </a:prstGeom>
+              <a:solidFill>
+                <a:schemeClr val="bg1"/>
+              </a:solidFill>
+              <a:ln w="6350">
+                <a:solidFill>
+                  <a:schemeClr val="bg1">
+                    <a:lumMod val="50000"/>
+                  </a:schemeClr>
+                </a:solidFill>
+              </a:ln>
+              <a:effectLst>
+                <a:outerShdw blurRad="50800" dist="38100" dir="2700000" algn="tl" rotWithShape="0">
+                  <a:prstClr val="black">
+                    <a:alpha val="40000"/>
+                  </a:prstClr>
+                </a:outerShdw>
+              </a:effectLst>
+            </p:spPr>
+            <p:style>
+              <a:lnRef idx="2">
+                <a:schemeClr val="accent1">
+                  <a:shade val="50000"/>
+                </a:schemeClr>
+              </a:lnRef>
+              <a:fillRef idx="1">
+                <a:schemeClr val="accent1"/>
+              </a:fillRef>
+              <a:effectRef idx="0">
+                <a:schemeClr val="accent1"/>
+              </a:effectRef>
+              <a:fontRef idx="minor">
+                <a:schemeClr val="lt1"/>
+              </a:fontRef>
+            </p:style>
+            <p:txBody>
+              <a:bodyPr rtlCol="0" anchor="ctr"/>
+              <a:lstStyle/>
+              <a:p>
+                <a:pPr defTabSz="896938">
+                  <a:tabLst>
+                    <a:tab pos="628650" algn="l"/>
+                  </a:tabLst>
+                </a:pPr>
+                <a:r>
+                  <a:rPr lang="en-US" sz="1400" i="1" noProof="1" smtClean="0">
+                    <a:solidFill>
+                      <a:schemeClr val="tx1"/>
+                    </a:solidFill>
+                  </a:rPr>
+                  <a:t>Payee:	 Coop</a:t>
+                </a:r>
+                <a:endParaRPr lang="en-US" sz="1400" i="1" noProof="1">
+                  <a:solidFill>
+                    <a:schemeClr val="tx1"/>
+                  </a:solidFill>
+                </a:endParaRPr>
+              </a:p>
+              <a:p>
+                <a:pPr defTabSz="896938">
+                  <a:tabLst>
+                    <a:tab pos="628650" algn="l"/>
+                  </a:tabLst>
+                </a:pPr>
+                <a:r>
+                  <a:rPr lang="en-US" sz="1400" i="1" noProof="1">
+                    <a:solidFill>
+                      <a:schemeClr val="tx1"/>
+                    </a:solidFill>
+                  </a:rPr>
+                  <a:t>Amount</a:t>
+                </a:r>
+                <a:r>
+                  <a:rPr lang="en-US" sz="1400" noProof="1" smtClean="0">
+                    <a:solidFill>
+                      <a:schemeClr val="tx1"/>
+                    </a:solidFill>
+                  </a:rPr>
+                  <a:t>:	 € 100</a:t>
+                </a:r>
+                <a:endParaRPr lang="en-US" sz="1400" noProof="1">
+                  <a:solidFill>
+                    <a:schemeClr val="tx1"/>
+                  </a:solidFill>
+                </a:endParaRPr>
+              </a:p>
+            </p:txBody>
+          </p:sp>
+        </p:grpSp>
+      </p:grpSp>
     </p:spTree>
     <p:extLst>
       <p:ext uri="{BB962C8B-B14F-4D97-AF65-F5344CB8AC3E}">

--- a/payments/open-banking-dual-mode-end-to-end-security-simplified.pptx
+++ b/payments/open-banking-dual-mode-end-to-end-security-simplified.pptx
@@ -174,7 +174,7 @@
           <a:p>
             <a:fld id="{487FC4E9-77CD-4C2A-BF4D-150A82B34D6E}" type="datetimeFigureOut">
               <a:rPr lang="en-US" smtClean="0"/>
-              <a:t>2019-11-19</a:t>
+              <a:t>2019-11-21</a:t>
             </a:fld>
             <a:endParaRPr lang="en-US"/>
           </a:p>
@@ -451,7 +451,7 @@
           <a:p>
             <a:fld id="{487FC4E9-77CD-4C2A-BF4D-150A82B34D6E}" type="datetimeFigureOut">
               <a:rPr lang="en-US" smtClean="0"/>
-              <a:t>2019-11-19</a:t>
+              <a:t>2019-11-21</a:t>
             </a:fld>
             <a:endParaRPr lang="en-US"/>
           </a:p>
@@ -704,7 +704,7 @@
           <a:p>
             <a:fld id="{487FC4E9-77CD-4C2A-BF4D-150A82B34D6E}" type="datetimeFigureOut">
               <a:rPr lang="en-US" smtClean="0"/>
-              <a:t>2019-11-19</a:t>
+              <a:t>2019-11-21</a:t>
             </a:fld>
             <a:endParaRPr lang="en-US"/>
           </a:p>
@@ -874,7 +874,7 @@
           <a:p>
             <a:fld id="{487FC4E9-77CD-4C2A-BF4D-150A82B34D6E}" type="datetimeFigureOut">
               <a:rPr lang="en-US" smtClean="0"/>
-              <a:t>2019-11-19</a:t>
+              <a:t>2019-11-21</a:t>
             </a:fld>
             <a:endParaRPr lang="en-US"/>
           </a:p>
@@ -1054,7 +1054,7 @@
           <a:p>
             <a:fld id="{487FC4E9-77CD-4C2A-BF4D-150A82B34D6E}" type="datetimeFigureOut">
               <a:rPr lang="en-US" smtClean="0"/>
-              <a:t>2019-11-19</a:t>
+              <a:t>2019-11-21</a:t>
             </a:fld>
             <a:endParaRPr lang="en-US"/>
           </a:p>
@@ -1296,7 +1296,7 @@
           <a:p>
             <a:fld id="{FC49C25B-30EF-47C5-9138-00DBA21FC2D6}" type="datetimeFigureOut">
               <a:rPr lang="en-US" smtClean="0"/>
-              <a:t>2019-11-19</a:t>
+              <a:t>2019-11-21</a:t>
             </a:fld>
             <a:endParaRPr lang="en-US"/>
           </a:p>
@@ -1466,7 +1466,7 @@
           <a:p>
             <a:fld id="{FC49C25B-30EF-47C5-9138-00DBA21FC2D6}" type="datetimeFigureOut">
               <a:rPr lang="en-US" smtClean="0"/>
-              <a:t>2019-11-19</a:t>
+              <a:t>2019-11-21</a:t>
             </a:fld>
             <a:endParaRPr lang="en-US"/>
           </a:p>
@@ -1712,7 +1712,7 @@
           <a:p>
             <a:fld id="{FC49C25B-30EF-47C5-9138-00DBA21FC2D6}" type="datetimeFigureOut">
               <a:rPr lang="en-US" smtClean="0"/>
-              <a:t>2019-11-19</a:t>
+              <a:t>2019-11-21</a:t>
             </a:fld>
             <a:endParaRPr lang="en-US"/>
           </a:p>
@@ -2000,7 +2000,7 @@
           <a:p>
             <a:fld id="{FC49C25B-30EF-47C5-9138-00DBA21FC2D6}" type="datetimeFigureOut">
               <a:rPr lang="en-US" smtClean="0"/>
-              <a:t>2019-11-19</a:t>
+              <a:t>2019-11-21</a:t>
             </a:fld>
             <a:endParaRPr lang="en-US"/>
           </a:p>
@@ -2422,7 +2422,7 @@
           <a:p>
             <a:fld id="{FC49C25B-30EF-47C5-9138-00DBA21FC2D6}" type="datetimeFigureOut">
               <a:rPr lang="en-US" smtClean="0"/>
-              <a:t>2019-11-19</a:t>
+              <a:t>2019-11-21</a:t>
             </a:fld>
             <a:endParaRPr lang="en-US"/>
           </a:p>
@@ -2540,7 +2540,7 @@
           <a:p>
             <a:fld id="{487FC4E9-77CD-4C2A-BF4D-150A82B34D6E}" type="datetimeFigureOut">
               <a:rPr lang="en-US" smtClean="0"/>
-              <a:t>2019-11-19</a:t>
+              <a:t>2019-11-21</a:t>
             </a:fld>
             <a:endParaRPr lang="en-US"/>
           </a:p>
@@ -2658,7 +2658,7 @@
           <a:p>
             <a:fld id="{FC49C25B-30EF-47C5-9138-00DBA21FC2D6}" type="datetimeFigureOut">
               <a:rPr lang="en-US" smtClean="0"/>
-              <a:t>2019-11-19</a:t>
+              <a:t>2019-11-21</a:t>
             </a:fld>
             <a:endParaRPr lang="en-US"/>
           </a:p>
@@ -2753,7 +2753,7 @@
           <a:p>
             <a:fld id="{FC49C25B-30EF-47C5-9138-00DBA21FC2D6}" type="datetimeFigureOut">
               <a:rPr lang="en-US" smtClean="0"/>
-              <a:t>2019-11-19</a:t>
+              <a:t>2019-11-21</a:t>
             </a:fld>
             <a:endParaRPr lang="en-US"/>
           </a:p>
@@ -3030,7 +3030,7 @@
           <a:p>
             <a:fld id="{FC49C25B-30EF-47C5-9138-00DBA21FC2D6}" type="datetimeFigureOut">
               <a:rPr lang="en-US" smtClean="0"/>
-              <a:t>2019-11-19</a:t>
+              <a:t>2019-11-21</a:t>
             </a:fld>
             <a:endParaRPr lang="en-US"/>
           </a:p>
@@ -3283,7 +3283,7 @@
           <a:p>
             <a:fld id="{FC49C25B-30EF-47C5-9138-00DBA21FC2D6}" type="datetimeFigureOut">
               <a:rPr lang="en-US" smtClean="0"/>
-              <a:t>2019-11-19</a:t>
+              <a:t>2019-11-21</a:t>
             </a:fld>
             <a:endParaRPr lang="en-US"/>
           </a:p>
@@ -3453,7 +3453,7 @@
           <a:p>
             <a:fld id="{FC49C25B-30EF-47C5-9138-00DBA21FC2D6}" type="datetimeFigureOut">
               <a:rPr lang="en-US" smtClean="0"/>
-              <a:t>2019-11-19</a:t>
+              <a:t>2019-11-21</a:t>
             </a:fld>
             <a:endParaRPr lang="en-US"/>
           </a:p>
@@ -3633,7 +3633,7 @@
           <a:p>
             <a:fld id="{FC49C25B-30EF-47C5-9138-00DBA21FC2D6}" type="datetimeFigureOut">
               <a:rPr lang="en-US" smtClean="0"/>
-              <a:t>2019-11-19</a:t>
+              <a:t>2019-11-21</a:t>
             </a:fld>
             <a:endParaRPr lang="en-US"/>
           </a:p>
@@ -3881,7 +3881,7 @@
           <a:p>
             <a:fld id="{9AC59E2D-BDB3-457B-9981-CCAC3BF92E36}" type="datetimeFigureOut">
               <a:rPr lang="en-US" smtClean="0"/>
-              <a:t>2019-11-19</a:t>
+              <a:t>2019-11-21</a:t>
             </a:fld>
             <a:endParaRPr lang="en-US"/>
           </a:p>
@@ -4067,7 +4067,7 @@
           <a:p>
             <a:fld id="{9AC59E2D-BDB3-457B-9981-CCAC3BF92E36}" type="datetimeFigureOut">
               <a:rPr lang="en-US" smtClean="0"/>
-              <a:t>2019-11-19</a:t>
+              <a:t>2019-11-21</a:t>
             </a:fld>
             <a:endParaRPr lang="en-US"/>
           </a:p>
@@ -4319,7 +4319,7 @@
           <a:p>
             <a:fld id="{9AC59E2D-BDB3-457B-9981-CCAC3BF92E36}" type="datetimeFigureOut">
               <a:rPr lang="en-US" smtClean="0"/>
-              <a:t>2019-11-19</a:t>
+              <a:t>2019-11-21</a:t>
             </a:fld>
             <a:endParaRPr lang="en-US"/>
           </a:p>
@@ -4621,7 +4621,7 @@
           <a:p>
             <a:fld id="{9AC59E2D-BDB3-457B-9981-CCAC3BF92E36}" type="datetimeFigureOut">
               <a:rPr lang="en-US" smtClean="0"/>
-              <a:t>2019-11-19</a:t>
+              <a:t>2019-11-21</a:t>
             </a:fld>
             <a:endParaRPr lang="en-US"/>
           </a:p>
@@ -4739,7 +4739,7 @@
           <a:p>
             <a:fld id="{487FC4E9-77CD-4C2A-BF4D-150A82B34D6E}" type="datetimeFigureOut">
               <a:rPr lang="en-US" smtClean="0"/>
-              <a:t>2019-11-19</a:t>
+              <a:t>2019-11-21</a:t>
             </a:fld>
             <a:endParaRPr lang="en-US"/>
           </a:p>
@@ -5181,7 +5181,7 @@
           <a:p>
             <a:fld id="{9AC59E2D-BDB3-457B-9981-CCAC3BF92E36}" type="datetimeFigureOut">
               <a:rPr lang="en-US" smtClean="0"/>
-              <a:t>2019-11-19</a:t>
+              <a:t>2019-11-21</a:t>
             </a:fld>
             <a:endParaRPr lang="en-US"/>
           </a:p>
@@ -5307,7 +5307,7 @@
           <a:p>
             <a:fld id="{9AC59E2D-BDB3-457B-9981-CCAC3BF92E36}" type="datetimeFigureOut">
               <a:rPr lang="en-US" smtClean="0"/>
-              <a:t>2019-11-19</a:t>
+              <a:t>2019-11-21</a:t>
             </a:fld>
             <a:endParaRPr lang="en-US"/>
           </a:p>
@@ -5402,7 +5402,7 @@
           <a:p>
             <a:fld id="{9AC59E2D-BDB3-457B-9981-CCAC3BF92E36}" type="datetimeFigureOut">
               <a:rPr lang="en-US" smtClean="0"/>
-              <a:t>2019-11-19</a:t>
+              <a:t>2019-11-21</a:t>
             </a:fld>
             <a:endParaRPr lang="en-US"/>
           </a:p>
@@ -5688,7 +5688,7 @@
           <a:p>
             <a:fld id="{9AC59E2D-BDB3-457B-9981-CCAC3BF92E36}" type="datetimeFigureOut">
               <a:rPr lang="en-US" smtClean="0"/>
-              <a:t>2019-11-19</a:t>
+              <a:t>2019-11-21</a:t>
             </a:fld>
             <a:endParaRPr lang="en-US"/>
           </a:p>
@@ -5950,7 +5950,7 @@
           <a:p>
             <a:fld id="{9AC59E2D-BDB3-457B-9981-CCAC3BF92E36}" type="datetimeFigureOut">
               <a:rPr lang="en-US" smtClean="0"/>
-              <a:t>2019-11-19</a:t>
+              <a:t>2019-11-21</a:t>
             </a:fld>
             <a:endParaRPr lang="en-US"/>
           </a:p>
@@ -6136,7 +6136,7 @@
           <a:p>
             <a:fld id="{9AC59E2D-BDB3-457B-9981-CCAC3BF92E36}" type="datetimeFigureOut">
               <a:rPr lang="en-US" smtClean="0"/>
-              <a:t>2019-11-19</a:t>
+              <a:t>2019-11-21</a:t>
             </a:fld>
             <a:endParaRPr lang="en-US"/>
           </a:p>
@@ -6322,7 +6322,7 @@
           <a:p>
             <a:fld id="{9AC59E2D-BDB3-457B-9981-CCAC3BF92E36}" type="datetimeFigureOut">
               <a:rPr lang="en-US" smtClean="0"/>
-              <a:t>2019-11-19</a:t>
+              <a:t>2019-11-21</a:t>
             </a:fld>
             <a:endParaRPr lang="en-US"/>
           </a:p>
@@ -6564,7 +6564,7 @@
           <a:p>
             <a:fld id="{FA70D030-0E6B-41F6-8C32-589A7A1D0D79}" type="datetimeFigureOut">
               <a:rPr lang="en-US" smtClean="0"/>
-              <a:t>2019-11-19</a:t>
+              <a:t>2019-11-21</a:t>
             </a:fld>
             <a:endParaRPr lang="en-US"/>
           </a:p>
@@ -6734,7 +6734,7 @@
           <a:p>
             <a:fld id="{FA70D030-0E6B-41F6-8C32-589A7A1D0D79}" type="datetimeFigureOut">
               <a:rPr lang="en-US" smtClean="0"/>
-              <a:t>2019-11-19</a:t>
+              <a:t>2019-11-21</a:t>
             </a:fld>
             <a:endParaRPr lang="en-US"/>
           </a:p>
@@ -6980,7 +6980,7 @@
           <a:p>
             <a:fld id="{FA70D030-0E6B-41F6-8C32-589A7A1D0D79}" type="datetimeFigureOut">
               <a:rPr lang="en-US" smtClean="0"/>
-              <a:t>2019-11-19</a:t>
+              <a:t>2019-11-21</a:t>
             </a:fld>
             <a:endParaRPr lang="en-US"/>
           </a:p>
@@ -7098,7 +7098,7 @@
           <a:p>
             <a:fld id="{487FC4E9-77CD-4C2A-BF4D-150A82B34D6E}" type="datetimeFigureOut">
               <a:rPr lang="en-US" smtClean="0"/>
-              <a:t>2019-11-19</a:t>
+              <a:t>2019-11-21</a:t>
             </a:fld>
             <a:endParaRPr lang="en-US"/>
           </a:p>
@@ -7386,7 +7386,7 @@
           <a:p>
             <a:fld id="{FA70D030-0E6B-41F6-8C32-589A7A1D0D79}" type="datetimeFigureOut">
               <a:rPr lang="en-US" smtClean="0"/>
-              <a:t>2019-11-19</a:t>
+              <a:t>2019-11-21</a:t>
             </a:fld>
             <a:endParaRPr lang="en-US"/>
           </a:p>
@@ -7808,7 +7808,7 @@
           <a:p>
             <a:fld id="{FA70D030-0E6B-41F6-8C32-589A7A1D0D79}" type="datetimeFigureOut">
               <a:rPr lang="en-US" smtClean="0"/>
-              <a:t>2019-11-19</a:t>
+              <a:t>2019-11-21</a:t>
             </a:fld>
             <a:endParaRPr lang="en-US"/>
           </a:p>
@@ -7926,7 +7926,7 @@
           <a:p>
             <a:fld id="{FA70D030-0E6B-41F6-8C32-589A7A1D0D79}" type="datetimeFigureOut">
               <a:rPr lang="en-US" smtClean="0"/>
-              <a:t>2019-11-19</a:t>
+              <a:t>2019-11-21</a:t>
             </a:fld>
             <a:endParaRPr lang="en-US"/>
           </a:p>
@@ -8021,7 +8021,7 @@
           <a:p>
             <a:fld id="{FA70D030-0E6B-41F6-8C32-589A7A1D0D79}" type="datetimeFigureOut">
               <a:rPr lang="en-US" smtClean="0"/>
-              <a:t>2019-11-19</a:t>
+              <a:t>2019-11-21</a:t>
             </a:fld>
             <a:endParaRPr lang="en-US"/>
           </a:p>
@@ -8298,7 +8298,7 @@
           <a:p>
             <a:fld id="{FA70D030-0E6B-41F6-8C32-589A7A1D0D79}" type="datetimeFigureOut">
               <a:rPr lang="en-US" smtClean="0"/>
-              <a:t>2019-11-19</a:t>
+              <a:t>2019-11-21</a:t>
             </a:fld>
             <a:endParaRPr lang="en-US"/>
           </a:p>
@@ -8551,7 +8551,7 @@
           <a:p>
             <a:fld id="{FA70D030-0E6B-41F6-8C32-589A7A1D0D79}" type="datetimeFigureOut">
               <a:rPr lang="en-US" smtClean="0"/>
-              <a:t>2019-11-19</a:t>
+              <a:t>2019-11-21</a:t>
             </a:fld>
             <a:endParaRPr lang="en-US"/>
           </a:p>
@@ -8721,7 +8721,7 @@
           <a:p>
             <a:fld id="{FA70D030-0E6B-41F6-8C32-589A7A1D0D79}" type="datetimeFigureOut">
               <a:rPr lang="en-US" smtClean="0"/>
-              <a:t>2019-11-19</a:t>
+              <a:t>2019-11-21</a:t>
             </a:fld>
             <a:endParaRPr lang="en-US"/>
           </a:p>
@@ -8901,7 +8901,7 @@
           <a:p>
             <a:fld id="{FA70D030-0E6B-41F6-8C32-589A7A1D0D79}" type="datetimeFigureOut">
               <a:rPr lang="en-US" smtClean="0"/>
-              <a:t>2019-11-19</a:t>
+              <a:t>2019-11-21</a:t>
             </a:fld>
             <a:endParaRPr lang="en-US"/>
           </a:p>
@@ -9071,7 +9071,7 @@
           <a:p>
             <a:fld id="{487FC4E9-77CD-4C2A-BF4D-150A82B34D6E}" type="datetimeFigureOut">
               <a:rPr lang="en-US" smtClean="0"/>
-              <a:t>2019-11-19</a:t>
+              <a:t>2019-11-21</a:t>
             </a:fld>
             <a:endParaRPr lang="en-US"/>
           </a:p>
@@ -9317,7 +9317,7 @@
           <a:p>
             <a:fld id="{487FC4E9-77CD-4C2A-BF4D-150A82B34D6E}" type="datetimeFigureOut">
               <a:rPr lang="en-US" smtClean="0"/>
-              <a:t>2019-11-19</a:t>
+              <a:t>2019-11-21</a:t>
             </a:fld>
             <a:endParaRPr lang="en-US"/>
           </a:p>
@@ -9605,7 +9605,7 @@
           <a:p>
             <a:fld id="{487FC4E9-77CD-4C2A-BF4D-150A82B34D6E}" type="datetimeFigureOut">
               <a:rPr lang="en-US" smtClean="0"/>
-              <a:t>2019-11-19</a:t>
+              <a:t>2019-11-21</a:t>
             </a:fld>
             <a:endParaRPr lang="en-US"/>
           </a:p>
@@ -10027,7 +10027,7 @@
           <a:p>
             <a:fld id="{487FC4E9-77CD-4C2A-BF4D-150A82B34D6E}" type="datetimeFigureOut">
               <a:rPr lang="en-US" smtClean="0"/>
-              <a:t>2019-11-19</a:t>
+              <a:t>2019-11-21</a:t>
             </a:fld>
             <a:endParaRPr lang="en-US"/>
           </a:p>
@@ -10145,7 +10145,7 @@
           <a:p>
             <a:fld id="{487FC4E9-77CD-4C2A-BF4D-150A82B34D6E}" type="datetimeFigureOut">
               <a:rPr lang="en-US" smtClean="0"/>
-              <a:t>2019-11-19</a:t>
+              <a:t>2019-11-21</a:t>
             </a:fld>
             <a:endParaRPr lang="en-US"/>
           </a:p>
@@ -10358,7 +10358,7 @@
           <a:p>
             <a:fld id="{487FC4E9-77CD-4C2A-BF4D-150A82B34D6E}" type="datetimeFigureOut">
               <a:rPr lang="en-US" smtClean="0"/>
-              <a:t>2019-11-19</a:t>
+              <a:t>2019-11-21</a:t>
             </a:fld>
             <a:endParaRPr lang="en-US"/>
           </a:p>
@@ -10871,7 +10871,7 @@
           <a:p>
             <a:fld id="{FC49C25B-30EF-47C5-9138-00DBA21FC2D6}" type="datetimeFigureOut">
               <a:rPr lang="en-US" smtClean="0"/>
-              <a:t>2019-11-19</a:t>
+              <a:t>2019-11-21</a:t>
             </a:fld>
             <a:endParaRPr lang="en-US"/>
           </a:p>
@@ -11286,7 +11286,7 @@
           <a:p>
             <a:fld id="{9AC59E2D-BDB3-457B-9981-CCAC3BF92E36}" type="datetimeFigureOut">
               <a:rPr lang="en-US" smtClean="0"/>
-              <a:t>2019-11-19</a:t>
+              <a:t>2019-11-21</a:t>
             </a:fld>
             <a:endParaRPr lang="en-US"/>
           </a:p>
@@ -11796,7 +11796,7 @@
           <a:p>
             <a:fld id="{FA70D030-0E6B-41F6-8C32-589A7A1D0D79}" type="datetimeFigureOut">
               <a:rPr lang="en-US" smtClean="0"/>
-              <a:t>2019-11-19</a:t>
+              <a:t>2019-11-21</a:t>
             </a:fld>
             <a:endParaRPr lang="en-US"/>
           </a:p>
@@ -12193,7 +12193,7 @@
         </p:blipFill>
         <p:spPr>
           <a:xfrm>
-            <a:off x="5324265" y="1611214"/>
+            <a:off x="5324265" y="1467198"/>
             <a:ext cx="3184727" cy="2000474"/>
           </a:xfrm>
           <a:prstGeom prst="rect">
@@ -12209,7 +12209,7 @@
         </p:nvCxnSpPr>
         <p:spPr>
           <a:xfrm flipV="1">
-            <a:off x="1350300" y="3712857"/>
+            <a:off x="1350300" y="3717031"/>
             <a:ext cx="435113" cy="1"/>
           </a:xfrm>
           <a:prstGeom prst="line">
@@ -12246,7 +12246,7 @@
         </p:nvCxnSpPr>
         <p:spPr>
           <a:xfrm rot="180000">
-            <a:off x="5004000" y="1770936"/>
+            <a:off x="5004000" y="1626920"/>
             <a:ext cx="288000" cy="26511"/>
           </a:xfrm>
           <a:prstGeom prst="line">
@@ -12279,7 +12279,7 @@
         </p:nvSpPr>
         <p:spPr>
           <a:xfrm rot="16200000" flipH="1">
-            <a:off x="1811900" y="1176551"/>
+            <a:off x="1811900" y="1032535"/>
             <a:ext cx="1507398" cy="3075094"/>
           </a:xfrm>
           <a:prstGeom prst="bentArrow">
@@ -12334,8 +12334,8 @@
         </p:nvSpPr>
         <p:spPr>
           <a:xfrm>
-            <a:off x="611560" y="5105262"/>
-            <a:ext cx="2567050" cy="1420081"/>
+            <a:off x="636798" y="5105262"/>
+            <a:ext cx="2567050" cy="1468258"/>
           </a:xfrm>
           <a:prstGeom prst="rect">
             <a:avLst/>
@@ -12443,7 +12443,7 @@
         </p:nvGrpSpPr>
         <p:grpSpPr>
           <a:xfrm>
-            <a:off x="576030" y="2492896"/>
+            <a:off x="576030" y="2348880"/>
             <a:ext cx="1110108" cy="412824"/>
             <a:chOff x="1315014" y="2295731"/>
             <a:chExt cx="1110108" cy="412824"/>
@@ -12643,8 +12643,8 @@
         </p:nvCxnSpPr>
         <p:spPr>
           <a:xfrm flipH="1">
-            <a:off x="1636430" y="2697709"/>
-            <a:ext cx="297967" cy="1599"/>
+            <a:off x="1636430" y="2553693"/>
+            <a:ext cx="199266" cy="1599"/>
           </a:xfrm>
           <a:prstGeom prst="line">
             <a:avLst/>
@@ -12681,7 +12681,7 @@
         </p:nvCxnSpPr>
         <p:spPr>
           <a:xfrm flipH="1" flipV="1">
-            <a:off x="2032818" y="1170330"/>
+            <a:off x="2032818" y="1026314"/>
             <a:ext cx="1" cy="493579"/>
           </a:xfrm>
           <a:prstGeom prst="line">
@@ -12719,7 +12719,7 @@
         </p:nvCxnSpPr>
         <p:spPr>
           <a:xfrm>
-            <a:off x="1410154" y="1785558"/>
+            <a:off x="1410154" y="1641542"/>
             <a:ext cx="2700000" cy="1030"/>
           </a:xfrm>
           <a:prstGeom prst="straightConnector1">
@@ -12755,7 +12755,7 @@
         </p:nvSpPr>
         <p:spPr>
           <a:xfrm>
-            <a:off x="632637" y="4137102"/>
+            <a:off x="632637" y="3993086"/>
             <a:ext cx="1021434" cy="307777"/>
           </a:xfrm>
           <a:prstGeom prst="rect">
@@ -12792,7 +12792,7 @@
         </p:nvSpPr>
         <p:spPr>
           <a:xfrm>
-            <a:off x="3920525" y="908720"/>
+            <a:off x="3920525" y="764704"/>
             <a:ext cx="1372234" cy="523220"/>
           </a:xfrm>
           <a:prstGeom prst="rect">
@@ -12854,7 +12854,7 @@
         </p:blipFill>
         <p:spPr bwMode="auto">
           <a:xfrm rot="10800000">
-            <a:off x="4673596" y="1519577"/>
+            <a:off x="4673596" y="1375561"/>
             <a:ext cx="355673" cy="502719"/>
           </a:xfrm>
           <a:prstGeom prst="rect">
@@ -12887,7 +12887,7 @@
         </p:nvGrpSpPr>
         <p:grpSpPr>
           <a:xfrm>
-            <a:off x="774478" y="1552436"/>
+            <a:off x="774478" y="1408420"/>
             <a:ext cx="557162" cy="447881"/>
             <a:chOff x="3321759" y="524071"/>
             <a:chExt cx="557162" cy="447881"/>
@@ -14136,7 +14136,7 @@
         </p:blipFill>
         <p:spPr bwMode="auto">
           <a:xfrm>
-            <a:off x="4184507" y="1513488"/>
+            <a:off x="4184507" y="1369472"/>
             <a:ext cx="468000" cy="468000"/>
           </a:xfrm>
           <a:prstGeom prst="rect">
@@ -14184,7 +14184,7 @@
         </p:blipFill>
         <p:spPr bwMode="auto">
           <a:xfrm>
-            <a:off x="6424415" y="3881344"/>
+            <a:off x="6424415" y="3737328"/>
             <a:ext cx="360040" cy="356341"/>
           </a:xfrm>
           <a:prstGeom prst="rect">
@@ -14223,7 +14223,7 @@
         </p:nvCxnSpPr>
         <p:spPr>
           <a:xfrm flipH="1" flipV="1">
-            <a:off x="1410154" y="1577908"/>
+            <a:off x="1410154" y="1433892"/>
             <a:ext cx="2340000" cy="2654"/>
           </a:xfrm>
           <a:prstGeom prst="straightConnector1">
@@ -14293,7 +14293,7 @@
         </p:blipFill>
         <p:spPr bwMode="auto">
           <a:xfrm>
-            <a:off x="6424415" y="4180796"/>
+            <a:off x="6424415" y="4036780"/>
             <a:ext cx="360040" cy="356341"/>
           </a:xfrm>
           <a:prstGeom prst="rect">
@@ -14332,7 +14332,7 @@
         </p:nvSpPr>
         <p:spPr>
           <a:xfrm>
-            <a:off x="1810853" y="1658743"/>
+            <a:off x="1810853" y="1514727"/>
             <a:ext cx="414109" cy="241199"/>
           </a:xfrm>
           <a:prstGeom prst="parallelogram">
@@ -14392,7 +14392,7 @@
         </p:nvSpPr>
         <p:spPr>
           <a:xfrm>
-            <a:off x="3279453" y="1867576"/>
+            <a:off x="3279453" y="1723560"/>
             <a:ext cx="414109" cy="237600"/>
           </a:xfrm>
           <a:prstGeom prst="parallelogram">
@@ -14450,8 +14450,8 @@
         </p:nvSpPr>
         <p:spPr>
           <a:xfrm>
-            <a:off x="1934397" y="2597339"/>
-            <a:ext cx="1125435" cy="200739"/>
+            <a:off x="1835696" y="2453323"/>
+            <a:ext cx="1497692" cy="200739"/>
           </a:xfrm>
           <a:prstGeom prst="roundRect">
             <a:avLst>
@@ -14481,7 +14481,28 @@
                 <a:latin typeface="Arial" panose="020B0604020202020204" pitchFamily="34" charset="0"/>
                 <a:cs typeface="Arial" panose="020B0604020202020204" pitchFamily="34" charset="0"/>
               </a:rPr>
-              <a:t>Payment Order</a:t>
+              <a:t>Payment </a:t>
+            </a:r>
+            <a:r>
+              <a:rPr lang="en-US" sz="1200" dirty="0" smtClean="0">
+                <a:latin typeface="Arial" panose="020B0604020202020204" pitchFamily="34" charset="0"/>
+                <a:cs typeface="Arial" panose="020B0604020202020204" pitchFamily="34" charset="0"/>
+              </a:rPr>
+              <a:t>Order (</a:t>
+            </a:r>
+            <a:r>
+              <a:rPr lang="en-US" sz="1200" b="1" dirty="0">
+                <a:latin typeface="Courier New" panose="02070309020205020404" pitchFamily="49" charset="0"/>
+                <a:cs typeface="Courier New" panose="02070309020205020404" pitchFamily="49" charset="0"/>
+              </a:rPr>
+              <a:t>PO</a:t>
+            </a:r>
+            <a:r>
+              <a:rPr lang="en-US" sz="1200" dirty="0" smtClean="0">
+                <a:latin typeface="Arial" panose="020B0604020202020204" pitchFamily="34" charset="0"/>
+                <a:cs typeface="Arial" panose="020B0604020202020204" pitchFamily="34" charset="0"/>
+              </a:rPr>
+              <a:t>)</a:t>
             </a:r>
             <a:endParaRPr lang="en-US" sz="1200" dirty="0">
               <a:latin typeface="Arial" panose="020B0604020202020204" pitchFamily="34" charset="0"/>
@@ -14498,7 +14519,7 @@
         </p:nvSpPr>
         <p:spPr>
           <a:xfrm>
-            <a:off x="3711019" y="1454918"/>
+            <a:off x="3711019" y="1310902"/>
             <a:ext cx="402558" cy="232464"/>
           </a:xfrm>
           <a:prstGeom prst="roundRect">
@@ -14566,8 +14587,8 @@
         </p:nvSpPr>
         <p:spPr>
           <a:xfrm>
-            <a:off x="1567397" y="1070803"/>
-            <a:ext cx="1757718" cy="216813"/>
+            <a:off x="1590550" y="926787"/>
+            <a:ext cx="1711413" cy="216813"/>
           </a:xfrm>
           <a:prstGeom prst="roundRect">
             <a:avLst>
@@ -14586,7 +14607,7 @@
           </a:ln>
         </p:spPr>
         <p:txBody>
-          <a:bodyPr wrap="none" lIns="72000" tIns="0" rIns="72000" bIns="0" rtlCol="0" anchor="ctr" anchorCtr="0">
+          <a:bodyPr wrap="none" lIns="72000" tIns="0" rIns="54000" bIns="0" rtlCol="0" anchor="ctr" anchorCtr="0">
             <a:spAutoFit/>
           </a:bodyPr>
           <a:lstStyle/>
@@ -14597,7 +14618,21 @@
                 <a:latin typeface="Arial" panose="020B0604020202020204" pitchFamily="34" charset="0"/>
                 <a:cs typeface="Arial" panose="020B0604020202020204" pitchFamily="34" charset="0"/>
               </a:rPr>
-              <a:t>Payment Request (PR)</a:t>
+              <a:t>Payment Request (</a:t>
+            </a:r>
+            <a:r>
+              <a:rPr lang="en-US" sz="1200" b="1" dirty="0" smtClean="0">
+                <a:latin typeface="Courier New" panose="02070309020205020404" pitchFamily="49" charset="0"/>
+                <a:cs typeface="Courier New" panose="02070309020205020404" pitchFamily="49" charset="0"/>
+              </a:rPr>
+              <a:t>PR</a:t>
+            </a:r>
+            <a:r>
+              <a:rPr lang="en-US" sz="1200" dirty="0" smtClean="0">
+                <a:latin typeface="Arial" panose="020B0604020202020204" pitchFamily="34" charset="0"/>
+                <a:cs typeface="Arial" panose="020B0604020202020204" pitchFamily="34" charset="0"/>
+              </a:rPr>
+              <a:t>)</a:t>
             </a:r>
             <a:endParaRPr lang="en-US" sz="1200" dirty="0">
               <a:latin typeface="Arial" panose="020B0604020202020204" pitchFamily="34" charset="0"/>
@@ -14614,7 +14649,7 @@
         </p:nvGrpSpPr>
         <p:grpSpPr>
           <a:xfrm>
-            <a:off x="3299682" y="1397278"/>
+            <a:off x="3299682" y="1253262"/>
             <a:ext cx="389850" cy="369332"/>
             <a:chOff x="6653446" y="2335884"/>
             <a:chExt cx="389850" cy="369332"/>
@@ -14707,7 +14742,7 @@
         </p:nvGrpSpPr>
         <p:grpSpPr>
           <a:xfrm>
-            <a:off x="1426944" y="1602024"/>
+            <a:off x="1426944" y="1458008"/>
             <a:ext cx="389850" cy="369332"/>
             <a:chOff x="7617435" y="3266164"/>
             <a:chExt cx="389850" cy="369332"/>
@@ -14800,7 +14835,7 @@
         </p:nvGrpSpPr>
         <p:grpSpPr>
           <a:xfrm>
-            <a:off x="3707752" y="1806324"/>
+            <a:off x="3707752" y="1662308"/>
             <a:ext cx="389850" cy="369332"/>
             <a:chOff x="7769835" y="3418564"/>
             <a:chExt cx="389850" cy="369332"/>
@@ -14893,7 +14928,7 @@
         </p:nvGrpSpPr>
         <p:grpSpPr>
           <a:xfrm>
-            <a:off x="934647" y="2068144"/>
+            <a:off x="934647" y="1924128"/>
             <a:ext cx="389850" cy="369332"/>
             <a:chOff x="7769835" y="3418564"/>
             <a:chExt cx="389850" cy="369332"/>
@@ -14986,7 +15021,7 @@
         </p:nvSpPr>
         <p:spPr>
           <a:xfrm>
-            <a:off x="4671633" y="1601209"/>
+            <a:off x="4671633" y="1457193"/>
             <a:ext cx="357790" cy="184666"/>
           </a:xfrm>
           <a:prstGeom prst="rect">
@@ -15022,7 +15057,7 @@
         </p:nvGrpSpPr>
         <p:grpSpPr>
           <a:xfrm>
-            <a:off x="4806043" y="1807911"/>
+            <a:off x="4806043" y="1663895"/>
             <a:ext cx="72000" cy="72000"/>
             <a:chOff x="7812360" y="2253119"/>
             <a:chExt cx="144016" cy="144016"/>
@@ -15137,7 +15172,7 @@
         </p:nvSpPr>
         <p:spPr>
           <a:xfrm>
-            <a:off x="6777727" y="3981445"/>
+            <a:off x="6777727" y="3837429"/>
             <a:ext cx="742419" cy="204311"/>
           </a:xfrm>
           <a:prstGeom prst="roundRect">
@@ -15182,7 +15217,7 @@
         </p:nvSpPr>
         <p:spPr>
           <a:xfrm>
-            <a:off x="6783446" y="4304639"/>
+            <a:off x="6783446" y="4160623"/>
             <a:ext cx="812681" cy="204311"/>
           </a:xfrm>
           <a:prstGeom prst="roundRect">
@@ -15227,7 +15262,7 @@
         </p:nvSpPr>
         <p:spPr>
           <a:xfrm>
-            <a:off x="6372200" y="3645024"/>
+            <a:off x="6372200" y="3501008"/>
             <a:ext cx="1669294" cy="184666"/>
           </a:xfrm>
           <a:prstGeom prst="rect">
@@ -15271,7 +15306,7 @@
         </p:nvSpPr>
         <p:spPr>
           <a:xfrm>
-            <a:off x="5852822" y="1052736"/>
+            <a:off x="5852822" y="908720"/>
             <a:ext cx="2175562" cy="472559"/>
           </a:xfrm>
           <a:prstGeom prst="roundRect">
@@ -15298,7 +15333,14 @@
                 <a:latin typeface="Arial" panose="020B0604020202020204" pitchFamily="34" charset="0"/>
                 <a:cs typeface="Arial" panose="020B0604020202020204" pitchFamily="34" charset="0"/>
               </a:rPr>
-              <a:t>“Virtual” Payment Card</a:t>
+              <a:t>“Virtual</a:t>
+            </a:r>
+            <a:r>
+              <a:rPr lang="en-US" sz="1400" dirty="0" smtClean="0">
+                <a:latin typeface="Arial" panose="020B0604020202020204" pitchFamily="34" charset="0"/>
+                <a:cs typeface="Arial" panose="020B0604020202020204" pitchFamily="34" charset="0"/>
+              </a:rPr>
+              <a:t>” Payment Card</a:t>
             </a:r>
           </a:p>
           <a:p>
@@ -15325,7 +15367,7 @@
         </p:nvGrpSpPr>
         <p:grpSpPr>
           <a:xfrm>
-            <a:off x="701493" y="3497223"/>
+            <a:off x="701493" y="3353207"/>
             <a:ext cx="927282" cy="687559"/>
             <a:chOff x="4013200" y="3014663"/>
             <a:chExt cx="1117600" cy="828675"/>
@@ -15955,7 +15997,7 @@
         </p:nvSpPr>
         <p:spPr>
           <a:xfrm>
-            <a:off x="1763688" y="260648"/>
+            <a:off x="1763688" y="188640"/>
             <a:ext cx="5751896" cy="461665"/>
           </a:xfrm>
           <a:prstGeom prst="rect">
@@ -16020,7 +16062,7 @@
         </p:blipFill>
         <p:spPr bwMode="auto">
           <a:xfrm>
-            <a:off x="4311144" y="4724392"/>
+            <a:off x="4311144" y="4739632"/>
             <a:ext cx="360040" cy="356341"/>
           </a:xfrm>
           <a:prstGeom prst="rect">
@@ -16059,7 +16101,7 @@
         </p:nvSpPr>
         <p:spPr>
           <a:xfrm>
-            <a:off x="4664456" y="4824493"/>
+            <a:off x="4664456" y="4839733"/>
             <a:ext cx="742419" cy="204311"/>
           </a:xfrm>
           <a:prstGeom prst="roundRect">
@@ -16135,7 +16177,7 @@
         </p:blipFill>
         <p:spPr bwMode="auto">
           <a:xfrm>
-            <a:off x="1331640" y="4653136"/>
+            <a:off x="1331640" y="4652643"/>
             <a:ext cx="360040" cy="356341"/>
           </a:xfrm>
           <a:prstGeom prst="rect">
@@ -16174,7 +16216,7 @@
         </p:nvSpPr>
         <p:spPr>
           <a:xfrm>
-            <a:off x="1691680" y="4776979"/>
+            <a:off x="1691680" y="4776486"/>
             <a:ext cx="812681" cy="204311"/>
           </a:xfrm>
           <a:prstGeom prst="roundRect">
@@ -16221,8 +16263,8 @@
         </p:nvCxnSpPr>
         <p:spPr>
           <a:xfrm flipH="1">
-            <a:off x="2915816" y="2016000"/>
-            <a:ext cx="570695" cy="3357217"/>
+            <a:off x="2915816" y="1835986"/>
+            <a:ext cx="580073" cy="3539834"/>
           </a:xfrm>
           <a:prstGeom prst="straightConnector1">
             <a:avLst/>
@@ -16254,7 +16296,7 @@
         </p:nvSpPr>
         <p:spPr>
           <a:xfrm>
-            <a:off x="5292760" y="1597303"/>
+            <a:off x="5292760" y="1453287"/>
             <a:ext cx="3202848" cy="3055833"/>
           </a:xfrm>
           <a:prstGeom prst="roundRect">
@@ -16303,7 +16345,7 @@
         </p:nvSpPr>
         <p:spPr>
           <a:xfrm>
-            <a:off x="594283" y="1211799"/>
+            <a:off x="594283" y="1067783"/>
             <a:ext cx="930063" cy="307777"/>
           </a:xfrm>
           <a:prstGeom prst="rect">
@@ -16340,7 +16382,7 @@
         </p:nvSpPr>
         <p:spPr>
           <a:xfrm>
-            <a:off x="6534433" y="4975617"/>
+            <a:off x="6534433" y="4936088"/>
             <a:ext cx="2075953" cy="307777"/>
           </a:xfrm>
           <a:prstGeom prst="rect">
@@ -16360,7 +16402,21 @@
                 <a:latin typeface="Arial" panose="020B0604020202020204" pitchFamily="34" charset="0"/>
                 <a:cs typeface="Arial" panose="020B0604020202020204" pitchFamily="34" charset="0"/>
               </a:rPr>
-              <a:t>Data to Authorize (D2A)</a:t>
+              <a:t>Data to Authorize (</a:t>
+            </a:r>
+            <a:r>
+              <a:rPr lang="en-US" sz="1200" b="1" dirty="0">
+                <a:latin typeface="Courier New" panose="02070309020205020404" pitchFamily="49" charset="0"/>
+                <a:cs typeface="Courier New" panose="02070309020205020404" pitchFamily="49" charset="0"/>
+              </a:rPr>
+              <a:t>D2A</a:t>
+            </a:r>
+            <a:r>
+              <a:rPr lang="en-US" sz="1400" dirty="0" smtClean="0">
+                <a:latin typeface="Arial" panose="020B0604020202020204" pitchFamily="34" charset="0"/>
+                <a:cs typeface="Arial" panose="020B0604020202020204" pitchFamily="34" charset="0"/>
+              </a:rPr>
+              <a:t>)</a:t>
             </a:r>
             <a:endParaRPr lang="en-US" sz="1400" dirty="0">
               <a:latin typeface="Arial" panose="020B0604020202020204" pitchFamily="34" charset="0"/>
@@ -16377,7 +16433,7 @@
         </p:nvSpPr>
         <p:spPr>
           <a:xfrm>
-            <a:off x="6162138" y="5733256"/>
+            <a:off x="6151978" y="5733256"/>
             <a:ext cx="216000" cy="144016"/>
           </a:xfrm>
           <a:prstGeom prst="leftArrow">
@@ -16469,8 +16525,8 @@
         </p:nvSpPr>
         <p:spPr>
           <a:xfrm>
-            <a:off x="1619672" y="3478064"/>
-            <a:ext cx="1800276" cy="959048"/>
+            <a:off x="1666046" y="2949159"/>
+            <a:ext cx="3044964" cy="1553356"/>
           </a:xfrm>
           <a:prstGeom prst="roundRect">
             <a:avLst>
@@ -16489,7 +16545,7 @@
           </a:ln>
         </p:spPr>
         <p:txBody>
-          <a:bodyPr wrap="none" lIns="36000" tIns="0" rIns="36000" bIns="0" rtlCol="0" anchor="ctr" anchorCtr="0">
+          <a:bodyPr wrap="none" lIns="36000" tIns="0" rIns="54000" bIns="18000" rtlCol="0" anchor="ctr" anchorCtr="0">
             <a:spAutoFit/>
           </a:bodyPr>
           <a:lstStyle/>
@@ -16503,7 +16559,14 @@
                 <a:latin typeface="Arial" panose="020B0604020202020204" pitchFamily="34" charset="0"/>
                 <a:cs typeface="Arial" panose="020B0604020202020204" pitchFamily="34" charset="0"/>
               </a:rPr>
-              <a:t>Decrypt D2A</a:t>
+              <a:t>Decode </a:t>
+            </a:r>
+            <a:r>
+              <a:rPr lang="en-US" sz="1200" b="1" dirty="0">
+                <a:latin typeface="Courier New" panose="02070309020205020404" pitchFamily="49" charset="0"/>
+                <a:cs typeface="Courier New" panose="02070309020205020404" pitchFamily="49" charset="0"/>
+              </a:rPr>
+              <a:t>PO</a:t>
             </a:r>
           </a:p>
           <a:p>
@@ -16516,7 +16579,14 @@
                 <a:latin typeface="Arial" panose="020B0604020202020204" pitchFamily="34" charset="0"/>
                 <a:cs typeface="Arial" panose="020B0604020202020204" pitchFamily="34" charset="0"/>
               </a:rPr>
-              <a:t>Validate D2A signature</a:t>
+              <a:t>Decrypt and decode </a:t>
+            </a:r>
+            <a:r>
+              <a:rPr lang="en-US" sz="1200" b="1" dirty="0">
+                <a:latin typeface="Courier New" panose="02070309020205020404" pitchFamily="49" charset="0"/>
+                <a:cs typeface="Courier New" panose="02070309020205020404" pitchFamily="49" charset="0"/>
+              </a:rPr>
+              <a:t>D2A</a:t>
             </a:r>
           </a:p>
           <a:p>
@@ -16529,8 +16599,146 @@
                 <a:latin typeface="Arial" panose="020B0604020202020204" pitchFamily="34" charset="0"/>
                 <a:cs typeface="Arial" panose="020B0604020202020204" pitchFamily="34" charset="0"/>
               </a:rPr>
-              <a:t>Match PR with D2A</a:t>
-            </a:r>
+              <a:t>Validate </a:t>
+            </a:r>
+            <a:r>
+              <a:rPr lang="en-US" sz="1200" b="1" dirty="0">
+                <a:latin typeface="Courier New" panose="02070309020205020404" pitchFamily="49" charset="0"/>
+                <a:cs typeface="Courier New" panose="02070309020205020404" pitchFamily="49" charset="0"/>
+              </a:rPr>
+              <a:t>D2A</a:t>
+            </a:r>
+            <a:r>
+              <a:rPr lang="en-US" sz="1200" dirty="0" smtClean="0">
+                <a:latin typeface="Arial" panose="020B0604020202020204" pitchFamily="34" charset="0"/>
+                <a:cs typeface="Arial" panose="020B0604020202020204" pitchFamily="34" charset="0"/>
+              </a:rPr>
+              <a:t> </a:t>
+            </a:r>
+            <a:r>
+              <a:rPr lang="en-US" sz="1200" dirty="0" smtClean="0">
+                <a:latin typeface="Arial" panose="020B0604020202020204" pitchFamily="34" charset="0"/>
+                <a:cs typeface="Arial" panose="020B0604020202020204" pitchFamily="34" charset="0"/>
+              </a:rPr>
+              <a:t>signature</a:t>
+            </a:r>
+          </a:p>
+          <a:p>
+            <a:pPr marL="144000" indent="-144000">
+              <a:buFont typeface="Arial" panose="020B0604020202020204" pitchFamily="34" charset="0"/>
+              <a:buChar char="•"/>
+            </a:pPr>
+            <a:r>
+              <a:rPr lang="en-US" sz="1200" dirty="0" smtClean="0">
+                <a:latin typeface="Arial" panose="020B0604020202020204" pitchFamily="34" charset="0"/>
+                <a:cs typeface="Arial" panose="020B0604020202020204" pitchFamily="34" charset="0"/>
+              </a:rPr>
+              <a:t>Compare signature key and</a:t>
+            </a:r>
+            <a:br>
+              <a:rPr lang="en-US" sz="1200" dirty="0" smtClean="0">
+                <a:latin typeface="Arial" panose="020B0604020202020204" pitchFamily="34" charset="0"/>
+                <a:cs typeface="Arial" panose="020B0604020202020204" pitchFamily="34" charset="0"/>
+              </a:rPr>
+            </a:br>
+            <a:r>
+              <a:rPr lang="en-US" sz="1200" b="1" dirty="0" smtClean="0">
+                <a:latin typeface="Courier New" panose="02070309020205020404" pitchFamily="49" charset="0"/>
+                <a:cs typeface="Courier New" panose="02070309020205020404" pitchFamily="49" charset="0"/>
+              </a:rPr>
+              <a:t>D2A.</a:t>
+            </a:r>
+            <a:r>
+              <a:rPr lang="en-US" sz="1200" i="1" dirty="0" smtClean="0">
+                <a:latin typeface="Arial" panose="020B0604020202020204" pitchFamily="34" charset="0"/>
+                <a:cs typeface="Arial" panose="020B0604020202020204" pitchFamily="34" charset="0"/>
+              </a:rPr>
+              <a:t>AccountId </a:t>
+            </a:r>
+            <a:r>
+              <a:rPr lang="en-US" sz="1200" dirty="0" smtClean="0">
+                <a:latin typeface="Arial" panose="020B0604020202020204" pitchFamily="34" charset="0"/>
+                <a:cs typeface="Arial" panose="020B0604020202020204" pitchFamily="34" charset="0"/>
+              </a:rPr>
+              <a:t>with credential database</a:t>
+            </a:r>
+            <a:endParaRPr lang="en-US" sz="1200" dirty="0" smtClean="0">
+              <a:latin typeface="Arial" panose="020B0604020202020204" pitchFamily="34" charset="0"/>
+              <a:cs typeface="Arial" panose="020B0604020202020204" pitchFamily="34" charset="0"/>
+            </a:endParaRPr>
+          </a:p>
+          <a:p>
+            <a:pPr marL="144000" indent="-144000">
+              <a:buFont typeface="Arial" panose="020B0604020202020204" pitchFamily="34" charset="0"/>
+              <a:buChar char="•"/>
+            </a:pPr>
+            <a:r>
+              <a:rPr lang="en-US" sz="1200" dirty="0" smtClean="0">
+                <a:latin typeface="Arial" panose="020B0604020202020204" pitchFamily="34" charset="0"/>
+                <a:cs typeface="Arial" panose="020B0604020202020204" pitchFamily="34" charset="0"/>
+              </a:rPr>
+              <a:t>Compare </a:t>
+            </a:r>
+            <a:r>
+              <a:rPr lang="en-US" sz="1200" i="1" dirty="0" smtClean="0">
+                <a:latin typeface="Arial" panose="020B0604020202020204" pitchFamily="34" charset="0"/>
+                <a:cs typeface="Arial" panose="020B0604020202020204" pitchFamily="34" charset="0"/>
+              </a:rPr>
+              <a:t>Hash</a:t>
+            </a:r>
+            <a:r>
+              <a:rPr lang="en-US" sz="1200" dirty="0" smtClean="0">
+                <a:latin typeface="Arial" panose="020B0604020202020204" pitchFamily="34" charset="0"/>
+                <a:cs typeface="Arial" panose="020B0604020202020204" pitchFamily="34" charset="0"/>
+              </a:rPr>
+              <a:t>(</a:t>
+            </a:r>
+            <a:r>
+              <a:rPr lang="en-US" sz="1200" b="1" dirty="0">
+                <a:latin typeface="Courier New" panose="02070309020205020404" pitchFamily="49" charset="0"/>
+                <a:cs typeface="Courier New" panose="02070309020205020404" pitchFamily="49" charset="0"/>
+              </a:rPr>
+              <a:t>PR</a:t>
+            </a:r>
+            <a:r>
+              <a:rPr lang="en-US" sz="1200" dirty="0" smtClean="0">
+                <a:latin typeface="Arial" panose="020B0604020202020204" pitchFamily="34" charset="0"/>
+                <a:cs typeface="Arial" panose="020B0604020202020204" pitchFamily="34" charset="0"/>
+              </a:rPr>
+              <a:t>) with </a:t>
+            </a:r>
+            <a:r>
+              <a:rPr lang="en-US" sz="1200" b="1" dirty="0">
+                <a:latin typeface="Courier New" panose="02070309020205020404" pitchFamily="49" charset="0"/>
+                <a:cs typeface="Courier New" panose="02070309020205020404" pitchFamily="49" charset="0"/>
+              </a:rPr>
+              <a:t>D</a:t>
+            </a:r>
+            <a:r>
+              <a:rPr lang="en-US" sz="1200" b="1" dirty="0">
+                <a:latin typeface="Courier New" panose="02070309020205020404" pitchFamily="49" charset="0"/>
+                <a:cs typeface="Courier New" panose="02070309020205020404" pitchFamily="49" charset="0"/>
+              </a:rPr>
+              <a:t>2A.</a:t>
+            </a:r>
+            <a:r>
+              <a:rPr lang="en-US" sz="1200" i="1" dirty="0">
+                <a:latin typeface="Arial" panose="020B0604020202020204" pitchFamily="34" charset="0"/>
+                <a:cs typeface="Arial" panose="020B0604020202020204" pitchFamily="34" charset="0"/>
+              </a:rPr>
+              <a:t>Ha</a:t>
+            </a:r>
+            <a:r>
+              <a:rPr lang="en-US" sz="1200" i="1" dirty="0" smtClean="0">
+                <a:latin typeface="Arial" panose="020B0604020202020204" pitchFamily="34" charset="0"/>
+                <a:cs typeface="Arial" panose="020B0604020202020204" pitchFamily="34" charset="0"/>
+              </a:rPr>
+              <a:t>shOf</a:t>
+            </a:r>
+            <a:endParaRPr lang="en-US" sz="1200" i="1" dirty="0" smtClean="0">
+              <a:latin typeface="Arial" panose="020B0604020202020204" pitchFamily="34" charset="0"/>
+              <a:cs typeface="Arial" panose="020B0604020202020204" pitchFamily="34" charset="0"/>
+            </a:endParaRPr>
           </a:p>
           <a:p>
             <a:pPr marL="144000" indent="-144000">
@@ -16599,7 +16807,7 @@
                 <a:latin typeface="Arial" panose="020B0604020202020204" pitchFamily="34" charset="0"/>
                 <a:cs typeface="Arial" panose="020B0604020202020204" pitchFamily="34" charset="0"/>
               </a:rPr>
-              <a:t>V0.2 </a:t>
+              <a:t>V0.3 </a:t>
             </a:r>
             <a:r>
               <a:rPr lang="en-US" sz="800" dirty="0" err="1" smtClean="0">
@@ -16620,7 +16828,7 @@
                 <a:latin typeface="Arial" panose="020B0604020202020204" pitchFamily="34" charset="0"/>
                 <a:cs typeface="Arial" panose="020B0604020202020204" pitchFamily="34" charset="0"/>
               </a:rPr>
-              <a:t>2019-11-19</a:t>
+              <a:t>2019-11-21</a:t>
             </a:r>
             <a:endParaRPr lang="en-US" sz="800" dirty="0">
               <a:latin typeface="Arial" panose="020B0604020202020204" pitchFamily="34" charset="0"/>
@@ -16631,16 +16839,16 @@
       </p:sp>
       <p:grpSp>
         <p:nvGrpSpPr>
-          <p:cNvPr id="9" name="Group 8"/>
+          <p:cNvPr id="13" name="Group 12"/>
           <p:cNvGrpSpPr/>
           <p:nvPr/>
         </p:nvGrpSpPr>
         <p:grpSpPr>
           <a:xfrm>
-            <a:off x="6466831" y="5311246"/>
-            <a:ext cx="2199279" cy="1008112"/>
-            <a:chOff x="6549185" y="5301208"/>
-            <a:chExt cx="2199279" cy="1008112"/>
+            <a:off x="6466831" y="5291170"/>
+            <a:ext cx="2199279" cy="1090158"/>
+            <a:chOff x="6466831" y="5291170"/>
+            <a:chExt cx="2199279" cy="1090158"/>
           </a:xfrm>
         </p:grpSpPr>
         <p:sp>
@@ -16651,8 +16859,8 @@
           </p:nvSpPr>
           <p:spPr>
             <a:xfrm>
-              <a:off x="6549185" y="5301208"/>
-              <a:ext cx="2199279" cy="1008112"/>
+              <a:off x="6466831" y="5291170"/>
+              <a:ext cx="2199279" cy="1090158"/>
             </a:xfrm>
             <a:prstGeom prst="rect">
               <a:avLst/>
@@ -16692,7 +16900,7 @@
             </a:fontRef>
           </p:style>
           <p:txBody>
-            <a:bodyPr rtlCol="0" anchor="ctr"/>
+            <a:bodyPr tIns="144000" rtlCol="0" anchor="ctr"/>
             <a:lstStyle/>
             <a:p>
               <a:pPr defTabSz="806450"/>
@@ -16731,11 +16939,6 @@
                 </a:rPr>
                 <a:t>	</a:t>
               </a:r>
-              <a:endParaRPr lang="en-US" sz="1400" noProof="1" smtClean="0">
-                <a:solidFill>
-                  <a:schemeClr val="tx1"/>
-                </a:solidFill>
-              </a:endParaRPr>
             </a:p>
             <a:p>
               <a:pPr defTabSz="806450"/>
@@ -16790,7 +16993,7 @@
           </p:nvSpPr>
           <p:spPr>
             <a:xfrm>
-              <a:off x="7301106" y="5403358"/>
+              <a:off x="7218752" y="5475366"/>
               <a:ext cx="1315015" cy="576364"/>
             </a:xfrm>
             <a:prstGeom prst="rect">
@@ -16831,7 +17034,7 @@
             </a:fontRef>
           </p:style>
           <p:txBody>
-            <a:bodyPr rtlCol="0" anchor="ctr"/>
+            <a:bodyPr tIns="108000" rtlCol="0" anchor="ctr"/>
             <a:lstStyle/>
             <a:p>
               <a:pPr defTabSz="896938">
@@ -16883,19 +17086,92 @@
             </a:p>
           </p:txBody>
         </p:sp>
+        <p:sp>
+          <p:nvSpPr>
+            <p:cNvPr id="104" name="Rounded Rectangle 103"/>
+            <p:cNvSpPr/>
+            <p:nvPr/>
+          </p:nvSpPr>
+          <p:spPr>
+            <a:xfrm>
+              <a:off x="7704792" y="5378201"/>
+              <a:ext cx="340803" cy="204311"/>
+            </a:xfrm>
+            <a:prstGeom prst="roundRect">
+              <a:avLst/>
+            </a:prstGeom>
+            <a:solidFill>
+              <a:schemeClr val="bg1"/>
+            </a:solidFill>
+            <a:ln w="6350">
+              <a:solidFill>
+                <a:schemeClr val="bg1">
+                  <a:lumMod val="50000"/>
+                </a:schemeClr>
+              </a:solidFill>
+            </a:ln>
+            <a:effectLst/>
+          </p:spPr>
+          <p:style>
+            <a:lnRef idx="2">
+              <a:schemeClr val="accent1">
+                <a:shade val="50000"/>
+              </a:schemeClr>
+            </a:lnRef>
+            <a:fillRef idx="1">
+              <a:schemeClr val="accent1"/>
+            </a:fillRef>
+            <a:effectRef idx="0">
+              <a:schemeClr val="accent1"/>
+            </a:effectRef>
+            <a:fontRef idx="minor">
+              <a:schemeClr val="lt1"/>
+            </a:fontRef>
+          </p:style>
+          <p:txBody>
+            <a:bodyPr lIns="0" tIns="0" rIns="0" bIns="0" rtlCol="0" anchor="ctr" anchorCtr="1">
+              <a:spAutoFit/>
+            </a:bodyPr>
+            <a:lstStyle/>
+            <a:p>
+              <a:pPr defTabSz="896938">
+                <a:tabLst>
+                  <a:tab pos="628650" algn="l"/>
+                </a:tabLst>
+              </a:pPr>
+              <a:r>
+                <a:rPr lang="en-US" sz="1200" b="1" noProof="1">
+                  <a:solidFill>
+                    <a:schemeClr val="tx1"/>
+                  </a:solidFill>
+                  <a:latin typeface="Courier New" panose="02070309020205020404" pitchFamily="49" charset="0"/>
+                  <a:cs typeface="Courier New" panose="02070309020205020404" pitchFamily="49" charset="0"/>
+                </a:rPr>
+                <a:t>PR</a:t>
+              </a:r>
+              <a:endParaRPr lang="en-US" sz="1200" b="1" noProof="1">
+                <a:solidFill>
+                  <a:schemeClr val="tx1"/>
+                </a:solidFill>
+                <a:latin typeface="Courier New" panose="02070309020205020404" pitchFamily="49" charset="0"/>
+                <a:cs typeface="Courier New" panose="02070309020205020404" pitchFamily="49" charset="0"/>
+              </a:endParaRPr>
+            </a:p>
+          </p:txBody>
+        </p:sp>
       </p:grpSp>
       <p:grpSp>
         <p:nvGrpSpPr>
-          <p:cNvPr id="12" name="Group 11"/>
+          <p:cNvPr id="14" name="Group 13"/>
           <p:cNvGrpSpPr/>
           <p:nvPr/>
         </p:nvGrpSpPr>
         <p:grpSpPr>
           <a:xfrm>
-            <a:off x="3615541" y="5201393"/>
-            <a:ext cx="2414359" cy="1224000"/>
-            <a:chOff x="3675747" y="5201393"/>
-            <a:chExt cx="2414359" cy="1224000"/>
+            <a:off x="3628160" y="5196313"/>
+            <a:ext cx="2414359" cy="1296000"/>
+            <a:chOff x="3615541" y="5196313"/>
+            <a:chExt cx="2414359" cy="1296000"/>
           </a:xfrm>
         </p:grpSpPr>
         <p:sp>
@@ -16906,8 +17182,8 @@
           </p:nvSpPr>
           <p:spPr>
             <a:xfrm>
-              <a:off x="3675747" y="5201393"/>
-              <a:ext cx="2414359" cy="1224000"/>
+              <a:off x="3615541" y="5196313"/>
+              <a:ext cx="2414359" cy="1296000"/>
             </a:xfrm>
             <a:prstGeom prst="rect">
               <a:avLst/>
@@ -16981,28 +17257,28 @@
         </p:sp>
         <p:grpSp>
           <p:nvGrpSpPr>
-            <p:cNvPr id="105" name="Group 104"/>
+            <p:cNvPr id="108" name="Group 107"/>
             <p:cNvGrpSpPr/>
             <p:nvPr/>
           </p:nvGrpSpPr>
           <p:grpSpPr>
             <a:xfrm>
-              <a:off x="3779912" y="5301208"/>
-              <a:ext cx="2199279" cy="1008112"/>
-              <a:chOff x="6549185" y="5301208"/>
-              <a:chExt cx="2199279" cy="1008112"/>
+              <a:off x="3715473" y="5291170"/>
+              <a:ext cx="2199279" cy="1090158"/>
+              <a:chOff x="6466831" y="5291170"/>
+              <a:chExt cx="2199279" cy="1090158"/>
             </a:xfrm>
           </p:grpSpPr>
           <p:sp>
             <p:nvSpPr>
-              <p:cNvPr id="106" name="Rectangle 105"/>
+              <p:cNvPr id="109" name="Rectangle 108"/>
               <p:cNvSpPr/>
               <p:nvPr/>
             </p:nvSpPr>
             <p:spPr>
               <a:xfrm>
-                <a:off x="6549185" y="5301208"/>
-                <a:ext cx="2199279" cy="1008112"/>
+                <a:off x="6466831" y="5291170"/>
+                <a:ext cx="2199279" cy="1090158"/>
               </a:xfrm>
               <a:prstGeom prst="rect">
                 <a:avLst/>
@@ -17042,7 +17318,7 @@
               </a:fontRef>
             </p:style>
             <p:txBody>
-              <a:bodyPr rtlCol="0" anchor="ctr"/>
+              <a:bodyPr tIns="144000" rtlCol="0" anchor="ctr"/>
               <a:lstStyle/>
               <a:p>
                 <a:pPr defTabSz="806450"/>
@@ -17081,11 +17357,6 @@
                   </a:rPr>
                   <a:t>	</a:t>
                 </a:r>
-                <a:endParaRPr lang="en-US" sz="1400" noProof="1" smtClean="0">
-                  <a:solidFill>
-                    <a:schemeClr val="tx1"/>
-                  </a:solidFill>
-                </a:endParaRPr>
               </a:p>
               <a:p>
                 <a:pPr defTabSz="806450"/>
@@ -17134,13 +17405,13 @@
           </p:sp>
           <p:sp>
             <p:nvSpPr>
-              <p:cNvPr id="107" name="Rectangle 106"/>
+              <p:cNvPr id="110" name="Rectangle 109"/>
               <p:cNvSpPr/>
               <p:nvPr/>
             </p:nvSpPr>
             <p:spPr>
               <a:xfrm>
-                <a:off x="7301106" y="5403358"/>
+                <a:off x="7218752" y="5475366"/>
                 <a:ext cx="1315015" cy="576364"/>
               </a:xfrm>
               <a:prstGeom prst="rect">
@@ -17181,7 +17452,7 @@
               </a:fontRef>
             </p:style>
             <p:txBody>
-              <a:bodyPr rtlCol="0" anchor="ctr"/>
+              <a:bodyPr tIns="108000" rtlCol="0" anchor="ctr"/>
               <a:lstStyle/>
               <a:p>
                 <a:pPr defTabSz="896938">
@@ -17229,6 +17500,79 @@
                   <a:solidFill>
                     <a:schemeClr val="tx1"/>
                   </a:solidFill>
+                </a:endParaRPr>
+              </a:p>
+            </p:txBody>
+          </p:sp>
+          <p:sp>
+            <p:nvSpPr>
+              <p:cNvPr id="111" name="Rounded Rectangle 110"/>
+              <p:cNvSpPr/>
+              <p:nvPr/>
+            </p:nvSpPr>
+            <p:spPr>
+              <a:xfrm>
+                <a:off x="7704792" y="5375820"/>
+                <a:ext cx="340803" cy="204311"/>
+              </a:xfrm>
+              <a:prstGeom prst="roundRect">
+                <a:avLst/>
+              </a:prstGeom>
+              <a:solidFill>
+                <a:schemeClr val="bg1"/>
+              </a:solidFill>
+              <a:ln w="6350">
+                <a:solidFill>
+                  <a:schemeClr val="bg1">
+                    <a:lumMod val="50000"/>
+                  </a:schemeClr>
+                </a:solidFill>
+              </a:ln>
+              <a:effectLst/>
+            </p:spPr>
+            <p:style>
+              <a:lnRef idx="2">
+                <a:schemeClr val="accent1">
+                  <a:shade val="50000"/>
+                </a:schemeClr>
+              </a:lnRef>
+              <a:fillRef idx="1">
+                <a:schemeClr val="accent1"/>
+              </a:fillRef>
+              <a:effectRef idx="0">
+                <a:schemeClr val="accent1"/>
+              </a:effectRef>
+              <a:fontRef idx="minor">
+                <a:schemeClr val="lt1"/>
+              </a:fontRef>
+            </p:style>
+            <p:txBody>
+              <a:bodyPr lIns="0" tIns="0" rIns="0" bIns="0" rtlCol="0" anchor="ctr" anchorCtr="1">
+                <a:spAutoFit/>
+              </a:bodyPr>
+              <a:lstStyle/>
+              <a:p>
+                <a:pPr defTabSz="896938">
+                  <a:tabLst>
+                    <a:tab pos="628650" algn="l"/>
+                  </a:tabLst>
+                </a:pPr>
+                <a:r>
+                  <a:rPr lang="en-US" sz="1200" b="1" noProof="1">
+                    <a:solidFill>
+                      <a:schemeClr val="tx1"/>
+                    </a:solidFill>
+                    <a:latin typeface="Courier New" panose="02070309020205020404" pitchFamily="49" charset="0"/>
+                    <a:cs typeface="Courier New" panose="02070309020205020404" pitchFamily="49" charset="0"/>
+                  </a:rPr>
+                  <a:t>PR</a:t>
+                </a:r>
+                <a:endParaRPr lang="en-US" sz="1200" b="1" noProof="1">
+                  <a:solidFill>
+                    <a:schemeClr val="tx1"/>
+                  </a:solidFill>
+                  <a:latin typeface="Courier New" panose="02070309020205020404" pitchFamily="49" charset="0"/>
+                  <a:cs typeface="Courier New" panose="02070309020205020404" pitchFamily="49" charset="0"/>
                 </a:endParaRPr>
               </a:p>
             </p:txBody>

--- a/payments/open-banking-dual-mode-end-to-end-security-simplified.pptx
+++ b/payments/open-banking-dual-mode-end-to-end-security-simplified.pptx
@@ -12425,7 +12425,7 @@
                   <a:schemeClr val="tx1"/>
                 </a:solidFill>
               </a:rPr>
-              <a:t>User Authorization</a:t>
+              <a:t>Authorization Data</a:t>
             </a:r>
             <a:endParaRPr lang="en-US" sz="1400" dirty="0">
               <a:solidFill>
@@ -14481,14 +14481,7 @@
                 <a:latin typeface="Arial" panose="020B0604020202020204" pitchFamily="34" charset="0"/>
                 <a:cs typeface="Arial" panose="020B0604020202020204" pitchFamily="34" charset="0"/>
               </a:rPr>
-              <a:t>Payment </a:t>
-            </a:r>
-            <a:r>
-              <a:rPr lang="en-US" sz="1200" dirty="0" smtClean="0">
-                <a:latin typeface="Arial" panose="020B0604020202020204" pitchFamily="34" charset="0"/>
-                <a:cs typeface="Arial" panose="020B0604020202020204" pitchFamily="34" charset="0"/>
-              </a:rPr>
-              <a:t>Order (</a:t>
+              <a:t>Payment Order (</a:t>
             </a:r>
             <a:r>
               <a:rPr lang="en-US" sz="1200" b="1" dirty="0">
@@ -15333,14 +15326,7 @@
                 <a:latin typeface="Arial" panose="020B0604020202020204" pitchFamily="34" charset="0"/>
                 <a:cs typeface="Arial" panose="020B0604020202020204" pitchFamily="34" charset="0"/>
               </a:rPr>
-              <a:t>“Virtual</a:t>
-            </a:r>
-            <a:r>
-              <a:rPr lang="en-US" sz="1400" dirty="0" smtClean="0">
-                <a:latin typeface="Arial" panose="020B0604020202020204" pitchFamily="34" charset="0"/>
-                <a:cs typeface="Arial" panose="020B0604020202020204" pitchFamily="34" charset="0"/>
-              </a:rPr>
-              <a:t>” Payment Card</a:t>
+              <a:t>“Virtual” Payment Card</a:t>
             </a:r>
           </a:p>
           <a:p>
@@ -16382,8 +16368,8 @@
         </p:nvSpPr>
         <p:spPr>
           <a:xfrm>
-            <a:off x="6534433" y="4936088"/>
-            <a:ext cx="2075953" cy="307777"/>
+            <a:off x="6566367" y="4936088"/>
+            <a:ext cx="2012089" cy="307777"/>
           </a:xfrm>
           <a:prstGeom prst="rect">
             <a:avLst/>
@@ -16402,14 +16388,14 @@
                 <a:latin typeface="Arial" panose="020B0604020202020204" pitchFamily="34" charset="0"/>
                 <a:cs typeface="Arial" panose="020B0604020202020204" pitchFamily="34" charset="0"/>
               </a:rPr>
-              <a:t>Data to Authorize (</a:t>
-            </a:r>
-            <a:r>
-              <a:rPr lang="en-US" sz="1200" b="1" dirty="0">
+              <a:t>Authorization Data (</a:t>
+            </a:r>
+            <a:r>
+              <a:rPr lang="en-US" sz="1200" b="1" dirty="0" smtClean="0">
                 <a:latin typeface="Courier New" panose="02070309020205020404" pitchFamily="49" charset="0"/>
                 <a:cs typeface="Courier New" panose="02070309020205020404" pitchFamily="49" charset="0"/>
               </a:rPr>
-              <a:t>D2A</a:t>
+              <a:t>AD</a:t>
             </a:r>
             <a:r>
               <a:rPr lang="en-US" sz="1400" dirty="0" smtClean="0">
@@ -16526,7 +16512,7 @@
         <p:spPr>
           <a:xfrm>
             <a:off x="1666046" y="2949159"/>
-            <a:ext cx="3044964" cy="1553356"/>
+            <a:ext cx="2950191" cy="1553356"/>
           </a:xfrm>
           <a:prstGeom prst="roundRect">
             <a:avLst>
@@ -16582,12 +16568,16 @@
               <a:t>Decrypt and decode </a:t>
             </a:r>
             <a:r>
-              <a:rPr lang="en-US" sz="1200" b="1" dirty="0">
+              <a:rPr lang="en-US" sz="1200" b="1" dirty="0" smtClean="0">
                 <a:latin typeface="Courier New" panose="02070309020205020404" pitchFamily="49" charset="0"/>
                 <a:cs typeface="Courier New" panose="02070309020205020404" pitchFamily="49" charset="0"/>
               </a:rPr>
-              <a:t>D2A</a:t>
-            </a:r>
+              <a:t>AD</a:t>
+            </a:r>
+            <a:endParaRPr lang="en-US" sz="1200" b="1" dirty="0">
+              <a:latin typeface="Courier New" panose="02070309020205020404" pitchFamily="49" charset="0"/>
+              <a:cs typeface="Courier New" panose="02070309020205020404" pitchFamily="49" charset="0"/>
+            </a:endParaRPr>
           </a:p>
           <a:p>
             <a:pPr marL="144000" indent="-144000">
@@ -16602,11 +16592,11 @@
               <a:t>Validate </a:t>
             </a:r>
             <a:r>
-              <a:rPr lang="en-US" sz="1200" b="1" dirty="0">
+              <a:rPr lang="en-US" sz="1200" b="1" dirty="0" smtClean="0">
                 <a:latin typeface="Courier New" panose="02070309020205020404" pitchFamily="49" charset="0"/>
                 <a:cs typeface="Courier New" panose="02070309020205020404" pitchFamily="49" charset="0"/>
               </a:rPr>
-              <a:t>D2A</a:t>
+              <a:t>AD</a:t>
             </a:r>
             <a:r>
               <a:rPr lang="en-US" sz="1200" dirty="0" smtClean="0">
@@ -16629,11 +16619,25 @@
               <a:buChar char="•"/>
             </a:pPr>
             <a:r>
+              <a:rPr lang="en-US" sz="1200" smtClean="0">
+                <a:latin typeface="Arial" panose="020B0604020202020204" pitchFamily="34" charset="0"/>
+                <a:cs typeface="Arial" panose="020B0604020202020204" pitchFamily="34" charset="0"/>
+              </a:rPr>
+              <a:t>Compare </a:t>
+            </a:r>
+            <a:r>
+              <a:rPr lang="en-US" sz="1200" smtClean="0">
+                <a:latin typeface="Arial" panose="020B0604020202020204" pitchFamily="34" charset="0"/>
+                <a:cs typeface="Arial" panose="020B0604020202020204" pitchFamily="34" charset="0"/>
+              </a:rPr>
+              <a:t>signature </a:t>
+            </a:r>
+            <a:r>
               <a:rPr lang="en-US" sz="1200" dirty="0" smtClean="0">
                 <a:latin typeface="Arial" panose="020B0604020202020204" pitchFamily="34" charset="0"/>
                 <a:cs typeface="Arial" panose="020B0604020202020204" pitchFamily="34" charset="0"/>
               </a:rPr>
-              <a:t>Compare signature key and</a:t>
+              <a:t>key and</a:t>
             </a:r>
             <a:br>
               <a:rPr lang="en-US" sz="1200" dirty="0" smtClean="0">
@@ -16642,18 +16646,25 @@
               </a:rPr>
             </a:br>
             <a:r>
-              <a:rPr lang="en-US" sz="1200" b="1" dirty="0" smtClean="0">
+              <a:rPr lang="en-US" sz="1200" b="1" dirty="0" err="1" smtClean="0">
                 <a:latin typeface="Courier New" panose="02070309020205020404" pitchFamily="49" charset="0"/>
                 <a:cs typeface="Courier New" panose="02070309020205020404" pitchFamily="49" charset="0"/>
               </a:rPr>
-              <a:t>D2A.</a:t>
+              <a:t>AD.</a:t>
+            </a:r>
+            <a:r>
+              <a:rPr lang="en-US" sz="1200" i="1" dirty="0" err="1" smtClean="0">
+                <a:latin typeface="Arial" panose="020B0604020202020204" pitchFamily="34" charset="0"/>
+                <a:cs typeface="Arial" panose="020B0604020202020204" pitchFamily="34" charset="0"/>
+              </a:rPr>
+              <a:t>AccountId</a:t>
             </a:r>
             <a:r>
               <a:rPr lang="en-US" sz="1200" i="1" dirty="0" smtClean="0">
                 <a:latin typeface="Arial" panose="020B0604020202020204" pitchFamily="34" charset="0"/>
                 <a:cs typeface="Arial" panose="020B0604020202020204" pitchFamily="34" charset="0"/>
               </a:rPr>
-              <a:t>AccountId </a:t>
+              <a:t> </a:t>
             </a:r>
             <a:r>
               <a:rPr lang="en-US" sz="1200" dirty="0" smtClean="0">
@@ -16662,10 +16673,6 @@
               </a:rPr>
               <a:t>with credential database</a:t>
             </a:r>
-            <a:endParaRPr lang="en-US" sz="1200" dirty="0" smtClean="0">
-              <a:latin typeface="Arial" panose="020B0604020202020204" pitchFamily="34" charset="0"/>
-              <a:cs typeface="Arial" panose="020B0604020202020204" pitchFamily="34" charset="0"/>
-            </a:endParaRPr>
           </a:p>
           <a:p>
             <a:pPr marL="144000" indent="-144000">
@@ -16708,32 +16715,18 @@
               <a:t>) with </a:t>
             </a:r>
             <a:r>
-              <a:rPr lang="en-US" sz="1200" b="1" dirty="0">
+              <a:rPr lang="en-US" sz="1200" b="1" dirty="0" err="1" smtClean="0">
                 <a:latin typeface="Courier New" panose="02070309020205020404" pitchFamily="49" charset="0"/>
                 <a:cs typeface="Courier New" panose="02070309020205020404" pitchFamily="49" charset="0"/>
               </a:rPr>
-              <a:t>D</a:t>
-            </a:r>
-            <a:r>
-              <a:rPr lang="en-US" sz="1200" b="1" dirty="0">
-                <a:latin typeface="Courier New" panose="02070309020205020404" pitchFamily="49" charset="0"/>
-                <a:cs typeface="Courier New" panose="02070309020205020404" pitchFamily="49" charset="0"/>
-              </a:rPr>
-              <a:t>2A.</a:t>
-            </a:r>
-            <a:r>
-              <a:rPr lang="en-US" sz="1200" i="1" dirty="0">
+              <a:t>AD.</a:t>
+            </a:r>
+            <a:r>
+              <a:rPr lang="en-US" sz="1200" i="1" dirty="0" err="1" smtClean="0">
                 <a:latin typeface="Arial" panose="020B0604020202020204" pitchFamily="34" charset="0"/>
                 <a:cs typeface="Arial" panose="020B0604020202020204" pitchFamily="34" charset="0"/>
               </a:rPr>
-              <a:t>Ha</a:t>
-            </a:r>
-            <a:r>
-              <a:rPr lang="en-US" sz="1200" i="1" dirty="0" smtClean="0">
-                <a:latin typeface="Arial" panose="020B0604020202020204" pitchFamily="34" charset="0"/>
-                <a:cs typeface="Arial" panose="020B0604020202020204" pitchFamily="34" charset="0"/>
-              </a:rPr>
-              <a:t>shOf</a:t>
+              <a:t>HashOf</a:t>
             </a:r>
             <a:endParaRPr lang="en-US" sz="1200" i="1" dirty="0" smtClean="0">
               <a:latin typeface="Arial" panose="020B0604020202020204" pitchFamily="34" charset="0"/>
@@ -16821,14 +16814,7 @@
                 <a:latin typeface="Arial" panose="020B0604020202020204" pitchFamily="34" charset="0"/>
                 <a:cs typeface="Arial" panose="020B0604020202020204" pitchFamily="34" charset="0"/>
               </a:rPr>
-              <a:t> </a:t>
-            </a:r>
-            <a:r>
-              <a:rPr lang="en-US" sz="800" dirty="0" smtClean="0">
-                <a:latin typeface="Arial" panose="020B0604020202020204" pitchFamily="34" charset="0"/>
-                <a:cs typeface="Arial" panose="020B0604020202020204" pitchFamily="34" charset="0"/>
-              </a:rPr>
-              <a:t>2019-11-21</a:t>
+              <a:t> 2019-11-21</a:t>
             </a:r>
             <a:endParaRPr lang="en-US" sz="800" dirty="0">
               <a:latin typeface="Arial" panose="020B0604020202020204" pitchFamily="34" charset="0"/>
@@ -17149,13 +17135,6 @@
                 </a:rPr>
                 <a:t>PR</a:t>
               </a:r>
-              <a:endParaRPr lang="en-US" sz="1200" b="1" noProof="1">
-                <a:solidFill>
-                  <a:schemeClr val="tx1"/>
-                </a:solidFill>
-                <a:latin typeface="Courier New" panose="02070309020205020404" pitchFamily="49" charset="0"/>
-                <a:cs typeface="Courier New" panose="02070309020205020404" pitchFamily="49" charset="0"/>
-              </a:endParaRPr>
             </a:p>
           </p:txBody>
         </p:sp>
@@ -17567,13 +17546,6 @@
                   </a:rPr>
                   <a:t>PR</a:t>
                 </a:r>
-                <a:endParaRPr lang="en-US" sz="1200" b="1" noProof="1">
-                  <a:solidFill>
-                    <a:schemeClr val="tx1"/>
-                  </a:solidFill>
-                  <a:latin typeface="Courier New" panose="02070309020205020404" pitchFamily="49" charset="0"/>
-                  <a:cs typeface="Courier New" panose="02070309020205020404" pitchFamily="49" charset="0"/>
-                </a:endParaRPr>
               </a:p>
             </p:txBody>
           </p:sp>

--- a/payments/open-banking-dual-mode-end-to-end-security-simplified.pptx
+++ b/payments/open-banking-dual-mode-end-to-end-security-simplified.pptx
@@ -14184,7 +14184,7 @@
         </p:blipFill>
         <p:spPr bwMode="auto">
           <a:xfrm>
-            <a:off x="6424415" y="3737328"/>
+            <a:off x="5652120" y="3737328"/>
             <a:ext cx="360040" cy="356341"/>
           </a:xfrm>
           <a:prstGeom prst="rect">
@@ -14293,7 +14293,7 @@
         </p:blipFill>
         <p:spPr bwMode="auto">
           <a:xfrm>
-            <a:off x="6424415" y="4036780"/>
+            <a:off x="5652120" y="4036780"/>
             <a:ext cx="360040" cy="356341"/>
           </a:xfrm>
           <a:prstGeom prst="rect">
@@ -15165,8 +15165,8 @@
         </p:nvSpPr>
         <p:spPr>
           <a:xfrm>
-            <a:off x="6777727" y="3837429"/>
-            <a:ext cx="742419" cy="204311"/>
+            <a:off x="6007756" y="3837429"/>
+            <a:ext cx="2127753" cy="204311"/>
           </a:xfrm>
           <a:prstGeom prst="roundRect">
             <a:avLst/>
@@ -15182,7 +15182,6 @@
           </a:bodyPr>
           <a:lstStyle/>
           <a:p>
-            <a:pPr algn="ctr"/>
             <a:r>
               <a:rPr lang="en-US" sz="1200" i="1" dirty="0" smtClean="0">
                 <a:solidFill>
@@ -15195,6 +15194,20 @@
               </a:rPr>
               <a:t>Signature</a:t>
             </a:r>
+            <a:r>
+              <a:rPr lang="en-US" sz="1200" dirty="0">
+                <a:latin typeface="Arial" panose="020B0604020202020204" pitchFamily="34" charset="0"/>
+                <a:cs typeface="Arial" panose="020B0604020202020204" pitchFamily="34" charset="0"/>
+              </a:rPr>
+              <a:t> [</a:t>
+            </a:r>
+            <a:r>
+              <a:rPr lang="en-US" sz="1200" dirty="0" smtClean="0">
+                <a:latin typeface="Arial" panose="020B0604020202020204" pitchFamily="34" charset="0"/>
+                <a:cs typeface="Arial" panose="020B0604020202020204" pitchFamily="34" charset="0"/>
+              </a:rPr>
+              <a:t>Unique private key]</a:t>
+            </a:r>
             <a:endParaRPr lang="en-US" sz="1200" dirty="0">
               <a:latin typeface="Arial" panose="020B0604020202020204" pitchFamily="34" charset="0"/>
               <a:cs typeface="Arial" panose="020B0604020202020204" pitchFamily="34" charset="0"/>
@@ -15210,8 +15223,8 @@
         </p:nvSpPr>
         <p:spPr>
           <a:xfrm>
-            <a:off x="6783446" y="4160623"/>
-            <a:ext cx="812681" cy="204311"/>
+            <a:off x="6007756" y="4160623"/>
+            <a:ext cx="2145386" cy="204311"/>
           </a:xfrm>
           <a:prstGeom prst="roundRect">
             <a:avLst/>
@@ -15227,7 +15240,6 @@
           </a:bodyPr>
           <a:lstStyle/>
           <a:p>
-            <a:pPr algn="ctr"/>
             <a:r>
               <a:rPr lang="en-US" sz="1200" i="1" dirty="0" smtClean="0">
                 <a:solidFill>
@@ -15240,6 +15252,27 @@
               </a:rPr>
               <a:t>Encryption</a:t>
             </a:r>
+            <a:r>
+              <a:rPr lang="en-US" sz="1200" dirty="0" smtClean="0">
+                <a:latin typeface="Arial" panose="020B0604020202020204" pitchFamily="34" charset="0"/>
+                <a:cs typeface="Arial" panose="020B0604020202020204" pitchFamily="34" charset="0"/>
+              </a:rPr>
+              <a:t> [</a:t>
+            </a:r>
+            <a:r>
+              <a:rPr lang="en-US" sz="1200" i="1" dirty="0" smtClean="0">
+                <a:latin typeface="Arial" panose="020B0604020202020204" pitchFamily="34" charset="0"/>
+                <a:cs typeface="Arial" panose="020B0604020202020204" pitchFamily="34" charset="0"/>
+              </a:rPr>
+              <a:t>Shared</a:t>
+            </a:r>
+            <a:r>
+              <a:rPr lang="en-US" sz="1200" dirty="0" smtClean="0">
+                <a:latin typeface="Arial" panose="020B0604020202020204" pitchFamily="34" charset="0"/>
+                <a:cs typeface="Arial" panose="020B0604020202020204" pitchFamily="34" charset="0"/>
+              </a:rPr>
+              <a:t> public key]</a:t>
+            </a:r>
             <a:endParaRPr lang="en-US" sz="1200" dirty="0">
               <a:latin typeface="Arial" panose="020B0604020202020204" pitchFamily="34" charset="0"/>
               <a:cs typeface="Arial" panose="020B0604020202020204" pitchFamily="34" charset="0"/>
@@ -15255,8 +15288,8 @@
         </p:nvSpPr>
         <p:spPr>
           <a:xfrm>
-            <a:off x="6372200" y="3501008"/>
-            <a:ext cx="1669294" cy="184666"/>
+            <a:off x="5652120" y="3501008"/>
+            <a:ext cx="1694942" cy="184666"/>
           </a:xfrm>
           <a:prstGeom prst="rect">
             <a:avLst/>
@@ -15282,7 +15315,21 @@
                 <a:latin typeface="Arial" panose="020B0604020202020204" pitchFamily="34" charset="0"/>
                 <a:cs typeface="Arial" panose="020B0604020202020204" pitchFamily="34" charset="0"/>
               </a:rPr>
-              <a:t>Account Id: SE48800…</a:t>
+              <a:t>Account </a:t>
+            </a:r>
+            <a:r>
+              <a:rPr lang="en-US" sz="1200" dirty="0" smtClean="0">
+                <a:latin typeface="Arial" panose="020B0604020202020204" pitchFamily="34" charset="0"/>
+                <a:cs typeface="Arial" panose="020B0604020202020204" pitchFamily="34" charset="0"/>
+              </a:rPr>
+              <a:t>ID: </a:t>
+            </a:r>
+            <a:r>
+              <a:rPr lang="en-US" sz="1200" dirty="0" smtClean="0">
+                <a:latin typeface="Arial" panose="020B0604020202020204" pitchFamily="34" charset="0"/>
+                <a:cs typeface="Arial" panose="020B0604020202020204" pitchFamily="34" charset="0"/>
+              </a:rPr>
+              <a:t>SE48800…</a:t>
             </a:r>
             <a:endParaRPr lang="en-US" sz="1200" dirty="0">
               <a:latin typeface="Arial" panose="020B0604020202020204" pitchFamily="34" charset="0"/>
@@ -16603,14 +16650,7 @@
                 <a:latin typeface="Arial" panose="020B0604020202020204" pitchFamily="34" charset="0"/>
                 <a:cs typeface="Arial" panose="020B0604020202020204" pitchFamily="34" charset="0"/>
               </a:rPr>
-              <a:t> </a:t>
-            </a:r>
-            <a:r>
-              <a:rPr lang="en-US" sz="1200" dirty="0" smtClean="0">
-                <a:latin typeface="Arial" panose="020B0604020202020204" pitchFamily="34" charset="0"/>
-                <a:cs typeface="Arial" panose="020B0604020202020204" pitchFamily="34" charset="0"/>
-              </a:rPr>
-              <a:t>signature</a:t>
+              <a:t> signature</a:t>
             </a:r>
           </a:p>
           <a:p>
@@ -16623,14 +16663,7 @@
                 <a:latin typeface="Arial" panose="020B0604020202020204" pitchFamily="34" charset="0"/>
                 <a:cs typeface="Arial" panose="020B0604020202020204" pitchFamily="34" charset="0"/>
               </a:rPr>
-              <a:t>Compare </a:t>
-            </a:r>
-            <a:r>
-              <a:rPr lang="en-US" sz="1200" smtClean="0">
-                <a:latin typeface="Arial" panose="020B0604020202020204" pitchFamily="34" charset="0"/>
-                <a:cs typeface="Arial" panose="020B0604020202020204" pitchFamily="34" charset="0"/>
-              </a:rPr>
-              <a:t>signature </a:t>
+              <a:t>Compare signature </a:t>
             </a:r>
             <a:r>
               <a:rPr lang="en-US" sz="1200" dirty="0" smtClean="0">

--- a/payments/open-banking-dual-mode-end-to-end-security-simplified.pptx
+++ b/payments/open-banking-dual-mode-end-to-end-security-simplified.pptx
@@ -174,7 +174,7 @@
           <a:p>
             <a:fld id="{487FC4E9-77CD-4C2A-BF4D-150A82B34D6E}" type="datetimeFigureOut">
               <a:rPr lang="en-US" smtClean="0"/>
-              <a:t>2019-11-21</a:t>
+              <a:t>2019-11-23</a:t>
             </a:fld>
             <a:endParaRPr lang="en-US"/>
           </a:p>
@@ -451,7 +451,7 @@
           <a:p>
             <a:fld id="{487FC4E9-77CD-4C2A-BF4D-150A82B34D6E}" type="datetimeFigureOut">
               <a:rPr lang="en-US" smtClean="0"/>
-              <a:t>2019-11-21</a:t>
+              <a:t>2019-11-23</a:t>
             </a:fld>
             <a:endParaRPr lang="en-US"/>
           </a:p>
@@ -704,7 +704,7 @@
           <a:p>
             <a:fld id="{487FC4E9-77CD-4C2A-BF4D-150A82B34D6E}" type="datetimeFigureOut">
               <a:rPr lang="en-US" smtClean="0"/>
-              <a:t>2019-11-21</a:t>
+              <a:t>2019-11-23</a:t>
             </a:fld>
             <a:endParaRPr lang="en-US"/>
           </a:p>
@@ -874,7 +874,7 @@
           <a:p>
             <a:fld id="{487FC4E9-77CD-4C2A-BF4D-150A82B34D6E}" type="datetimeFigureOut">
               <a:rPr lang="en-US" smtClean="0"/>
-              <a:t>2019-11-21</a:t>
+              <a:t>2019-11-23</a:t>
             </a:fld>
             <a:endParaRPr lang="en-US"/>
           </a:p>
@@ -1054,7 +1054,7 @@
           <a:p>
             <a:fld id="{487FC4E9-77CD-4C2A-BF4D-150A82B34D6E}" type="datetimeFigureOut">
               <a:rPr lang="en-US" smtClean="0"/>
-              <a:t>2019-11-21</a:t>
+              <a:t>2019-11-23</a:t>
             </a:fld>
             <a:endParaRPr lang="en-US"/>
           </a:p>
@@ -1296,7 +1296,7 @@
           <a:p>
             <a:fld id="{FC49C25B-30EF-47C5-9138-00DBA21FC2D6}" type="datetimeFigureOut">
               <a:rPr lang="en-US" smtClean="0"/>
-              <a:t>2019-11-21</a:t>
+              <a:t>2019-11-23</a:t>
             </a:fld>
             <a:endParaRPr lang="en-US"/>
           </a:p>
@@ -1466,7 +1466,7 @@
           <a:p>
             <a:fld id="{FC49C25B-30EF-47C5-9138-00DBA21FC2D6}" type="datetimeFigureOut">
               <a:rPr lang="en-US" smtClean="0"/>
-              <a:t>2019-11-21</a:t>
+              <a:t>2019-11-23</a:t>
             </a:fld>
             <a:endParaRPr lang="en-US"/>
           </a:p>
@@ -1712,7 +1712,7 @@
           <a:p>
             <a:fld id="{FC49C25B-30EF-47C5-9138-00DBA21FC2D6}" type="datetimeFigureOut">
               <a:rPr lang="en-US" smtClean="0"/>
-              <a:t>2019-11-21</a:t>
+              <a:t>2019-11-23</a:t>
             </a:fld>
             <a:endParaRPr lang="en-US"/>
           </a:p>
@@ -2000,7 +2000,7 @@
           <a:p>
             <a:fld id="{FC49C25B-30EF-47C5-9138-00DBA21FC2D6}" type="datetimeFigureOut">
               <a:rPr lang="en-US" smtClean="0"/>
-              <a:t>2019-11-21</a:t>
+              <a:t>2019-11-23</a:t>
             </a:fld>
             <a:endParaRPr lang="en-US"/>
           </a:p>
@@ -2422,7 +2422,7 @@
           <a:p>
             <a:fld id="{FC49C25B-30EF-47C5-9138-00DBA21FC2D6}" type="datetimeFigureOut">
               <a:rPr lang="en-US" smtClean="0"/>
-              <a:t>2019-11-21</a:t>
+              <a:t>2019-11-23</a:t>
             </a:fld>
             <a:endParaRPr lang="en-US"/>
           </a:p>
@@ -2540,7 +2540,7 @@
           <a:p>
             <a:fld id="{487FC4E9-77CD-4C2A-BF4D-150A82B34D6E}" type="datetimeFigureOut">
               <a:rPr lang="en-US" smtClean="0"/>
-              <a:t>2019-11-21</a:t>
+              <a:t>2019-11-23</a:t>
             </a:fld>
             <a:endParaRPr lang="en-US"/>
           </a:p>
@@ -2658,7 +2658,7 @@
           <a:p>
             <a:fld id="{FC49C25B-30EF-47C5-9138-00DBA21FC2D6}" type="datetimeFigureOut">
               <a:rPr lang="en-US" smtClean="0"/>
-              <a:t>2019-11-21</a:t>
+              <a:t>2019-11-23</a:t>
             </a:fld>
             <a:endParaRPr lang="en-US"/>
           </a:p>
@@ -2753,7 +2753,7 @@
           <a:p>
             <a:fld id="{FC49C25B-30EF-47C5-9138-00DBA21FC2D6}" type="datetimeFigureOut">
               <a:rPr lang="en-US" smtClean="0"/>
-              <a:t>2019-11-21</a:t>
+              <a:t>2019-11-23</a:t>
             </a:fld>
             <a:endParaRPr lang="en-US"/>
           </a:p>
@@ -3030,7 +3030,7 @@
           <a:p>
             <a:fld id="{FC49C25B-30EF-47C5-9138-00DBA21FC2D6}" type="datetimeFigureOut">
               <a:rPr lang="en-US" smtClean="0"/>
-              <a:t>2019-11-21</a:t>
+              <a:t>2019-11-23</a:t>
             </a:fld>
             <a:endParaRPr lang="en-US"/>
           </a:p>
@@ -3283,7 +3283,7 @@
           <a:p>
             <a:fld id="{FC49C25B-30EF-47C5-9138-00DBA21FC2D6}" type="datetimeFigureOut">
               <a:rPr lang="en-US" smtClean="0"/>
-              <a:t>2019-11-21</a:t>
+              <a:t>2019-11-23</a:t>
             </a:fld>
             <a:endParaRPr lang="en-US"/>
           </a:p>
@@ -3453,7 +3453,7 @@
           <a:p>
             <a:fld id="{FC49C25B-30EF-47C5-9138-00DBA21FC2D6}" type="datetimeFigureOut">
               <a:rPr lang="en-US" smtClean="0"/>
-              <a:t>2019-11-21</a:t>
+              <a:t>2019-11-23</a:t>
             </a:fld>
             <a:endParaRPr lang="en-US"/>
           </a:p>
@@ -3633,7 +3633,7 @@
           <a:p>
             <a:fld id="{FC49C25B-30EF-47C5-9138-00DBA21FC2D6}" type="datetimeFigureOut">
               <a:rPr lang="en-US" smtClean="0"/>
-              <a:t>2019-11-21</a:t>
+              <a:t>2019-11-23</a:t>
             </a:fld>
             <a:endParaRPr lang="en-US"/>
           </a:p>
@@ -3881,7 +3881,7 @@
           <a:p>
             <a:fld id="{9AC59E2D-BDB3-457B-9981-CCAC3BF92E36}" type="datetimeFigureOut">
               <a:rPr lang="en-US" smtClean="0"/>
-              <a:t>2019-11-21</a:t>
+              <a:t>2019-11-23</a:t>
             </a:fld>
             <a:endParaRPr lang="en-US"/>
           </a:p>
@@ -4067,7 +4067,7 @@
           <a:p>
             <a:fld id="{9AC59E2D-BDB3-457B-9981-CCAC3BF92E36}" type="datetimeFigureOut">
               <a:rPr lang="en-US" smtClean="0"/>
-              <a:t>2019-11-21</a:t>
+              <a:t>2019-11-23</a:t>
             </a:fld>
             <a:endParaRPr lang="en-US"/>
           </a:p>
@@ -4319,7 +4319,7 @@
           <a:p>
             <a:fld id="{9AC59E2D-BDB3-457B-9981-CCAC3BF92E36}" type="datetimeFigureOut">
               <a:rPr lang="en-US" smtClean="0"/>
-              <a:t>2019-11-21</a:t>
+              <a:t>2019-11-23</a:t>
             </a:fld>
             <a:endParaRPr lang="en-US"/>
           </a:p>
@@ -4621,7 +4621,7 @@
           <a:p>
             <a:fld id="{9AC59E2D-BDB3-457B-9981-CCAC3BF92E36}" type="datetimeFigureOut">
               <a:rPr lang="en-US" smtClean="0"/>
-              <a:t>2019-11-21</a:t>
+              <a:t>2019-11-23</a:t>
             </a:fld>
             <a:endParaRPr lang="en-US"/>
           </a:p>
@@ -4739,7 +4739,7 @@
           <a:p>
             <a:fld id="{487FC4E9-77CD-4C2A-BF4D-150A82B34D6E}" type="datetimeFigureOut">
               <a:rPr lang="en-US" smtClean="0"/>
-              <a:t>2019-11-21</a:t>
+              <a:t>2019-11-23</a:t>
             </a:fld>
             <a:endParaRPr lang="en-US"/>
           </a:p>
@@ -5181,7 +5181,7 @@
           <a:p>
             <a:fld id="{9AC59E2D-BDB3-457B-9981-CCAC3BF92E36}" type="datetimeFigureOut">
               <a:rPr lang="en-US" smtClean="0"/>
-              <a:t>2019-11-21</a:t>
+              <a:t>2019-11-23</a:t>
             </a:fld>
             <a:endParaRPr lang="en-US"/>
           </a:p>
@@ -5307,7 +5307,7 @@
           <a:p>
             <a:fld id="{9AC59E2D-BDB3-457B-9981-CCAC3BF92E36}" type="datetimeFigureOut">
               <a:rPr lang="en-US" smtClean="0"/>
-              <a:t>2019-11-21</a:t>
+              <a:t>2019-11-23</a:t>
             </a:fld>
             <a:endParaRPr lang="en-US"/>
           </a:p>
@@ -5402,7 +5402,7 @@
           <a:p>
             <a:fld id="{9AC59E2D-BDB3-457B-9981-CCAC3BF92E36}" type="datetimeFigureOut">
               <a:rPr lang="en-US" smtClean="0"/>
-              <a:t>2019-11-21</a:t>
+              <a:t>2019-11-23</a:t>
             </a:fld>
             <a:endParaRPr lang="en-US"/>
           </a:p>
@@ -5688,7 +5688,7 @@
           <a:p>
             <a:fld id="{9AC59E2D-BDB3-457B-9981-CCAC3BF92E36}" type="datetimeFigureOut">
               <a:rPr lang="en-US" smtClean="0"/>
-              <a:t>2019-11-21</a:t>
+              <a:t>2019-11-23</a:t>
             </a:fld>
             <a:endParaRPr lang="en-US"/>
           </a:p>
@@ -5950,7 +5950,7 @@
           <a:p>
             <a:fld id="{9AC59E2D-BDB3-457B-9981-CCAC3BF92E36}" type="datetimeFigureOut">
               <a:rPr lang="en-US" smtClean="0"/>
-              <a:t>2019-11-21</a:t>
+              <a:t>2019-11-23</a:t>
             </a:fld>
             <a:endParaRPr lang="en-US"/>
           </a:p>
@@ -6136,7 +6136,7 @@
           <a:p>
             <a:fld id="{9AC59E2D-BDB3-457B-9981-CCAC3BF92E36}" type="datetimeFigureOut">
               <a:rPr lang="en-US" smtClean="0"/>
-              <a:t>2019-11-21</a:t>
+              <a:t>2019-11-23</a:t>
             </a:fld>
             <a:endParaRPr lang="en-US"/>
           </a:p>
@@ -6322,7 +6322,7 @@
           <a:p>
             <a:fld id="{9AC59E2D-BDB3-457B-9981-CCAC3BF92E36}" type="datetimeFigureOut">
               <a:rPr lang="en-US" smtClean="0"/>
-              <a:t>2019-11-21</a:t>
+              <a:t>2019-11-23</a:t>
             </a:fld>
             <a:endParaRPr lang="en-US"/>
           </a:p>
@@ -6564,7 +6564,7 @@
           <a:p>
             <a:fld id="{FA70D030-0E6B-41F6-8C32-589A7A1D0D79}" type="datetimeFigureOut">
               <a:rPr lang="en-US" smtClean="0"/>
-              <a:t>2019-11-21</a:t>
+              <a:t>2019-11-23</a:t>
             </a:fld>
             <a:endParaRPr lang="en-US"/>
           </a:p>
@@ -6734,7 +6734,7 @@
           <a:p>
             <a:fld id="{FA70D030-0E6B-41F6-8C32-589A7A1D0D79}" type="datetimeFigureOut">
               <a:rPr lang="en-US" smtClean="0"/>
-              <a:t>2019-11-21</a:t>
+              <a:t>2019-11-23</a:t>
             </a:fld>
             <a:endParaRPr lang="en-US"/>
           </a:p>
@@ -6980,7 +6980,7 @@
           <a:p>
             <a:fld id="{FA70D030-0E6B-41F6-8C32-589A7A1D0D79}" type="datetimeFigureOut">
               <a:rPr lang="en-US" smtClean="0"/>
-              <a:t>2019-11-21</a:t>
+              <a:t>2019-11-23</a:t>
             </a:fld>
             <a:endParaRPr lang="en-US"/>
           </a:p>
@@ -7098,7 +7098,7 @@
           <a:p>
             <a:fld id="{487FC4E9-77CD-4C2A-BF4D-150A82B34D6E}" type="datetimeFigureOut">
               <a:rPr lang="en-US" smtClean="0"/>
-              <a:t>2019-11-21</a:t>
+              <a:t>2019-11-23</a:t>
             </a:fld>
             <a:endParaRPr lang="en-US"/>
           </a:p>
@@ -7386,7 +7386,7 @@
           <a:p>
             <a:fld id="{FA70D030-0E6B-41F6-8C32-589A7A1D0D79}" type="datetimeFigureOut">
               <a:rPr lang="en-US" smtClean="0"/>
-              <a:t>2019-11-21</a:t>
+              <a:t>2019-11-23</a:t>
             </a:fld>
             <a:endParaRPr lang="en-US"/>
           </a:p>
@@ -7808,7 +7808,7 @@
           <a:p>
             <a:fld id="{FA70D030-0E6B-41F6-8C32-589A7A1D0D79}" type="datetimeFigureOut">
               <a:rPr lang="en-US" smtClean="0"/>
-              <a:t>2019-11-21</a:t>
+              <a:t>2019-11-23</a:t>
             </a:fld>
             <a:endParaRPr lang="en-US"/>
           </a:p>
@@ -7926,7 +7926,7 @@
           <a:p>
             <a:fld id="{FA70D030-0E6B-41F6-8C32-589A7A1D0D79}" type="datetimeFigureOut">
               <a:rPr lang="en-US" smtClean="0"/>
-              <a:t>2019-11-21</a:t>
+              <a:t>2019-11-23</a:t>
             </a:fld>
             <a:endParaRPr lang="en-US"/>
           </a:p>
@@ -8021,7 +8021,7 @@
           <a:p>
             <a:fld id="{FA70D030-0E6B-41F6-8C32-589A7A1D0D79}" type="datetimeFigureOut">
               <a:rPr lang="en-US" smtClean="0"/>
-              <a:t>2019-11-21</a:t>
+              <a:t>2019-11-23</a:t>
             </a:fld>
             <a:endParaRPr lang="en-US"/>
           </a:p>
@@ -8298,7 +8298,7 @@
           <a:p>
             <a:fld id="{FA70D030-0E6B-41F6-8C32-589A7A1D0D79}" type="datetimeFigureOut">
               <a:rPr lang="en-US" smtClean="0"/>
-              <a:t>2019-11-21</a:t>
+              <a:t>2019-11-23</a:t>
             </a:fld>
             <a:endParaRPr lang="en-US"/>
           </a:p>
@@ -8551,7 +8551,7 @@
           <a:p>
             <a:fld id="{FA70D030-0E6B-41F6-8C32-589A7A1D0D79}" type="datetimeFigureOut">
               <a:rPr lang="en-US" smtClean="0"/>
-              <a:t>2019-11-21</a:t>
+              <a:t>2019-11-23</a:t>
             </a:fld>
             <a:endParaRPr lang="en-US"/>
           </a:p>
@@ -8721,7 +8721,7 @@
           <a:p>
             <a:fld id="{FA70D030-0E6B-41F6-8C32-589A7A1D0D79}" type="datetimeFigureOut">
               <a:rPr lang="en-US" smtClean="0"/>
-              <a:t>2019-11-21</a:t>
+              <a:t>2019-11-23</a:t>
             </a:fld>
             <a:endParaRPr lang="en-US"/>
           </a:p>
@@ -8901,7 +8901,7 @@
           <a:p>
             <a:fld id="{FA70D030-0E6B-41F6-8C32-589A7A1D0D79}" type="datetimeFigureOut">
               <a:rPr lang="en-US" smtClean="0"/>
-              <a:t>2019-11-21</a:t>
+              <a:t>2019-11-23</a:t>
             </a:fld>
             <a:endParaRPr lang="en-US"/>
           </a:p>
@@ -9071,7 +9071,7 @@
           <a:p>
             <a:fld id="{487FC4E9-77CD-4C2A-BF4D-150A82B34D6E}" type="datetimeFigureOut">
               <a:rPr lang="en-US" smtClean="0"/>
-              <a:t>2019-11-21</a:t>
+              <a:t>2019-11-23</a:t>
             </a:fld>
             <a:endParaRPr lang="en-US"/>
           </a:p>
@@ -9317,7 +9317,7 @@
           <a:p>
             <a:fld id="{487FC4E9-77CD-4C2A-BF4D-150A82B34D6E}" type="datetimeFigureOut">
               <a:rPr lang="en-US" smtClean="0"/>
-              <a:t>2019-11-21</a:t>
+              <a:t>2019-11-23</a:t>
             </a:fld>
             <a:endParaRPr lang="en-US"/>
           </a:p>
@@ -9605,7 +9605,7 @@
           <a:p>
             <a:fld id="{487FC4E9-77CD-4C2A-BF4D-150A82B34D6E}" type="datetimeFigureOut">
               <a:rPr lang="en-US" smtClean="0"/>
-              <a:t>2019-11-21</a:t>
+              <a:t>2019-11-23</a:t>
             </a:fld>
             <a:endParaRPr lang="en-US"/>
           </a:p>
@@ -10027,7 +10027,7 @@
           <a:p>
             <a:fld id="{487FC4E9-77CD-4C2A-BF4D-150A82B34D6E}" type="datetimeFigureOut">
               <a:rPr lang="en-US" smtClean="0"/>
-              <a:t>2019-11-21</a:t>
+              <a:t>2019-11-23</a:t>
             </a:fld>
             <a:endParaRPr lang="en-US"/>
           </a:p>
@@ -10145,7 +10145,7 @@
           <a:p>
             <a:fld id="{487FC4E9-77CD-4C2A-BF4D-150A82B34D6E}" type="datetimeFigureOut">
               <a:rPr lang="en-US" smtClean="0"/>
-              <a:t>2019-11-21</a:t>
+              <a:t>2019-11-23</a:t>
             </a:fld>
             <a:endParaRPr lang="en-US"/>
           </a:p>
@@ -10358,7 +10358,7 @@
           <a:p>
             <a:fld id="{487FC4E9-77CD-4C2A-BF4D-150A82B34D6E}" type="datetimeFigureOut">
               <a:rPr lang="en-US" smtClean="0"/>
-              <a:t>2019-11-21</a:t>
+              <a:t>2019-11-23</a:t>
             </a:fld>
             <a:endParaRPr lang="en-US"/>
           </a:p>
@@ -10871,7 +10871,7 @@
           <a:p>
             <a:fld id="{FC49C25B-30EF-47C5-9138-00DBA21FC2D6}" type="datetimeFigureOut">
               <a:rPr lang="en-US" smtClean="0"/>
-              <a:t>2019-11-21</a:t>
+              <a:t>2019-11-23</a:t>
             </a:fld>
             <a:endParaRPr lang="en-US"/>
           </a:p>
@@ -11286,7 +11286,7 @@
           <a:p>
             <a:fld id="{9AC59E2D-BDB3-457B-9981-CCAC3BF92E36}" type="datetimeFigureOut">
               <a:rPr lang="en-US" smtClean="0"/>
-              <a:t>2019-11-21</a:t>
+              <a:t>2019-11-23</a:t>
             </a:fld>
             <a:endParaRPr lang="en-US"/>
           </a:p>
@@ -11796,7 +11796,7 @@
           <a:p>
             <a:fld id="{FA70D030-0E6B-41F6-8C32-589A7A1D0D79}" type="datetimeFigureOut">
               <a:rPr lang="en-US" smtClean="0"/>
-              <a:t>2019-11-21</a:t>
+              <a:t>2019-11-23</a:t>
             </a:fld>
             <a:endParaRPr lang="en-US"/>
           </a:p>
@@ -12193,8 +12193,8 @@
         </p:blipFill>
         <p:spPr>
           <a:xfrm>
-            <a:off x="5324265" y="1467198"/>
-            <a:ext cx="3184727" cy="2000474"/>
+            <a:off x="5324265" y="1346519"/>
+            <a:ext cx="2632111" cy="1653350"/>
           </a:xfrm>
           <a:prstGeom prst="rect">
             <a:avLst/>
@@ -12319,115 +12319,6 @@
           <a:p>
             <a:pPr algn="ctr"/>
             <a:endParaRPr lang="en-US">
-              <a:solidFill>
-                <a:schemeClr val="tx1"/>
-              </a:solidFill>
-            </a:endParaRPr>
-          </a:p>
-        </p:txBody>
-      </p:sp>
-      <p:sp>
-        <p:nvSpPr>
-          <p:cNvPr id="204" name="Rectangle 203"/>
-          <p:cNvSpPr/>
-          <p:nvPr/>
-        </p:nvSpPr>
-        <p:spPr>
-          <a:xfrm>
-            <a:off x="636798" y="5105262"/>
-            <a:ext cx="2567050" cy="1468258"/>
-          </a:xfrm>
-          <a:prstGeom prst="rect">
-            <a:avLst/>
-          </a:prstGeom>
-          <a:blipFill>
-            <a:blip r:embed="rId3"/>
-            <a:tile tx="0" ty="0" sx="50000" sy="50000" flip="none" algn="tl"/>
-          </a:blipFill>
-          <a:ln w="6350">
-            <a:solidFill>
-              <a:schemeClr val="bg1">
-                <a:lumMod val="50000"/>
-              </a:schemeClr>
-            </a:solidFill>
-          </a:ln>
-          <a:effectLst>
-            <a:outerShdw blurRad="50800" dist="38100" dir="2700000" algn="tl" rotWithShape="0">
-              <a:prstClr val="black">
-                <a:alpha val="40000"/>
-              </a:prstClr>
-            </a:outerShdw>
-          </a:effectLst>
-        </p:spPr>
-        <p:style>
-          <a:lnRef idx="2">
-            <a:schemeClr val="accent1">
-              <a:shade val="50000"/>
-            </a:schemeClr>
-          </a:lnRef>
-          <a:fillRef idx="1">
-            <a:schemeClr val="accent1"/>
-          </a:fillRef>
-          <a:effectRef idx="0">
-            <a:schemeClr val="accent1"/>
-          </a:effectRef>
-          <a:fontRef idx="minor">
-            <a:schemeClr val="lt1"/>
-          </a:fontRef>
-        </p:style>
-        <p:txBody>
-          <a:bodyPr rtlCol="0" anchor="ctr"/>
-          <a:lstStyle/>
-          <a:p>
-            <a:pPr algn="ctr"/>
-            <a:r>
-              <a:rPr lang="en-US" sz="1400" i="1" dirty="0" smtClean="0">
-                <a:solidFill>
-                  <a:schemeClr val="tx1"/>
-                </a:solidFill>
-              </a:rPr>
-              <a:t>Signed</a:t>
-            </a:r>
-            <a:r>
-              <a:rPr lang="en-US" sz="1400" dirty="0" smtClean="0">
-                <a:solidFill>
-                  <a:schemeClr val="tx1"/>
-                </a:solidFill>
-              </a:rPr>
-              <a:t> and </a:t>
-            </a:r>
-            <a:r>
-              <a:rPr lang="en-US" sz="1400" i="1" dirty="0" smtClean="0">
-                <a:solidFill>
-                  <a:schemeClr val="tx1"/>
-                </a:solidFill>
-              </a:rPr>
-              <a:t>Encrypted</a:t>
-            </a:r>
-            <a:r>
-              <a:rPr lang="en-US" sz="1400" dirty="0" smtClean="0">
-                <a:solidFill>
-                  <a:schemeClr val="tx1"/>
-                </a:solidFill>
-              </a:rPr>
-              <a:t/>
-            </a:r>
-            <a:br>
-              <a:rPr lang="en-US" sz="1400" dirty="0" smtClean="0">
-                <a:solidFill>
-                  <a:schemeClr val="tx1"/>
-                </a:solidFill>
-              </a:rPr>
-            </a:br>
-            <a:r>
-              <a:rPr lang="en-US" sz="1400" dirty="0" smtClean="0">
-                <a:solidFill>
-                  <a:schemeClr val="tx1"/>
-                </a:solidFill>
-              </a:rPr>
-              <a:t>Authorization Data</a:t>
-            </a:r>
-            <a:endParaRPr lang="en-US" sz="1400" dirty="0">
               <a:solidFill>
                 <a:schemeClr val="tx1"/>
               </a:solidFill>
@@ -14184,7 +14075,7 @@
         </p:blipFill>
         <p:spPr bwMode="auto">
           <a:xfrm>
-            <a:off x="5652120" y="3737328"/>
+            <a:off x="5400599" y="3277263"/>
             <a:ext cx="360040" cy="356341"/>
           </a:xfrm>
           <a:prstGeom prst="rect">
@@ -14293,7 +14184,7 @@
         </p:blipFill>
         <p:spPr bwMode="auto">
           <a:xfrm>
-            <a:off x="5652120" y="4036780"/>
+            <a:off x="5400599" y="3576715"/>
             <a:ext cx="360040" cy="356341"/>
           </a:xfrm>
           <a:prstGeom prst="rect">
@@ -14381,64 +14272,6 @@
           <a:p>
             <a:pPr algn="ctr"/>
             <a:endParaRPr lang="en-US"/>
-          </a:p>
-        </p:txBody>
-      </p:sp>
-      <p:sp>
-        <p:nvSpPr>
-          <p:cNvPr id="181" name="Parallelogram 180"/>
-          <p:cNvSpPr/>
-          <p:nvPr/>
-        </p:nvSpPr>
-        <p:spPr>
-          <a:xfrm>
-            <a:off x="3279453" y="1723560"/>
-            <a:ext cx="414109" cy="237600"/>
-          </a:xfrm>
-          <a:prstGeom prst="parallelogram">
-            <a:avLst/>
-          </a:prstGeom>
-          <a:blipFill>
-            <a:blip r:embed="rId3"/>
-            <a:tile tx="0" ty="0" sx="50000" sy="50000" flip="none" algn="tl"/>
-          </a:blipFill>
-          <a:ln w="6350">
-            <a:solidFill>
-              <a:schemeClr val="bg1">
-                <a:lumMod val="50000"/>
-              </a:schemeClr>
-            </a:solidFill>
-          </a:ln>
-          <a:effectLst>
-            <a:outerShdw blurRad="50800" dist="38100" dir="2700000" algn="tl" rotWithShape="0">
-              <a:prstClr val="black">
-                <a:alpha val="40000"/>
-              </a:prstClr>
-            </a:outerShdw>
-          </a:effectLst>
-        </p:spPr>
-        <p:style>
-          <a:lnRef idx="2">
-            <a:schemeClr val="accent1">
-              <a:shade val="50000"/>
-            </a:schemeClr>
-          </a:lnRef>
-          <a:fillRef idx="1">
-            <a:schemeClr val="accent1"/>
-          </a:fillRef>
-          <a:effectRef idx="0">
-            <a:schemeClr val="accent1"/>
-          </a:effectRef>
-          <a:fontRef idx="minor">
-            <a:schemeClr val="lt1"/>
-          </a:fontRef>
-        </p:style>
-        <p:txBody>
-          <a:bodyPr rtlCol="0" anchor="ctr"/>
-          <a:lstStyle/>
-          <a:p>
-            <a:pPr algn="ctr"/>
-            <a:endParaRPr lang="en-US" dirty="0"/>
           </a:p>
         </p:txBody>
       </p:sp>
@@ -15165,7 +14998,7 @@
         </p:nvSpPr>
         <p:spPr>
           <a:xfrm>
-            <a:off x="6007756" y="3837429"/>
+            <a:off x="5756235" y="3377364"/>
             <a:ext cx="2127753" cy="204311"/>
           </a:xfrm>
           <a:prstGeom prst="roundRect">
@@ -15223,7 +15056,7 @@
         </p:nvSpPr>
         <p:spPr>
           <a:xfrm>
-            <a:off x="6007756" y="4160623"/>
+            <a:off x="5756235" y="3700558"/>
             <a:ext cx="2145386" cy="204311"/>
           </a:xfrm>
           <a:prstGeom prst="roundRect">
@@ -15288,7 +15121,7 @@
         </p:nvSpPr>
         <p:spPr>
           <a:xfrm>
-            <a:off x="5652120" y="3501008"/>
+            <a:off x="5400599" y="3040943"/>
             <a:ext cx="1694942" cy="184666"/>
           </a:xfrm>
           <a:prstGeom prst="rect">
@@ -15315,21 +15148,7 @@
                 <a:latin typeface="Arial" panose="020B0604020202020204" pitchFamily="34" charset="0"/>
                 <a:cs typeface="Arial" panose="020B0604020202020204" pitchFamily="34" charset="0"/>
               </a:rPr>
-              <a:t>Account </a:t>
-            </a:r>
-            <a:r>
-              <a:rPr lang="en-US" sz="1200" dirty="0" smtClean="0">
-                <a:latin typeface="Arial" panose="020B0604020202020204" pitchFamily="34" charset="0"/>
-                <a:cs typeface="Arial" panose="020B0604020202020204" pitchFamily="34" charset="0"/>
-              </a:rPr>
-              <a:t>ID: </a:t>
-            </a:r>
-            <a:r>
-              <a:rPr lang="en-US" sz="1200" dirty="0" smtClean="0">
-                <a:latin typeface="Arial" panose="020B0604020202020204" pitchFamily="34" charset="0"/>
-                <a:cs typeface="Arial" panose="020B0604020202020204" pitchFamily="34" charset="0"/>
-              </a:rPr>
-              <a:t>SE48800…</a:t>
+              <a:t>Account ID: SE48800…</a:t>
             </a:r>
             <a:endParaRPr lang="en-US" sz="1200" dirty="0">
               <a:latin typeface="Arial" panose="020B0604020202020204" pitchFamily="34" charset="0"/>
@@ -15346,7 +15165,7 @@
         </p:nvSpPr>
         <p:spPr>
           <a:xfrm>
-            <a:off x="5852822" y="908720"/>
+            <a:off x="5852822" y="790035"/>
             <a:ext cx="2175562" cy="472559"/>
           </a:xfrm>
           <a:prstGeom prst="roundRect">
@@ -15362,7 +15181,7 @@
           </a:ln>
         </p:spPr>
         <p:txBody>
-          <a:bodyPr wrap="square" lIns="72000" tIns="0" rIns="72000" bIns="0" rtlCol="0" anchor="ctr" anchorCtr="0">
+          <a:bodyPr wrap="square" lIns="72000" tIns="0" rIns="72000" bIns="0" rtlCol="0" anchor="ctr" anchorCtr="1">
             <a:spAutoFit/>
           </a:bodyPr>
           <a:lstStyle/>
@@ -16210,7 +16029,7 @@
         </p:blipFill>
         <p:spPr bwMode="auto">
           <a:xfrm>
-            <a:off x="1331640" y="4652643"/>
+            <a:off x="1331640" y="4641141"/>
             <a:ext cx="360040" cy="356341"/>
           </a:xfrm>
           <a:prstGeom prst="rect">
@@ -16249,7 +16068,7 @@
         </p:nvSpPr>
         <p:spPr>
           <a:xfrm>
-            <a:off x="1691680" y="4776486"/>
+            <a:off x="1691680" y="4764984"/>
             <a:ext cx="812681" cy="204311"/>
           </a:xfrm>
           <a:prstGeom prst="roundRect">
@@ -16288,39 +16107,6 @@
           </a:p>
         </p:txBody>
       </p:sp>
-      <p:cxnSp>
-        <p:nvCxnSpPr>
-          <p:cNvPr id="24" name="Straight Connector 23"/>
-          <p:cNvCxnSpPr/>
-          <p:nvPr/>
-        </p:nvCxnSpPr>
-        <p:spPr>
-          <a:xfrm flipH="1">
-            <a:off x="2915816" y="1835986"/>
-            <a:ext cx="580073" cy="3539834"/>
-          </a:xfrm>
-          <a:prstGeom prst="straightConnector1">
-            <a:avLst/>
-          </a:prstGeom>
-          <a:ln>
-            <a:prstDash val="sysDash"/>
-          </a:ln>
-        </p:spPr>
-        <p:style>
-          <a:lnRef idx="1">
-            <a:schemeClr val="accent1"/>
-          </a:lnRef>
-          <a:fillRef idx="0">
-            <a:schemeClr val="accent1"/>
-          </a:fillRef>
-          <a:effectRef idx="0">
-            <a:schemeClr val="accent1"/>
-          </a:effectRef>
-          <a:fontRef idx="minor">
-            <a:schemeClr val="tx1"/>
-          </a:fontRef>
-        </p:style>
-      </p:cxnSp>
       <p:sp>
         <p:nvSpPr>
           <p:cNvPr id="241" name="Rounded Rectangle 240"/>
@@ -16329,8 +16115,8 @@
         </p:nvSpPr>
         <p:spPr>
           <a:xfrm>
-            <a:off x="5292760" y="1453287"/>
-            <a:ext cx="3202848" cy="3055833"/>
+            <a:off x="5292760" y="1340768"/>
+            <a:ext cx="2655044" cy="3240360"/>
           </a:xfrm>
           <a:prstGeom prst="roundRect">
             <a:avLst>
@@ -16466,7 +16252,7 @@
         </p:nvSpPr>
         <p:spPr>
           <a:xfrm>
-            <a:off x="6151978" y="5733256"/>
+            <a:off x="6151978" y="5744758"/>
             <a:ext cx="216000" cy="144016"/>
           </a:xfrm>
           <a:prstGeom prst="leftArrow">
@@ -16512,7 +16298,7 @@
         </p:nvSpPr>
         <p:spPr>
           <a:xfrm>
-            <a:off x="3300360" y="5733256"/>
+            <a:off x="3300360" y="5744758"/>
             <a:ext cx="216000" cy="144016"/>
           </a:xfrm>
           <a:prstGeom prst="leftArrow">
@@ -16547,261 +16333,6 @@
           <a:p>
             <a:pPr algn="ctr"/>
             <a:endParaRPr lang="en-US"/>
-          </a:p>
-        </p:txBody>
-      </p:sp>
-      <p:sp>
-        <p:nvSpPr>
-          <p:cNvPr id="100" name="TextBox 99"/>
-          <p:cNvSpPr txBox="1"/>
-          <p:nvPr/>
-        </p:nvSpPr>
-        <p:spPr>
-          <a:xfrm>
-            <a:off x="1666046" y="2949159"/>
-            <a:ext cx="2950191" cy="1553356"/>
-          </a:xfrm>
-          <a:prstGeom prst="roundRect">
-            <a:avLst>
-              <a:gd name="adj" fmla="val 6584"/>
-            </a:avLst>
-          </a:prstGeom>
-          <a:solidFill>
-            <a:schemeClr val="bg1"/>
-          </a:solidFill>
-          <a:ln w="3175">
-            <a:solidFill>
-              <a:schemeClr val="bg1">
-                <a:lumMod val="50000"/>
-              </a:schemeClr>
-            </a:solidFill>
-          </a:ln>
-        </p:spPr>
-        <p:txBody>
-          <a:bodyPr wrap="none" lIns="36000" tIns="0" rIns="54000" bIns="18000" rtlCol="0" anchor="ctr" anchorCtr="0">
-            <a:spAutoFit/>
-          </a:bodyPr>
-          <a:lstStyle/>
-          <a:p>
-            <a:pPr marL="144000" indent="-144000">
-              <a:buFont typeface="Arial" panose="020B0604020202020204" pitchFamily="34" charset="0"/>
-              <a:buChar char="•"/>
-            </a:pPr>
-            <a:r>
-              <a:rPr lang="en-US" sz="1200" dirty="0" smtClean="0">
-                <a:latin typeface="Arial" panose="020B0604020202020204" pitchFamily="34" charset="0"/>
-                <a:cs typeface="Arial" panose="020B0604020202020204" pitchFamily="34" charset="0"/>
-              </a:rPr>
-              <a:t>Decode </a:t>
-            </a:r>
-            <a:r>
-              <a:rPr lang="en-US" sz="1200" b="1" dirty="0">
-                <a:latin typeface="Courier New" panose="02070309020205020404" pitchFamily="49" charset="0"/>
-                <a:cs typeface="Courier New" panose="02070309020205020404" pitchFamily="49" charset="0"/>
-              </a:rPr>
-              <a:t>PO</a:t>
-            </a:r>
-          </a:p>
-          <a:p>
-            <a:pPr marL="144000" indent="-144000">
-              <a:buFont typeface="Arial" panose="020B0604020202020204" pitchFamily="34" charset="0"/>
-              <a:buChar char="•"/>
-            </a:pPr>
-            <a:r>
-              <a:rPr lang="en-US" sz="1200" dirty="0" smtClean="0">
-                <a:latin typeface="Arial" panose="020B0604020202020204" pitchFamily="34" charset="0"/>
-                <a:cs typeface="Arial" panose="020B0604020202020204" pitchFamily="34" charset="0"/>
-              </a:rPr>
-              <a:t>Decrypt and decode </a:t>
-            </a:r>
-            <a:r>
-              <a:rPr lang="en-US" sz="1200" b="1" dirty="0" smtClean="0">
-                <a:latin typeface="Courier New" panose="02070309020205020404" pitchFamily="49" charset="0"/>
-                <a:cs typeface="Courier New" panose="02070309020205020404" pitchFamily="49" charset="0"/>
-              </a:rPr>
-              <a:t>AD</a:t>
-            </a:r>
-            <a:endParaRPr lang="en-US" sz="1200" b="1" dirty="0">
-              <a:latin typeface="Courier New" panose="02070309020205020404" pitchFamily="49" charset="0"/>
-              <a:cs typeface="Courier New" panose="02070309020205020404" pitchFamily="49" charset="0"/>
-            </a:endParaRPr>
-          </a:p>
-          <a:p>
-            <a:pPr marL="144000" indent="-144000">
-              <a:buFont typeface="Arial" panose="020B0604020202020204" pitchFamily="34" charset="0"/>
-              <a:buChar char="•"/>
-            </a:pPr>
-            <a:r>
-              <a:rPr lang="en-US" sz="1200" dirty="0" smtClean="0">
-                <a:latin typeface="Arial" panose="020B0604020202020204" pitchFamily="34" charset="0"/>
-                <a:cs typeface="Arial" panose="020B0604020202020204" pitchFamily="34" charset="0"/>
-              </a:rPr>
-              <a:t>Validate </a:t>
-            </a:r>
-            <a:r>
-              <a:rPr lang="en-US" sz="1200" b="1" dirty="0" smtClean="0">
-                <a:latin typeface="Courier New" panose="02070309020205020404" pitchFamily="49" charset="0"/>
-                <a:cs typeface="Courier New" panose="02070309020205020404" pitchFamily="49" charset="0"/>
-              </a:rPr>
-              <a:t>AD</a:t>
-            </a:r>
-            <a:r>
-              <a:rPr lang="en-US" sz="1200" dirty="0" smtClean="0">
-                <a:latin typeface="Arial" panose="020B0604020202020204" pitchFamily="34" charset="0"/>
-                <a:cs typeface="Arial" panose="020B0604020202020204" pitchFamily="34" charset="0"/>
-              </a:rPr>
-              <a:t> signature</a:t>
-            </a:r>
-          </a:p>
-          <a:p>
-            <a:pPr marL="144000" indent="-144000">
-              <a:buFont typeface="Arial" panose="020B0604020202020204" pitchFamily="34" charset="0"/>
-              <a:buChar char="•"/>
-            </a:pPr>
-            <a:r>
-              <a:rPr lang="en-US" sz="1200" smtClean="0">
-                <a:latin typeface="Arial" panose="020B0604020202020204" pitchFamily="34" charset="0"/>
-                <a:cs typeface="Arial" panose="020B0604020202020204" pitchFamily="34" charset="0"/>
-              </a:rPr>
-              <a:t>Compare signature </a:t>
-            </a:r>
-            <a:r>
-              <a:rPr lang="en-US" sz="1200" dirty="0" smtClean="0">
-                <a:latin typeface="Arial" panose="020B0604020202020204" pitchFamily="34" charset="0"/>
-                <a:cs typeface="Arial" panose="020B0604020202020204" pitchFamily="34" charset="0"/>
-              </a:rPr>
-              <a:t>key and</a:t>
-            </a:r>
-            <a:br>
-              <a:rPr lang="en-US" sz="1200" dirty="0" smtClean="0">
-                <a:latin typeface="Arial" panose="020B0604020202020204" pitchFamily="34" charset="0"/>
-                <a:cs typeface="Arial" panose="020B0604020202020204" pitchFamily="34" charset="0"/>
-              </a:rPr>
-            </a:br>
-            <a:r>
-              <a:rPr lang="en-US" sz="1200" b="1" dirty="0" err="1" smtClean="0">
-                <a:latin typeface="Courier New" panose="02070309020205020404" pitchFamily="49" charset="0"/>
-                <a:cs typeface="Courier New" panose="02070309020205020404" pitchFamily="49" charset="0"/>
-              </a:rPr>
-              <a:t>AD.</a:t>
-            </a:r>
-            <a:r>
-              <a:rPr lang="en-US" sz="1200" i="1" dirty="0" err="1" smtClean="0">
-                <a:latin typeface="Arial" panose="020B0604020202020204" pitchFamily="34" charset="0"/>
-                <a:cs typeface="Arial" panose="020B0604020202020204" pitchFamily="34" charset="0"/>
-              </a:rPr>
-              <a:t>AccountId</a:t>
-            </a:r>
-            <a:r>
-              <a:rPr lang="en-US" sz="1200" i="1" dirty="0" smtClean="0">
-                <a:latin typeface="Arial" panose="020B0604020202020204" pitchFamily="34" charset="0"/>
-                <a:cs typeface="Arial" panose="020B0604020202020204" pitchFamily="34" charset="0"/>
-              </a:rPr>
-              <a:t> </a:t>
-            </a:r>
-            <a:r>
-              <a:rPr lang="en-US" sz="1200" dirty="0" smtClean="0">
-                <a:latin typeface="Arial" panose="020B0604020202020204" pitchFamily="34" charset="0"/>
-                <a:cs typeface="Arial" panose="020B0604020202020204" pitchFamily="34" charset="0"/>
-              </a:rPr>
-              <a:t>with credential database</a:t>
-            </a:r>
-          </a:p>
-          <a:p>
-            <a:pPr marL="144000" indent="-144000">
-              <a:buFont typeface="Arial" panose="020B0604020202020204" pitchFamily="34" charset="0"/>
-              <a:buChar char="•"/>
-            </a:pPr>
-            <a:r>
-              <a:rPr lang="en-US" sz="1200" dirty="0" smtClean="0">
-                <a:latin typeface="Arial" panose="020B0604020202020204" pitchFamily="34" charset="0"/>
-                <a:cs typeface="Arial" panose="020B0604020202020204" pitchFamily="34" charset="0"/>
-              </a:rPr>
-              <a:t>Compare </a:t>
-            </a:r>
-            <a:r>
-              <a:rPr lang="en-US" sz="1200" i="1" dirty="0" smtClean="0">
-                <a:latin typeface="Arial" panose="020B0604020202020204" pitchFamily="34" charset="0"/>
-                <a:cs typeface="Arial" panose="020B0604020202020204" pitchFamily="34" charset="0"/>
-              </a:rPr>
-              <a:t>Hash</a:t>
-            </a:r>
-            <a:r>
-              <a:rPr lang="en-US" sz="1200" dirty="0" smtClean="0">
-                <a:latin typeface="Arial" panose="020B0604020202020204" pitchFamily="34" charset="0"/>
-                <a:cs typeface="Arial" panose="020B0604020202020204" pitchFamily="34" charset="0"/>
-              </a:rPr>
-              <a:t>(</a:t>
-            </a:r>
-            <a:r>
-              <a:rPr lang="en-US" sz="1200" b="1" dirty="0">
-                <a:latin typeface="Courier New" panose="02070309020205020404" pitchFamily="49" charset="0"/>
-                <a:cs typeface="Courier New" panose="02070309020205020404" pitchFamily="49" charset="0"/>
-              </a:rPr>
-              <a:t>PR</a:t>
-            </a:r>
-            <a:r>
-              <a:rPr lang="en-US" sz="1200" dirty="0" smtClean="0">
-                <a:latin typeface="Arial" panose="020B0604020202020204" pitchFamily="34" charset="0"/>
-                <a:cs typeface="Arial" panose="020B0604020202020204" pitchFamily="34" charset="0"/>
-              </a:rPr>
-              <a:t>) with </a:t>
-            </a:r>
-            <a:r>
-              <a:rPr lang="en-US" sz="1200" b="1" dirty="0" err="1" smtClean="0">
-                <a:latin typeface="Courier New" panose="02070309020205020404" pitchFamily="49" charset="0"/>
-                <a:cs typeface="Courier New" panose="02070309020205020404" pitchFamily="49" charset="0"/>
-              </a:rPr>
-              <a:t>AD.</a:t>
-            </a:r>
-            <a:r>
-              <a:rPr lang="en-US" sz="1200" i="1" dirty="0" err="1" smtClean="0">
-                <a:latin typeface="Arial" panose="020B0604020202020204" pitchFamily="34" charset="0"/>
-                <a:cs typeface="Arial" panose="020B0604020202020204" pitchFamily="34" charset="0"/>
-              </a:rPr>
-              <a:t>HashOf</a:t>
-            </a:r>
-            <a:endParaRPr lang="en-US" sz="1200" i="1" dirty="0" smtClean="0">
-              <a:latin typeface="Arial" panose="020B0604020202020204" pitchFamily="34" charset="0"/>
-              <a:cs typeface="Arial" panose="020B0604020202020204" pitchFamily="34" charset="0"/>
-            </a:endParaRPr>
-          </a:p>
-          <a:p>
-            <a:pPr marL="144000" indent="-144000">
-              <a:buFont typeface="Arial" panose="020B0604020202020204" pitchFamily="34" charset="0"/>
-              <a:buChar char="•"/>
-            </a:pPr>
-            <a:r>
-              <a:rPr lang="en-US" sz="1200" dirty="0" smtClean="0">
-                <a:latin typeface="Arial" panose="020B0604020202020204" pitchFamily="34" charset="0"/>
-                <a:cs typeface="Arial" panose="020B0604020202020204" pitchFamily="34" charset="0"/>
-              </a:rPr>
-              <a:t>Other steps…</a:t>
-            </a:r>
-          </a:p>
-          <a:p>
-            <a:pPr marL="144000" indent="-144000">
-              <a:buFont typeface="Arial" panose="020B0604020202020204" pitchFamily="34" charset="0"/>
-              <a:buChar char="•"/>
-            </a:pPr>
-            <a:r>
-              <a:rPr lang="en-US" sz="1200" dirty="0">
-                <a:latin typeface="Arial" panose="020B0604020202020204" pitchFamily="34" charset="0"/>
-                <a:cs typeface="Arial" panose="020B0604020202020204" pitchFamily="34" charset="0"/>
-              </a:rPr>
-              <a:t>I</a:t>
-            </a:r>
-            <a:r>
-              <a:rPr lang="en-US" sz="1200" dirty="0" smtClean="0">
-                <a:latin typeface="Arial" panose="020B0604020202020204" pitchFamily="34" charset="0"/>
-                <a:cs typeface="Arial" panose="020B0604020202020204" pitchFamily="34" charset="0"/>
-              </a:rPr>
-              <a:t>nitiate payment</a:t>
-            </a:r>
-            <a:endParaRPr lang="en-US" sz="1200" dirty="0">
-              <a:latin typeface="Arial" panose="020B0604020202020204" pitchFamily="34" charset="0"/>
-              <a:cs typeface="Arial" panose="020B0604020202020204" pitchFamily="34" charset="0"/>
-            </a:endParaRPr>
           </a:p>
         </p:txBody>
       </p:sp>
@@ -17584,6 +17115,809 @@
           </p:sp>
         </p:grpSp>
       </p:grpSp>
+      <p:sp>
+        <p:nvSpPr>
+          <p:cNvPr id="106" name="TextBox 105"/>
+          <p:cNvSpPr txBox="1"/>
+          <p:nvPr/>
+        </p:nvSpPr>
+        <p:spPr>
+          <a:xfrm>
+            <a:off x="5414591" y="4005064"/>
+            <a:ext cx="2049206" cy="184666"/>
+          </a:xfrm>
+          <a:prstGeom prst="rect">
+            <a:avLst/>
+          </a:prstGeom>
+          <a:solidFill>
+            <a:schemeClr val="bg1"/>
+          </a:solidFill>
+          <a:ln w="6350" cmpd="sng">
+            <a:solidFill>
+              <a:schemeClr val="tx1"/>
+            </a:solidFill>
+          </a:ln>
+          <a:effectLst/>
+        </p:spPr>
+        <p:txBody>
+          <a:bodyPr wrap="none" lIns="36000" tIns="0" rIns="36000" bIns="0" rtlCol="0" anchor="ctr" anchorCtr="1">
+            <a:spAutoFit/>
+          </a:bodyPr>
+          <a:lstStyle/>
+          <a:p>
+            <a:r>
+              <a:rPr lang="en-US" sz="1200" dirty="0" smtClean="0">
+                <a:latin typeface="Arial" panose="020B0604020202020204" pitchFamily="34" charset="0"/>
+                <a:cs typeface="Arial" panose="020B0604020202020204" pitchFamily="34" charset="0"/>
+              </a:rPr>
+              <a:t>Bank Service URL</a:t>
+            </a:r>
+            <a:r>
+              <a:rPr lang="en-US" sz="1200" dirty="0" smtClean="0">
+                <a:latin typeface="Arial" panose="020B0604020202020204" pitchFamily="34" charset="0"/>
+                <a:cs typeface="Arial" panose="020B0604020202020204" pitchFamily="34" charset="0"/>
+              </a:rPr>
+              <a:t>: https://...</a:t>
+            </a:r>
+            <a:endParaRPr lang="en-US" sz="1200" dirty="0">
+              <a:latin typeface="Arial" panose="020B0604020202020204" pitchFamily="34" charset="0"/>
+              <a:cs typeface="Arial" panose="020B0604020202020204" pitchFamily="34" charset="0"/>
+            </a:endParaRPr>
+          </a:p>
+        </p:txBody>
+      </p:sp>
+      <p:sp>
+        <p:nvSpPr>
+          <p:cNvPr id="107" name="TextBox 106"/>
+          <p:cNvSpPr txBox="1"/>
+          <p:nvPr/>
+        </p:nvSpPr>
+        <p:spPr>
+          <a:xfrm>
+            <a:off x="5420367" y="4293096"/>
+            <a:ext cx="1912950" cy="184666"/>
+          </a:xfrm>
+          <a:prstGeom prst="rect">
+            <a:avLst/>
+          </a:prstGeom>
+          <a:solidFill>
+            <a:schemeClr val="bg1"/>
+          </a:solidFill>
+          <a:ln w="6350" cmpd="sng">
+            <a:solidFill>
+              <a:schemeClr val="tx1"/>
+            </a:solidFill>
+          </a:ln>
+          <a:effectLst/>
+        </p:spPr>
+        <p:txBody>
+          <a:bodyPr wrap="none" lIns="36000" tIns="0" rIns="36000" bIns="0" rtlCol="0" anchor="ctr" anchorCtr="1">
+            <a:spAutoFit/>
+          </a:bodyPr>
+          <a:lstStyle/>
+          <a:p>
+            <a:r>
+              <a:rPr lang="en-US" sz="1200" dirty="0" smtClean="0">
+                <a:latin typeface="Arial" panose="020B0604020202020204" pitchFamily="34" charset="0"/>
+                <a:cs typeface="Arial" panose="020B0604020202020204" pitchFamily="34" charset="0"/>
+              </a:rPr>
+              <a:t>Payment Method: https://...</a:t>
+            </a:r>
+            <a:endParaRPr lang="en-US" sz="1200" dirty="0">
+              <a:latin typeface="Arial" panose="020B0604020202020204" pitchFamily="34" charset="0"/>
+              <a:cs typeface="Arial" panose="020B0604020202020204" pitchFamily="34" charset="0"/>
+            </a:endParaRPr>
+          </a:p>
+        </p:txBody>
+      </p:sp>
+      <p:grpSp>
+        <p:nvGrpSpPr>
+          <p:cNvPr id="9" name="Group 8"/>
+          <p:cNvGrpSpPr/>
+          <p:nvPr/>
+        </p:nvGrpSpPr>
+        <p:grpSpPr>
+          <a:xfrm>
+            <a:off x="636798" y="5107229"/>
+            <a:ext cx="2569054" cy="1441119"/>
+            <a:chOff x="636798" y="5083759"/>
+            <a:chExt cx="2569054" cy="1441119"/>
+          </a:xfrm>
+          <a:effectLst>
+            <a:outerShdw blurRad="50800" dist="38100" dir="2700000" algn="tl" rotWithShape="0">
+              <a:prstClr val="black">
+                <a:alpha val="40000"/>
+              </a:prstClr>
+            </a:outerShdw>
+          </a:effectLst>
+        </p:grpSpPr>
+        <p:sp>
+          <p:nvSpPr>
+            <p:cNvPr id="204" name="Rectangle 203"/>
+            <p:cNvSpPr/>
+            <p:nvPr/>
+          </p:nvSpPr>
+          <p:spPr>
+            <a:xfrm>
+              <a:off x="636798" y="5083759"/>
+              <a:ext cx="2567050" cy="967971"/>
+            </a:xfrm>
+            <a:prstGeom prst="rect">
+              <a:avLst/>
+            </a:prstGeom>
+            <a:blipFill>
+              <a:blip r:embed="rId3"/>
+              <a:tile tx="0" ty="0" sx="50000" sy="50000" flip="none" algn="tl"/>
+            </a:blipFill>
+            <a:ln w="6350">
+              <a:solidFill>
+                <a:schemeClr val="bg1">
+                  <a:lumMod val="50000"/>
+                </a:schemeClr>
+              </a:solidFill>
+            </a:ln>
+            <a:effectLst/>
+          </p:spPr>
+          <p:style>
+            <a:lnRef idx="2">
+              <a:schemeClr val="accent1">
+                <a:shade val="50000"/>
+              </a:schemeClr>
+            </a:lnRef>
+            <a:fillRef idx="1">
+              <a:schemeClr val="accent1"/>
+            </a:fillRef>
+            <a:effectRef idx="0">
+              <a:schemeClr val="accent1"/>
+            </a:effectRef>
+            <a:fontRef idx="minor">
+              <a:schemeClr val="lt1"/>
+            </a:fontRef>
+          </p:style>
+          <p:txBody>
+            <a:bodyPr rtlCol="0" anchor="ctr"/>
+            <a:lstStyle/>
+            <a:p>
+              <a:pPr algn="ctr"/>
+              <a:r>
+                <a:rPr lang="en-US" sz="1400" i="1" dirty="0" smtClean="0">
+                  <a:solidFill>
+                    <a:schemeClr val="tx1"/>
+                  </a:solidFill>
+                </a:rPr>
+                <a:t>Signed</a:t>
+              </a:r>
+              <a:r>
+                <a:rPr lang="en-US" sz="1400" dirty="0" smtClean="0">
+                  <a:solidFill>
+                    <a:schemeClr val="tx1"/>
+                  </a:solidFill>
+                </a:rPr>
+                <a:t> and </a:t>
+              </a:r>
+              <a:r>
+                <a:rPr lang="en-US" sz="1400" i="1" dirty="0" smtClean="0">
+                  <a:solidFill>
+                    <a:schemeClr val="tx1"/>
+                  </a:solidFill>
+                </a:rPr>
+                <a:t>Encrypted</a:t>
+              </a:r>
+              <a:r>
+                <a:rPr lang="en-US" sz="1400" dirty="0" smtClean="0">
+                  <a:solidFill>
+                    <a:schemeClr val="tx1"/>
+                  </a:solidFill>
+                </a:rPr>
+                <a:t/>
+              </a:r>
+              <a:br>
+                <a:rPr lang="en-US" sz="1400" dirty="0" smtClean="0">
+                  <a:solidFill>
+                    <a:schemeClr val="tx1"/>
+                  </a:solidFill>
+                </a:rPr>
+              </a:br>
+              <a:r>
+                <a:rPr lang="en-US" sz="1400" dirty="0" smtClean="0">
+                  <a:solidFill>
+                    <a:schemeClr val="tx1"/>
+                  </a:solidFill>
+                </a:rPr>
+                <a:t>Authorization </a:t>
+              </a:r>
+              <a:r>
+                <a:rPr lang="en-US" sz="1400" dirty="0" smtClean="0">
+                  <a:solidFill>
+                    <a:schemeClr val="tx1"/>
+                  </a:solidFill>
+                </a:rPr>
+                <a:t>Data</a:t>
+              </a:r>
+              <a:r>
+                <a:rPr lang="en-US" sz="1400" dirty="0">
+                  <a:solidFill>
+                    <a:schemeClr val="tx1"/>
+                  </a:solidFill>
+                  <a:latin typeface="Arial" panose="020B0604020202020204" pitchFamily="34" charset="0"/>
+                  <a:cs typeface="Arial" panose="020B0604020202020204" pitchFamily="34" charset="0"/>
+                </a:rPr>
+                <a:t> (</a:t>
+              </a:r>
+              <a:r>
+                <a:rPr lang="en-US" sz="1200" b="1" dirty="0">
+                  <a:solidFill>
+                    <a:schemeClr val="tx1"/>
+                  </a:solidFill>
+                  <a:latin typeface="Courier New" panose="02070309020205020404" pitchFamily="49" charset="0"/>
+                  <a:cs typeface="Courier New" panose="02070309020205020404" pitchFamily="49" charset="0"/>
+                </a:rPr>
+                <a:t>AD</a:t>
+              </a:r>
+              <a:r>
+                <a:rPr lang="en-US" sz="1400" dirty="0">
+                  <a:solidFill>
+                    <a:schemeClr val="tx1"/>
+                  </a:solidFill>
+                  <a:latin typeface="Arial" panose="020B0604020202020204" pitchFamily="34" charset="0"/>
+                  <a:cs typeface="Arial" panose="020B0604020202020204" pitchFamily="34" charset="0"/>
+                </a:rPr>
+                <a:t>)</a:t>
+              </a:r>
+              <a:endParaRPr lang="en-US" sz="1400" dirty="0">
+                <a:solidFill>
+                  <a:schemeClr val="tx1"/>
+                </a:solidFill>
+              </a:endParaRPr>
+            </a:p>
+          </p:txBody>
+        </p:sp>
+        <p:sp>
+          <p:nvSpPr>
+            <p:cNvPr id="113" name="Rectangle 112"/>
+            <p:cNvSpPr/>
+            <p:nvPr/>
+          </p:nvSpPr>
+          <p:spPr>
+            <a:xfrm>
+              <a:off x="636798" y="6021288"/>
+              <a:ext cx="2569054" cy="503590"/>
+            </a:xfrm>
+            <a:prstGeom prst="rect">
+              <a:avLst/>
+            </a:prstGeom>
+            <a:solidFill>
+              <a:srgbClr val="FFFFCC"/>
+            </a:solidFill>
+            <a:ln w="6350">
+              <a:solidFill>
+                <a:schemeClr val="bg1">
+                  <a:lumMod val="50000"/>
+                </a:schemeClr>
+              </a:solidFill>
+            </a:ln>
+            <a:effectLst/>
+          </p:spPr>
+          <p:style>
+            <a:lnRef idx="2">
+              <a:schemeClr val="accent1">
+                <a:shade val="50000"/>
+              </a:schemeClr>
+            </a:lnRef>
+            <a:fillRef idx="1">
+              <a:schemeClr val="accent1"/>
+            </a:fillRef>
+            <a:effectRef idx="0">
+              <a:schemeClr val="accent1"/>
+            </a:effectRef>
+            <a:fontRef idx="minor">
+              <a:schemeClr val="lt1"/>
+            </a:fontRef>
+          </p:style>
+          <p:txBody>
+            <a:bodyPr tIns="36000" bIns="36000" rtlCol="0" anchor="ctr">
+              <a:spAutoFit/>
+            </a:bodyPr>
+            <a:lstStyle/>
+            <a:p>
+              <a:pPr defTabSz="806450"/>
+              <a:r>
+                <a:rPr lang="en-US" sz="1400" i="1" noProof="1" smtClean="0">
+                  <a:solidFill>
+                    <a:schemeClr val="tx1"/>
+                  </a:solidFill>
+                </a:rPr>
+                <a:t>BankServiceUrl</a:t>
+              </a:r>
+              <a:r>
+                <a:rPr lang="en-US" sz="1400" noProof="1" smtClean="0">
+                  <a:solidFill>
+                    <a:schemeClr val="tx1"/>
+                  </a:solidFill>
+                </a:rPr>
+                <a:t>: https://...</a:t>
+              </a:r>
+            </a:p>
+            <a:p>
+              <a:pPr defTabSz="806450"/>
+              <a:r>
+                <a:rPr lang="en-US" sz="1400" i="1" noProof="1" smtClean="0">
+                  <a:solidFill>
+                    <a:schemeClr val="tx1"/>
+                  </a:solidFill>
+                </a:rPr>
+                <a:t>PaymentMethod</a:t>
+              </a:r>
+              <a:r>
+                <a:rPr lang="en-US" sz="1400" noProof="1" smtClean="0">
+                  <a:solidFill>
+                    <a:schemeClr val="tx1"/>
+                  </a:solidFill>
+                </a:rPr>
+                <a:t>: https://...</a:t>
+              </a:r>
+              <a:endParaRPr lang="en-US" sz="1400" dirty="0">
+                <a:solidFill>
+                  <a:schemeClr val="tx1"/>
+                </a:solidFill>
+                <a:cs typeface="Arial" panose="020B0604020202020204" pitchFamily="34" charset="0"/>
+              </a:endParaRPr>
+            </a:p>
+          </p:txBody>
+        </p:sp>
+      </p:grpSp>
+      <p:grpSp>
+        <p:nvGrpSpPr>
+          <p:cNvPr id="12" name="Group 11"/>
+          <p:cNvGrpSpPr/>
+          <p:nvPr/>
+        </p:nvGrpSpPr>
+        <p:grpSpPr>
+          <a:xfrm>
+            <a:off x="3279453" y="1723560"/>
+            <a:ext cx="414109" cy="237897"/>
+            <a:chOff x="3279453" y="1723560"/>
+            <a:chExt cx="414109" cy="237897"/>
+          </a:xfrm>
+          <a:effectLst>
+            <a:outerShdw blurRad="50800" dist="38100" dir="2700000" algn="tl" rotWithShape="0">
+              <a:prstClr val="black">
+                <a:alpha val="40000"/>
+              </a:prstClr>
+            </a:outerShdw>
+          </a:effectLst>
+        </p:grpSpPr>
+        <p:sp>
+          <p:nvSpPr>
+            <p:cNvPr id="181" name="Parallelogram 180"/>
+            <p:cNvSpPr/>
+            <p:nvPr/>
+          </p:nvSpPr>
+          <p:spPr>
+            <a:xfrm>
+              <a:off x="3279453" y="1723560"/>
+              <a:ext cx="414109" cy="237600"/>
+            </a:xfrm>
+            <a:prstGeom prst="parallelogram">
+              <a:avLst/>
+            </a:prstGeom>
+            <a:blipFill>
+              <a:blip r:embed="rId3"/>
+              <a:tile tx="0" ty="0" sx="50000" sy="50000" flip="none" algn="tl"/>
+            </a:blipFill>
+            <a:ln w="6350">
+              <a:solidFill>
+                <a:schemeClr val="bg1">
+                  <a:lumMod val="50000"/>
+                </a:schemeClr>
+              </a:solidFill>
+            </a:ln>
+            <a:effectLst/>
+          </p:spPr>
+          <p:style>
+            <a:lnRef idx="2">
+              <a:schemeClr val="accent1">
+                <a:shade val="50000"/>
+              </a:schemeClr>
+            </a:lnRef>
+            <a:fillRef idx="1">
+              <a:schemeClr val="accent1"/>
+            </a:fillRef>
+            <a:effectRef idx="0">
+              <a:schemeClr val="accent1"/>
+            </a:effectRef>
+            <a:fontRef idx="minor">
+              <a:schemeClr val="lt1"/>
+            </a:fontRef>
+          </p:style>
+          <p:txBody>
+            <a:bodyPr rtlCol="0" anchor="ctr"/>
+            <a:lstStyle/>
+            <a:p>
+              <a:pPr algn="ctr"/>
+              <a:endParaRPr lang="en-US" dirty="0"/>
+            </a:p>
+          </p:txBody>
+        </p:sp>
+        <p:sp>
+          <p:nvSpPr>
+            <p:cNvPr id="114" name="Parallelogram 113"/>
+            <p:cNvSpPr/>
+            <p:nvPr/>
+          </p:nvSpPr>
+          <p:spPr>
+            <a:xfrm>
+              <a:off x="3280644" y="1889457"/>
+              <a:ext cx="370800" cy="72000"/>
+            </a:xfrm>
+            <a:prstGeom prst="parallelogram">
+              <a:avLst/>
+            </a:prstGeom>
+            <a:solidFill>
+              <a:srgbClr val="FFFFCC"/>
+            </a:solidFill>
+            <a:ln w="6350">
+              <a:solidFill>
+                <a:schemeClr val="bg1">
+                  <a:lumMod val="50000"/>
+                </a:schemeClr>
+              </a:solidFill>
+            </a:ln>
+            <a:effectLst/>
+          </p:spPr>
+          <p:style>
+            <a:lnRef idx="2">
+              <a:schemeClr val="accent1">
+                <a:shade val="50000"/>
+              </a:schemeClr>
+            </a:lnRef>
+            <a:fillRef idx="1">
+              <a:schemeClr val="accent1"/>
+            </a:fillRef>
+            <a:effectRef idx="0">
+              <a:schemeClr val="accent1"/>
+            </a:effectRef>
+            <a:fontRef idx="minor">
+              <a:schemeClr val="lt1"/>
+            </a:fontRef>
+          </p:style>
+          <p:txBody>
+            <a:bodyPr wrap="square" tIns="36000" bIns="36000" rtlCol="0" anchor="ctr">
+              <a:spAutoFit/>
+            </a:bodyPr>
+            <a:lstStyle/>
+            <a:p>
+              <a:pPr defTabSz="806450"/>
+              <a:endParaRPr lang="en-US" sz="1400" dirty="0">
+                <a:solidFill>
+                  <a:schemeClr val="tx1"/>
+                </a:solidFill>
+                <a:cs typeface="Arial" panose="020B0604020202020204" pitchFamily="34" charset="0"/>
+              </a:endParaRPr>
+            </a:p>
+          </p:txBody>
+        </p:sp>
+      </p:grpSp>
+      <p:cxnSp>
+        <p:nvCxnSpPr>
+          <p:cNvPr id="24" name="Straight Connector 23"/>
+          <p:cNvCxnSpPr/>
+          <p:nvPr/>
+        </p:nvCxnSpPr>
+        <p:spPr>
+          <a:xfrm flipH="1">
+            <a:off x="2915816" y="1835986"/>
+            <a:ext cx="580073" cy="3539834"/>
+          </a:xfrm>
+          <a:prstGeom prst="straightConnector1">
+            <a:avLst/>
+          </a:prstGeom>
+          <a:ln>
+            <a:prstDash val="sysDash"/>
+          </a:ln>
+        </p:spPr>
+        <p:style>
+          <a:lnRef idx="1">
+            <a:schemeClr val="accent1"/>
+          </a:lnRef>
+          <a:fillRef idx="0">
+            <a:schemeClr val="accent1"/>
+          </a:fillRef>
+          <a:effectRef idx="0">
+            <a:schemeClr val="accent1"/>
+          </a:effectRef>
+          <a:fontRef idx="minor">
+            <a:schemeClr val="tx1"/>
+          </a:fontRef>
+        </p:style>
+      </p:cxnSp>
+      <p:sp>
+        <p:nvSpPr>
+          <p:cNvPr id="100" name="TextBox 99"/>
+          <p:cNvSpPr txBox="1"/>
+          <p:nvPr/>
+        </p:nvSpPr>
+        <p:spPr>
+          <a:xfrm>
+            <a:off x="1666046" y="2949159"/>
+            <a:ext cx="3036794" cy="1553356"/>
+          </a:xfrm>
+          <a:prstGeom prst="roundRect">
+            <a:avLst>
+              <a:gd name="adj" fmla="val 6584"/>
+            </a:avLst>
+          </a:prstGeom>
+          <a:solidFill>
+            <a:schemeClr val="bg1"/>
+          </a:solidFill>
+          <a:ln w="3175">
+            <a:solidFill>
+              <a:schemeClr val="bg1">
+                <a:lumMod val="50000"/>
+              </a:schemeClr>
+            </a:solidFill>
+          </a:ln>
+        </p:spPr>
+        <p:txBody>
+          <a:bodyPr wrap="none" lIns="36000" tIns="0" rIns="54000" bIns="18000" rtlCol="0" anchor="ctr" anchorCtr="0">
+            <a:spAutoFit/>
+          </a:bodyPr>
+          <a:lstStyle/>
+          <a:p>
+            <a:pPr marL="144000" indent="-144000">
+              <a:buFont typeface="Arial" panose="020B0604020202020204" pitchFamily="34" charset="0"/>
+              <a:buChar char="•"/>
+            </a:pPr>
+            <a:r>
+              <a:rPr lang="en-US" sz="1200" dirty="0" smtClean="0">
+                <a:latin typeface="Arial" panose="020B0604020202020204" pitchFamily="34" charset="0"/>
+                <a:cs typeface="Arial" panose="020B0604020202020204" pitchFamily="34" charset="0"/>
+              </a:rPr>
+              <a:t>Decode </a:t>
+            </a:r>
+            <a:r>
+              <a:rPr lang="en-US" sz="1200" b="1" dirty="0">
+                <a:latin typeface="Courier New" panose="02070309020205020404" pitchFamily="49" charset="0"/>
+                <a:cs typeface="Courier New" panose="02070309020205020404" pitchFamily="49" charset="0"/>
+              </a:rPr>
+              <a:t>PO</a:t>
+            </a:r>
+          </a:p>
+          <a:p>
+            <a:pPr marL="144000" indent="-144000">
+              <a:buFont typeface="Arial" panose="020B0604020202020204" pitchFamily="34" charset="0"/>
+              <a:buChar char="•"/>
+            </a:pPr>
+            <a:r>
+              <a:rPr lang="en-US" sz="1200" dirty="0" smtClean="0">
+                <a:latin typeface="Arial" panose="020B0604020202020204" pitchFamily="34" charset="0"/>
+                <a:cs typeface="Arial" panose="020B0604020202020204" pitchFamily="34" charset="0"/>
+              </a:rPr>
+              <a:t>Decrypt and decode </a:t>
+            </a:r>
+            <a:r>
+              <a:rPr lang="en-US" sz="1200" b="1" dirty="0" smtClean="0">
+                <a:latin typeface="Courier New" panose="02070309020205020404" pitchFamily="49" charset="0"/>
+                <a:cs typeface="Courier New" panose="02070309020205020404" pitchFamily="49" charset="0"/>
+              </a:rPr>
+              <a:t>AD</a:t>
+            </a:r>
+            <a:endParaRPr lang="en-US" sz="1200" b="1" dirty="0">
+              <a:latin typeface="Courier New" panose="02070309020205020404" pitchFamily="49" charset="0"/>
+              <a:cs typeface="Courier New" panose="02070309020205020404" pitchFamily="49" charset="0"/>
+            </a:endParaRPr>
+          </a:p>
+          <a:p>
+            <a:pPr marL="144000" indent="-144000">
+              <a:buFont typeface="Arial" panose="020B0604020202020204" pitchFamily="34" charset="0"/>
+              <a:buChar char="•"/>
+            </a:pPr>
+            <a:r>
+              <a:rPr lang="en-US" sz="1200" dirty="0" smtClean="0">
+                <a:latin typeface="Arial" panose="020B0604020202020204" pitchFamily="34" charset="0"/>
+                <a:cs typeface="Arial" panose="020B0604020202020204" pitchFamily="34" charset="0"/>
+              </a:rPr>
+              <a:t>Validate </a:t>
+            </a:r>
+            <a:r>
+              <a:rPr lang="en-US" sz="1200" b="1" dirty="0" smtClean="0">
+                <a:latin typeface="Courier New" panose="02070309020205020404" pitchFamily="49" charset="0"/>
+                <a:cs typeface="Courier New" panose="02070309020205020404" pitchFamily="49" charset="0"/>
+              </a:rPr>
+              <a:t>AD</a:t>
+            </a:r>
+            <a:r>
+              <a:rPr lang="en-US" sz="1200" dirty="0" smtClean="0">
+                <a:latin typeface="Arial" panose="020B0604020202020204" pitchFamily="34" charset="0"/>
+                <a:cs typeface="Arial" panose="020B0604020202020204" pitchFamily="34" charset="0"/>
+              </a:rPr>
+              <a:t> signature</a:t>
+            </a:r>
+          </a:p>
+          <a:p>
+            <a:pPr marL="144000" indent="-144000">
+              <a:buFont typeface="Arial" panose="020B0604020202020204" pitchFamily="34" charset="0"/>
+              <a:buChar char="•"/>
+            </a:pPr>
+            <a:r>
+              <a:rPr lang="en-US" sz="1200" dirty="0" smtClean="0">
+                <a:latin typeface="Arial" panose="020B0604020202020204" pitchFamily="34" charset="0"/>
+                <a:cs typeface="Arial" panose="020B0604020202020204" pitchFamily="34" charset="0"/>
+              </a:rPr>
+              <a:t>Lookup </a:t>
+            </a:r>
+            <a:r>
+              <a:rPr lang="en-US" sz="1200" dirty="0" smtClean="0">
+                <a:latin typeface="Arial" panose="020B0604020202020204" pitchFamily="34" charset="0"/>
+                <a:cs typeface="Arial" panose="020B0604020202020204" pitchFamily="34" charset="0"/>
+              </a:rPr>
+              <a:t>signature key and</a:t>
+            </a:r>
+            <a:br>
+              <a:rPr lang="en-US" sz="1200" dirty="0" smtClean="0">
+                <a:latin typeface="Arial" panose="020B0604020202020204" pitchFamily="34" charset="0"/>
+                <a:cs typeface="Arial" panose="020B0604020202020204" pitchFamily="34" charset="0"/>
+              </a:rPr>
+            </a:br>
+            <a:r>
+              <a:rPr lang="en-US" sz="1200" b="1" dirty="0" err="1" smtClean="0">
+                <a:latin typeface="Courier New" panose="02070309020205020404" pitchFamily="49" charset="0"/>
+                <a:cs typeface="Courier New" panose="02070309020205020404" pitchFamily="49" charset="0"/>
+              </a:rPr>
+              <a:t>AD.</a:t>
+            </a:r>
+            <a:r>
+              <a:rPr lang="en-US" sz="1200" i="1" dirty="0" err="1" smtClean="0">
+                <a:latin typeface="Arial" panose="020B0604020202020204" pitchFamily="34" charset="0"/>
+                <a:cs typeface="Arial" panose="020B0604020202020204" pitchFamily="34" charset="0"/>
+              </a:rPr>
+              <a:t>AccountId</a:t>
+            </a:r>
+            <a:r>
+              <a:rPr lang="en-US" sz="1200" i="1" dirty="0" smtClean="0">
+                <a:latin typeface="Arial" panose="020B0604020202020204" pitchFamily="34" charset="0"/>
+                <a:cs typeface="Arial" panose="020B0604020202020204" pitchFamily="34" charset="0"/>
+              </a:rPr>
+              <a:t> </a:t>
+            </a:r>
+            <a:r>
+              <a:rPr lang="en-US" sz="1200" dirty="0" smtClean="0">
+                <a:latin typeface="Arial" panose="020B0604020202020204" pitchFamily="34" charset="0"/>
+                <a:cs typeface="Arial" panose="020B0604020202020204" pitchFamily="34" charset="0"/>
+              </a:rPr>
+              <a:t>in</a:t>
+            </a:r>
+            <a:r>
+              <a:rPr lang="en-US" sz="1200" dirty="0" smtClean="0">
+                <a:latin typeface="Arial" panose="020B0604020202020204" pitchFamily="34" charset="0"/>
+                <a:cs typeface="Arial" panose="020B0604020202020204" pitchFamily="34" charset="0"/>
+              </a:rPr>
+              <a:t> a </a:t>
+            </a:r>
+            <a:r>
+              <a:rPr lang="en-US" sz="1200" i="1" dirty="0" smtClean="0">
+                <a:latin typeface="Arial" panose="020B0604020202020204" pitchFamily="34" charset="0"/>
+                <a:cs typeface="Arial" panose="020B0604020202020204" pitchFamily="34" charset="0"/>
+              </a:rPr>
+              <a:t>Credential </a:t>
+            </a:r>
+            <a:r>
+              <a:rPr lang="en-US" sz="1200" i="1" dirty="0">
+                <a:latin typeface="Arial" panose="020B0604020202020204" pitchFamily="34" charset="0"/>
+                <a:cs typeface="Arial" panose="020B0604020202020204" pitchFamily="34" charset="0"/>
+              </a:rPr>
+              <a:t>D</a:t>
+            </a:r>
+            <a:r>
+              <a:rPr lang="en-US" sz="1200" i="1" dirty="0" smtClean="0">
+                <a:latin typeface="Arial" panose="020B0604020202020204" pitchFamily="34" charset="0"/>
+                <a:cs typeface="Arial" panose="020B0604020202020204" pitchFamily="34" charset="0"/>
+              </a:rPr>
+              <a:t>atabase</a:t>
+            </a:r>
+            <a:endParaRPr lang="en-US" sz="1200" i="1" dirty="0" smtClean="0">
+              <a:latin typeface="Arial" panose="020B0604020202020204" pitchFamily="34" charset="0"/>
+              <a:cs typeface="Arial" panose="020B0604020202020204" pitchFamily="34" charset="0"/>
+            </a:endParaRPr>
+          </a:p>
+          <a:p>
+            <a:pPr marL="144000" indent="-144000">
+              <a:buFont typeface="Arial" panose="020B0604020202020204" pitchFamily="34" charset="0"/>
+              <a:buChar char="•"/>
+            </a:pPr>
+            <a:r>
+              <a:rPr lang="en-US" sz="1200" dirty="0" smtClean="0">
+                <a:latin typeface="Arial" panose="020B0604020202020204" pitchFamily="34" charset="0"/>
+                <a:cs typeface="Arial" panose="020B0604020202020204" pitchFamily="34" charset="0"/>
+              </a:rPr>
+              <a:t>Compare </a:t>
+            </a:r>
+            <a:r>
+              <a:rPr lang="en-US" sz="1200" i="1" dirty="0" smtClean="0">
+                <a:latin typeface="Arial" panose="020B0604020202020204" pitchFamily="34" charset="0"/>
+                <a:cs typeface="Arial" panose="020B0604020202020204" pitchFamily="34" charset="0"/>
+              </a:rPr>
+              <a:t>Hash</a:t>
+            </a:r>
+            <a:r>
+              <a:rPr lang="en-US" sz="1200" dirty="0" smtClean="0">
+                <a:latin typeface="Arial" panose="020B0604020202020204" pitchFamily="34" charset="0"/>
+                <a:cs typeface="Arial" panose="020B0604020202020204" pitchFamily="34" charset="0"/>
+              </a:rPr>
+              <a:t>(</a:t>
+            </a:r>
+            <a:r>
+              <a:rPr lang="en-US" sz="1200" b="1" dirty="0">
+                <a:latin typeface="Courier New" panose="02070309020205020404" pitchFamily="49" charset="0"/>
+                <a:cs typeface="Courier New" panose="02070309020205020404" pitchFamily="49" charset="0"/>
+              </a:rPr>
+              <a:t>PR</a:t>
+            </a:r>
+            <a:r>
+              <a:rPr lang="en-US" sz="1200" dirty="0" smtClean="0">
+                <a:latin typeface="Arial" panose="020B0604020202020204" pitchFamily="34" charset="0"/>
+                <a:cs typeface="Arial" panose="020B0604020202020204" pitchFamily="34" charset="0"/>
+              </a:rPr>
+              <a:t>) with </a:t>
+            </a:r>
+            <a:r>
+              <a:rPr lang="en-US" sz="1200" b="1" dirty="0" err="1" smtClean="0">
+                <a:latin typeface="Courier New" panose="02070309020205020404" pitchFamily="49" charset="0"/>
+                <a:cs typeface="Courier New" panose="02070309020205020404" pitchFamily="49" charset="0"/>
+              </a:rPr>
+              <a:t>AD.</a:t>
+            </a:r>
+            <a:r>
+              <a:rPr lang="en-US" sz="1200" i="1" dirty="0" err="1" smtClean="0">
+                <a:latin typeface="Arial" panose="020B0604020202020204" pitchFamily="34" charset="0"/>
+                <a:cs typeface="Arial" panose="020B0604020202020204" pitchFamily="34" charset="0"/>
+              </a:rPr>
+              <a:t>HashOf</a:t>
+            </a:r>
+            <a:endParaRPr lang="en-US" sz="1200" i="1" dirty="0" smtClean="0">
+              <a:latin typeface="Arial" panose="020B0604020202020204" pitchFamily="34" charset="0"/>
+              <a:cs typeface="Arial" panose="020B0604020202020204" pitchFamily="34" charset="0"/>
+            </a:endParaRPr>
+          </a:p>
+          <a:p>
+            <a:pPr marL="144000" indent="-144000">
+              <a:buFont typeface="Arial" panose="020B0604020202020204" pitchFamily="34" charset="0"/>
+              <a:buChar char="•"/>
+            </a:pPr>
+            <a:r>
+              <a:rPr lang="en-US" sz="1200" dirty="0" smtClean="0">
+                <a:latin typeface="Arial" panose="020B0604020202020204" pitchFamily="34" charset="0"/>
+                <a:cs typeface="Arial" panose="020B0604020202020204" pitchFamily="34" charset="0"/>
+              </a:rPr>
+              <a:t>Other steps…</a:t>
+            </a:r>
+          </a:p>
+          <a:p>
+            <a:pPr marL="144000" indent="-144000">
+              <a:buFont typeface="Arial" panose="020B0604020202020204" pitchFamily="34" charset="0"/>
+              <a:buChar char="•"/>
+            </a:pPr>
+            <a:r>
+              <a:rPr lang="en-US" sz="1200" dirty="0">
+                <a:latin typeface="Arial" panose="020B0604020202020204" pitchFamily="34" charset="0"/>
+                <a:cs typeface="Arial" panose="020B0604020202020204" pitchFamily="34" charset="0"/>
+              </a:rPr>
+              <a:t>I</a:t>
+            </a:r>
+            <a:r>
+              <a:rPr lang="en-US" sz="1200" dirty="0" smtClean="0">
+                <a:latin typeface="Arial" panose="020B0604020202020204" pitchFamily="34" charset="0"/>
+                <a:cs typeface="Arial" panose="020B0604020202020204" pitchFamily="34" charset="0"/>
+              </a:rPr>
+              <a:t>nitiate payment</a:t>
+            </a:r>
+            <a:endParaRPr lang="en-US" sz="1200" dirty="0">
+              <a:latin typeface="Arial" panose="020B0604020202020204" pitchFamily="34" charset="0"/>
+              <a:cs typeface="Arial" panose="020B0604020202020204" pitchFamily="34" charset="0"/>
+            </a:endParaRPr>
+          </a:p>
+        </p:txBody>
+      </p:sp>
     </p:spTree>
     <p:extLst>
       <p:ext uri="{BB962C8B-B14F-4D97-AF65-F5344CB8AC3E}">

--- a/payments/open-banking-dual-mode-end-to-end-security-simplified.pptx
+++ b/payments/open-banking-dual-mode-end-to-end-security-simplified.pptx
@@ -12722,54 +12722,6 @@
           </a:p>
         </p:txBody>
       </p:sp>
-      <p:pic>
-        <p:nvPicPr>
-          <p:cNvPr id="95" name="Picture 4" descr="C:\Users\Anders\AppData\Local\Microsoft\Windows\INetCache\IE\YM8GPEOA\mobile[1].png"/>
-          <p:cNvPicPr>
-            <a:picLocks noChangeAspect="1" noChangeArrowheads="1"/>
-          </p:cNvPicPr>
-          <p:nvPr/>
-        </p:nvPicPr>
-        <p:blipFill>
-          <a:blip r:embed="rId4" cstate="print">
-            <a:extLst>
-              <a:ext uri="{28A0092B-C50C-407E-A947-70E740481C1C}">
-                <a14:useLocalDpi xmlns:a14="http://schemas.microsoft.com/office/drawing/2010/main" val="0"/>
-              </a:ext>
-            </a:extLst>
-          </a:blip>
-          <a:srcRect/>
-          <a:stretch>
-            <a:fillRect/>
-          </a:stretch>
-        </p:blipFill>
-        <p:spPr bwMode="auto">
-          <a:xfrm rot="10800000">
-            <a:off x="4673596" y="1375561"/>
-            <a:ext cx="355673" cy="502719"/>
-          </a:xfrm>
-          <a:prstGeom prst="rect">
-            <a:avLst/>
-          </a:prstGeom>
-          <a:noFill/>
-          <a:effectLst>
-            <a:outerShdw blurRad="50800" dist="38100" dir="2700000" algn="tl" rotWithShape="0">
-              <a:prstClr val="black">
-                <a:alpha val="40000"/>
-              </a:prstClr>
-            </a:outerShdw>
-          </a:effectLst>
-          <a:extLst>
-            <a:ext uri="{909E8E84-426E-40DD-AFC4-6F175D3DCCD1}">
-              <a14:hiddenFill xmlns:a14="http://schemas.microsoft.com/office/drawing/2010/main">
-                <a:solidFill>
-                  <a:srgbClr val="FFFFFF"/>
-                </a:solidFill>
-              </a14:hiddenFill>
-            </a:ext>
-          </a:extLst>
-        </p:spPr>
-      </p:pic>
       <p:grpSp>
         <p:nvGrpSpPr>
           <p:cNvPr id="36" name="Group 35"/>
@@ -14013,7 +13965,7 @@
           <p:nvPr/>
         </p:nvPicPr>
         <p:blipFill>
-          <a:blip r:embed="rId5" cstate="print">
+          <a:blip r:embed="rId4" cstate="print">
             <a:extLst>
               <a:ext uri="{28A0092B-C50C-407E-A947-70E740481C1C}">
                 <a14:useLocalDpi xmlns:a14="http://schemas.microsoft.com/office/drawing/2010/main" val="0"/>
@@ -14061,7 +14013,7 @@
           <p:nvPr/>
         </p:nvPicPr>
         <p:blipFill>
-          <a:blip r:embed="rId6">
+          <a:blip r:embed="rId5">
             <a:extLst>
               <a:ext uri="{28A0092B-C50C-407E-A947-70E740481C1C}">
                 <a14:useLocalDpi xmlns:a14="http://schemas.microsoft.com/office/drawing/2010/main" val="0"/>
@@ -14154,7 +14106,7 @@
           <p:nvPr/>
         </p:nvPicPr>
         <p:blipFill>
-          <a:blip r:embed="rId7">
+          <a:blip r:embed="rId6">
             <a:duotone>
               <a:prstClr val="black"/>
               <a:schemeClr val="accent3">
@@ -14165,7 +14117,7 @@
             <a:extLst>
               <a:ext uri="{BEBA8EAE-BF5A-486C-A8C5-ECC9F3942E4B}">
                 <a14:imgProps xmlns:a14="http://schemas.microsoft.com/office/drawing/2010/main">
-                  <a14:imgLayer r:embed="rId8">
+                  <a14:imgLayer r:embed="rId7">
                     <a14:imgEffect>
                       <a14:colorTemperature colorTemp="5246"/>
                     </a14:imgEffect>
@@ -14839,79 +14791,46 @@
           </p:txBody>
         </p:sp>
       </p:grpSp>
-      <p:sp>
-        <p:nvSpPr>
-          <p:cNvPr id="3" name="TextBox 2"/>
-          <p:cNvSpPr txBox="1"/>
-          <p:nvPr/>
-        </p:nvSpPr>
-        <p:spPr>
-          <a:xfrm>
-            <a:off x="4671633" y="1457193"/>
-            <a:ext cx="357790" cy="184666"/>
-          </a:xfrm>
-          <a:prstGeom prst="rect">
-            <a:avLst/>
-          </a:prstGeom>
-          <a:noFill/>
-        </p:spPr>
-        <p:txBody>
-          <a:bodyPr wrap="none" rtlCol="0">
-            <a:spAutoFit/>
-          </a:bodyPr>
-          <a:lstStyle/>
-          <a:p>
-            <a:r>
-              <a:rPr lang="en-US" sz="600" dirty="0" smtClean="0">
-                <a:latin typeface="Arial" panose="020B0604020202020204" pitchFamily="34" charset="0"/>
-                <a:cs typeface="Arial" panose="020B0604020202020204" pitchFamily="34" charset="0"/>
-              </a:rPr>
-              <a:t>€100</a:t>
-            </a:r>
-            <a:endParaRPr lang="en-US" sz="600" dirty="0">
-              <a:latin typeface="Arial" panose="020B0604020202020204" pitchFamily="34" charset="0"/>
-              <a:cs typeface="Arial" panose="020B0604020202020204" pitchFamily="34" charset="0"/>
-            </a:endParaRPr>
-          </a:p>
-        </p:txBody>
-      </p:sp>
       <p:grpSp>
         <p:nvGrpSpPr>
-          <p:cNvPr id="5" name="Group 4"/>
+          <p:cNvPr id="19" name="Group 18"/>
           <p:cNvGrpSpPr/>
           <p:nvPr/>
         </p:nvGrpSpPr>
         <p:grpSpPr>
           <a:xfrm>
-            <a:off x="4806043" y="1663895"/>
-            <a:ext cx="72000" cy="72000"/>
-            <a:chOff x="7812360" y="2253119"/>
-            <a:chExt cx="144016" cy="144016"/>
+            <a:off x="4671633" y="1375561"/>
+            <a:ext cx="357790" cy="502719"/>
+            <a:chOff x="4671633" y="1375561"/>
+            <a:chExt cx="357790" cy="502719"/>
           </a:xfrm>
+          <a:effectLst>
+            <a:outerShdw blurRad="50800" dist="38100" dir="2700000" algn="tl" rotWithShape="0">
+              <a:prstClr val="black">
+                <a:alpha val="40000"/>
+              </a:prstClr>
+            </a:outerShdw>
+          </a:effectLst>
         </p:grpSpPr>
         <p:sp>
           <p:nvSpPr>
-            <p:cNvPr id="4" name="Rectangle 3"/>
+            <p:cNvPr id="17" name="Rectangle 16"/>
             <p:cNvSpPr/>
             <p:nvPr/>
           </p:nvSpPr>
           <p:spPr>
             <a:xfrm>
-              <a:off x="7812360" y="2253119"/>
-              <a:ext cx="144016" cy="144016"/>
+              <a:off x="4718398" y="1415566"/>
+              <a:ext cx="250037" cy="418920"/>
             </a:xfrm>
             <a:prstGeom prst="rect">
               <a:avLst/>
             </a:prstGeom>
             <a:solidFill>
-              <a:schemeClr val="bg2"/>
+              <a:schemeClr val="bg1"/>
             </a:solidFill>
-            <a:ln w="6350">
-              <a:solidFill>
-                <a:schemeClr val="accent1">
-                  <a:shade val="50000"/>
-                </a:schemeClr>
-              </a:solidFill>
+            <a:ln>
+              <a:noFill/>
             </a:ln>
           </p:spPr>
           <p:style>
@@ -14939,56 +14858,199 @@
             </a:p>
           </p:txBody>
         </p:sp>
+        <p:pic>
+          <p:nvPicPr>
+            <p:cNvPr id="95" name="Picture 4" descr="C:\Users\Anders\AppData\Local\Microsoft\Windows\INetCache\IE\YM8GPEOA\mobile[1].png"/>
+            <p:cNvPicPr>
+              <a:picLocks noChangeAspect="1" noChangeArrowheads="1"/>
+            </p:cNvPicPr>
+            <p:nvPr/>
+          </p:nvPicPr>
+          <p:blipFill>
+            <a:blip r:embed="rId8" cstate="print">
+              <a:extLst>
+                <a:ext uri="{28A0092B-C50C-407E-A947-70E740481C1C}">
+                  <a14:useLocalDpi xmlns:a14="http://schemas.microsoft.com/office/drawing/2010/main" val="0"/>
+                </a:ext>
+              </a:extLst>
+            </a:blip>
+            <a:srcRect/>
+            <a:stretch>
+              <a:fillRect/>
+            </a:stretch>
+          </p:blipFill>
+          <p:spPr bwMode="auto">
+            <a:xfrm rot="10800000">
+              <a:off x="4673596" y="1375561"/>
+              <a:ext cx="355673" cy="502719"/>
+            </a:xfrm>
+            <a:prstGeom prst="rect">
+              <a:avLst/>
+            </a:prstGeom>
+            <a:noFill/>
+            <a:effectLst/>
+            <a:extLst>
+              <a:ext uri="{909E8E84-426E-40DD-AFC4-6F175D3DCCD1}">
+                <a14:hiddenFill xmlns:a14="http://schemas.microsoft.com/office/drawing/2010/main">
+                  <a:solidFill>
+                    <a:srgbClr val="FFFFFF"/>
+                  </a:solidFill>
+                </a14:hiddenFill>
+              </a:ext>
+            </a:extLst>
+          </p:spPr>
+        </p:pic>
         <p:sp>
           <p:nvSpPr>
-            <p:cNvPr id="131" name="Rectangle 130"/>
-            <p:cNvSpPr/>
+            <p:cNvPr id="3" name="TextBox 2"/>
+            <p:cNvSpPr txBox="1"/>
             <p:nvPr/>
           </p:nvSpPr>
           <p:spPr>
             <a:xfrm>
-              <a:off x="7855725" y="2293360"/>
-              <a:ext cx="61200" cy="61200"/>
+              <a:off x="4671633" y="1457193"/>
+              <a:ext cx="357790" cy="184666"/>
             </a:xfrm>
             <a:prstGeom prst="rect">
               <a:avLst/>
             </a:prstGeom>
-            <a:solidFill>
-              <a:schemeClr val="bg2"/>
-            </a:solidFill>
-            <a:ln w="6350">
+            <a:noFill/>
+          </p:spPr>
+          <p:txBody>
+            <a:bodyPr wrap="none" rtlCol="0">
+              <a:spAutoFit/>
+            </a:bodyPr>
+            <a:lstStyle/>
+            <a:p>
+              <a:r>
+                <a:rPr lang="en-US" sz="600" dirty="0" smtClean="0">
+                  <a:latin typeface="Arial" panose="020B0604020202020204" pitchFamily="34" charset="0"/>
+                  <a:cs typeface="Arial" panose="020B0604020202020204" pitchFamily="34" charset="0"/>
+                </a:rPr>
+                <a:t>€100</a:t>
+              </a:r>
+              <a:endParaRPr lang="en-US" sz="600" dirty="0">
+                <a:latin typeface="Arial" panose="020B0604020202020204" pitchFamily="34" charset="0"/>
+                <a:cs typeface="Arial" panose="020B0604020202020204" pitchFamily="34" charset="0"/>
+              </a:endParaRPr>
+            </a:p>
+          </p:txBody>
+        </p:sp>
+        <p:grpSp>
+          <p:nvGrpSpPr>
+            <p:cNvPr id="15" name="Group 14"/>
+            <p:cNvGrpSpPr/>
+            <p:nvPr/>
+          </p:nvGrpSpPr>
+          <p:grpSpPr>
+            <a:xfrm>
+              <a:off x="4806043" y="1663895"/>
+              <a:ext cx="72000" cy="72000"/>
+              <a:chOff x="4806043" y="1663895"/>
+              <a:chExt cx="72000" cy="72000"/>
+            </a:xfrm>
+          </p:grpSpPr>
+          <p:sp>
+            <p:nvSpPr>
+              <p:cNvPr id="4" name="Rectangle 3"/>
+              <p:cNvSpPr/>
+              <p:nvPr/>
+            </p:nvSpPr>
+            <p:spPr>
+              <a:xfrm>
+                <a:off x="4806043" y="1663895"/>
+                <a:ext cx="72000" cy="72000"/>
+              </a:xfrm>
+              <a:prstGeom prst="rect">
+                <a:avLst/>
+              </a:prstGeom>
               <a:solidFill>
+                <a:schemeClr val="bg2"/>
+              </a:solidFill>
+              <a:ln w="6350">
+                <a:solidFill>
+                  <a:schemeClr val="accent1">
+                    <a:shade val="50000"/>
+                  </a:schemeClr>
+                </a:solidFill>
+              </a:ln>
+            </p:spPr>
+            <p:style>
+              <a:lnRef idx="2">
                 <a:schemeClr val="accent1">
                   <a:shade val="50000"/>
                 </a:schemeClr>
+              </a:lnRef>
+              <a:fillRef idx="1">
+                <a:schemeClr val="accent1"/>
+              </a:fillRef>
+              <a:effectRef idx="0">
+                <a:schemeClr val="accent1"/>
+              </a:effectRef>
+              <a:fontRef idx="minor">
+                <a:schemeClr val="lt1"/>
+              </a:fontRef>
+            </p:style>
+            <p:txBody>
+              <a:bodyPr rtlCol="0" anchor="ctr"/>
+              <a:lstStyle/>
+              <a:p>
+                <a:pPr algn="ctr"/>
+                <a:endParaRPr lang="en-US"/>
+              </a:p>
+            </p:txBody>
+          </p:sp>
+          <p:sp>
+            <p:nvSpPr>
+              <p:cNvPr id="131" name="Rectangle 130"/>
+              <p:cNvSpPr/>
+              <p:nvPr/>
+            </p:nvSpPr>
+            <p:spPr>
+              <a:xfrm>
+                <a:off x="4827723" y="1684013"/>
+                <a:ext cx="30597" cy="30597"/>
+              </a:xfrm>
+              <a:prstGeom prst="rect">
+                <a:avLst/>
+              </a:prstGeom>
+              <a:solidFill>
+                <a:schemeClr val="bg2"/>
               </a:solidFill>
-            </a:ln>
-          </p:spPr>
-          <p:style>
-            <a:lnRef idx="2">
-              <a:schemeClr val="accent1">
-                <a:shade val="50000"/>
-              </a:schemeClr>
-            </a:lnRef>
-            <a:fillRef idx="1">
-              <a:schemeClr val="accent1"/>
-            </a:fillRef>
-            <a:effectRef idx="0">
-              <a:schemeClr val="accent1"/>
-            </a:effectRef>
-            <a:fontRef idx="minor">
-              <a:schemeClr val="lt1"/>
-            </a:fontRef>
-          </p:style>
-          <p:txBody>
-            <a:bodyPr rtlCol="0" anchor="ctr"/>
-            <a:lstStyle/>
-            <a:p>
-              <a:pPr algn="ctr"/>
-              <a:endParaRPr lang="en-US"/>
-            </a:p>
-          </p:txBody>
-        </p:sp>
+              <a:ln w="6350">
+                <a:solidFill>
+                  <a:schemeClr val="accent1">
+                    <a:shade val="50000"/>
+                  </a:schemeClr>
+                </a:solidFill>
+              </a:ln>
+            </p:spPr>
+            <p:style>
+              <a:lnRef idx="2">
+                <a:schemeClr val="accent1">
+                  <a:shade val="50000"/>
+                </a:schemeClr>
+              </a:lnRef>
+              <a:fillRef idx="1">
+                <a:schemeClr val="accent1"/>
+              </a:fillRef>
+              <a:effectRef idx="0">
+                <a:schemeClr val="accent1"/>
+              </a:effectRef>
+              <a:fontRef idx="minor">
+                <a:schemeClr val="lt1"/>
+              </a:fontRef>
+            </p:style>
+            <p:txBody>
+              <a:bodyPr rtlCol="0" anchor="ctr"/>
+              <a:lstStyle/>
+              <a:p>
+                <a:pPr algn="ctr"/>
+                <a:endParaRPr lang="en-US"/>
+              </a:p>
+            </p:txBody>
+          </p:sp>
+        </p:grpSp>
       </p:grpSp>
       <p:sp>
         <p:nvSpPr>
@@ -15165,7 +15227,7 @@
         </p:nvSpPr>
         <p:spPr>
           <a:xfrm>
-            <a:off x="5852822" y="790035"/>
+            <a:off x="5525357" y="790035"/>
             <a:ext cx="2175562" cy="472559"/>
           </a:xfrm>
           <a:prstGeom prst="roundRect">
@@ -15900,7 +15962,7 @@
           <p:nvPr/>
         </p:nvPicPr>
         <p:blipFill>
-          <a:blip r:embed="rId6">
+          <a:blip r:embed="rId5">
             <a:extLst>
               <a:ext uri="{28A0092B-C50C-407E-A947-70E740481C1C}">
                 <a14:useLocalDpi xmlns:a14="http://schemas.microsoft.com/office/drawing/2010/main" val="0"/>
@@ -15999,7 +16061,7 @@
           <p:nvPr/>
         </p:nvPicPr>
         <p:blipFill>
-          <a:blip r:embed="rId7">
+          <a:blip r:embed="rId6">
             <a:duotone>
               <a:prstClr val="black"/>
               <a:schemeClr val="accent3">
@@ -16010,7 +16072,7 @@
             <a:extLst>
               <a:ext uri="{BEBA8EAE-BF5A-486C-A8C5-ECC9F3942E4B}">
                 <a14:imgProps xmlns:a14="http://schemas.microsoft.com/office/drawing/2010/main">
-                  <a14:imgLayer r:embed="rId8">
+                  <a14:imgLayer r:embed="rId7">
                     <a14:imgEffect>
                       <a14:colorTemperature colorTemp="5246"/>
                     </a14:imgEffect>
@@ -17150,14 +17212,7 @@
                 <a:latin typeface="Arial" panose="020B0604020202020204" pitchFamily="34" charset="0"/>
                 <a:cs typeface="Arial" panose="020B0604020202020204" pitchFamily="34" charset="0"/>
               </a:rPr>
-              <a:t>Bank Service URL</a:t>
-            </a:r>
-            <a:r>
-              <a:rPr lang="en-US" sz="1200" dirty="0" smtClean="0">
-                <a:latin typeface="Arial" panose="020B0604020202020204" pitchFamily="34" charset="0"/>
-                <a:cs typeface="Arial" panose="020B0604020202020204" pitchFamily="34" charset="0"/>
-              </a:rPr>
-              <a:t>: https://...</a:t>
+              <a:t>Bank Service URL: https://...</a:t>
             </a:r>
             <a:endParaRPr lang="en-US" sz="1200" dirty="0">
               <a:latin typeface="Arial" panose="020B0604020202020204" pitchFamily="34" charset="0"/>
@@ -17219,9 +17274,9 @@
         <p:grpSpPr>
           <a:xfrm>
             <a:off x="636798" y="5107229"/>
-            <a:ext cx="2569054" cy="1441119"/>
+            <a:ext cx="2567050" cy="1441119"/>
             <a:chOff x="636798" y="5083759"/>
-            <a:chExt cx="2569054" cy="1441119"/>
+            <a:chExt cx="2567050" cy="1441119"/>
           </a:xfrm>
           <a:effectLst>
             <a:outerShdw blurRad="50800" dist="38100" dir="2700000" algn="tl" rotWithShape="0">
@@ -17324,15 +17379,7 @@
                     <a:schemeClr val="tx1"/>
                   </a:solidFill>
                 </a:rPr>
-                <a:t>Authorization </a:t>
-              </a:r>
-              <a:r>
-                <a:rPr lang="en-US" sz="1400" dirty="0" smtClean="0">
-                  <a:solidFill>
-                    <a:schemeClr val="tx1"/>
-                  </a:solidFill>
-                </a:rPr>
-                <a:t>Data</a:t>
+                <a:t>Authorization Data</a:t>
               </a:r>
               <a:r>
                 <a:rPr lang="en-US" sz="1400" dirty="0">
@@ -17381,7 +17428,7 @@
           <p:spPr>
             <a:xfrm>
               <a:off x="636798" y="6021288"/>
-              <a:ext cx="2569054" cy="503590"/>
+              <a:ext cx="2566800" cy="503590"/>
             </a:xfrm>
             <a:prstGeom prst="rect">
               <a:avLst/>
@@ -17744,14 +17791,7 @@
                 <a:latin typeface="Arial" panose="020B0604020202020204" pitchFamily="34" charset="0"/>
                 <a:cs typeface="Arial" panose="020B0604020202020204" pitchFamily="34" charset="0"/>
               </a:rPr>
-              <a:t>Lookup </a:t>
-            </a:r>
-            <a:r>
-              <a:rPr lang="en-US" sz="1200" dirty="0" smtClean="0">
-                <a:latin typeface="Arial" panose="020B0604020202020204" pitchFamily="34" charset="0"/>
-                <a:cs typeface="Arial" panose="020B0604020202020204" pitchFamily="34" charset="0"/>
-              </a:rPr>
-              <a:t>signature key and</a:t>
+              <a:t>Lookup signature key and</a:t>
             </a:r>
             <a:br>
               <a:rPr lang="en-US" sz="1200" dirty="0" smtClean="0">
@@ -17785,14 +17825,7 @@
                 <a:latin typeface="Arial" panose="020B0604020202020204" pitchFamily="34" charset="0"/>
                 <a:cs typeface="Arial" panose="020B0604020202020204" pitchFamily="34" charset="0"/>
               </a:rPr>
-              <a:t>in</a:t>
-            </a:r>
-            <a:r>
-              <a:rPr lang="en-US" sz="1200" dirty="0" smtClean="0">
-                <a:latin typeface="Arial" panose="020B0604020202020204" pitchFamily="34" charset="0"/>
-                <a:cs typeface="Arial" panose="020B0604020202020204" pitchFamily="34" charset="0"/>
-              </a:rPr>
-              <a:t> a </a:t>
+              <a:t>in a </a:t>
             </a:r>
             <a:r>
               <a:rPr lang="en-US" sz="1200" i="1" dirty="0" smtClean="0">
@@ -17815,10 +17848,6 @@
               </a:rPr>
               <a:t>atabase</a:t>
             </a:r>
-            <a:endParaRPr lang="en-US" sz="1200" i="1" dirty="0" smtClean="0">
-              <a:latin typeface="Arial" panose="020B0604020202020204" pitchFamily="34" charset="0"/>
-              <a:cs typeface="Arial" panose="020B0604020202020204" pitchFamily="34" charset="0"/>
-            </a:endParaRPr>
           </a:p>
           <a:p>
             <a:pPr marL="144000" indent="-144000">

--- a/payments/open-banking-dual-mode-end-to-end-security-simplified.pptx
+++ b/payments/open-banking-dual-mode-end-to-end-security-simplified.pptx
@@ -12193,7 +12193,7 @@
         </p:blipFill>
         <p:spPr>
           <a:xfrm>
-            <a:off x="5324265" y="1346519"/>
+            <a:off x="5647827" y="1346519"/>
             <a:ext cx="2632111" cy="1653350"/>
           </a:xfrm>
           <a:prstGeom prst="rect">
@@ -12209,7 +12209,7 @@
         </p:nvCxnSpPr>
         <p:spPr>
           <a:xfrm flipV="1">
-            <a:off x="1350300" y="3717031"/>
+            <a:off x="1673862" y="3717031"/>
             <a:ext cx="435113" cy="1"/>
           </a:xfrm>
           <a:prstGeom prst="line">
@@ -12246,7 +12246,7 @@
         </p:nvCxnSpPr>
         <p:spPr>
           <a:xfrm rot="180000">
-            <a:off x="5004000" y="1626920"/>
+            <a:off x="5327562" y="1626920"/>
             <a:ext cx="288000" cy="26511"/>
           </a:xfrm>
           <a:prstGeom prst="line">
@@ -12279,7 +12279,7 @@
         </p:nvSpPr>
         <p:spPr>
           <a:xfrm rot="16200000" flipH="1">
-            <a:off x="1811900" y="1032535"/>
+            <a:off x="2135462" y="1032535"/>
             <a:ext cx="1507398" cy="3075094"/>
           </a:xfrm>
           <a:prstGeom prst="bentArrow">
@@ -12334,7 +12334,7 @@
         </p:nvGrpSpPr>
         <p:grpSpPr>
           <a:xfrm>
-            <a:off x="576030" y="2348880"/>
+            <a:off x="899592" y="2348880"/>
             <a:ext cx="1110108" cy="412824"/>
             <a:chOff x="1315014" y="2295731"/>
             <a:chExt cx="1110108" cy="412824"/>
@@ -12534,8 +12534,8 @@
         </p:nvCxnSpPr>
         <p:spPr>
           <a:xfrm flipH="1">
-            <a:off x="1636430" y="2553693"/>
-            <a:ext cx="199266" cy="1599"/>
+            <a:off x="1959992" y="2553693"/>
+            <a:ext cx="250220" cy="1599"/>
           </a:xfrm>
           <a:prstGeom prst="line">
             <a:avLst/>
@@ -12572,7 +12572,7 @@
         </p:nvCxnSpPr>
         <p:spPr>
           <a:xfrm flipH="1" flipV="1">
-            <a:off x="2032818" y="1026314"/>
+            <a:off x="2356380" y="1026314"/>
             <a:ext cx="1" cy="493579"/>
           </a:xfrm>
           <a:prstGeom prst="line">
@@ -12610,7 +12610,7 @@
         </p:nvCxnSpPr>
         <p:spPr>
           <a:xfrm>
-            <a:off x="1410154" y="1641542"/>
+            <a:off x="1733716" y="1641542"/>
             <a:ext cx="2700000" cy="1030"/>
           </a:xfrm>
           <a:prstGeom prst="straightConnector1">
@@ -12646,7 +12646,7 @@
         </p:nvSpPr>
         <p:spPr>
           <a:xfrm>
-            <a:off x="632637" y="3993086"/>
+            <a:off x="956199" y="3993086"/>
             <a:ext cx="1021434" cy="307777"/>
           </a:xfrm>
           <a:prstGeom prst="rect">
@@ -12683,7 +12683,7 @@
         </p:nvSpPr>
         <p:spPr>
           <a:xfrm>
-            <a:off x="3920525" y="764704"/>
+            <a:off x="4244087" y="764704"/>
             <a:ext cx="1372234" cy="523220"/>
           </a:xfrm>
           <a:prstGeom prst="rect">
@@ -12730,7 +12730,7 @@
         </p:nvGrpSpPr>
         <p:grpSpPr>
           <a:xfrm>
-            <a:off x="774478" y="1408420"/>
+            <a:off x="1098040" y="1408420"/>
             <a:ext cx="557162" cy="447881"/>
             <a:chOff x="3321759" y="524071"/>
             <a:chExt cx="557162" cy="447881"/>
@@ -13979,7 +13979,7 @@
         </p:blipFill>
         <p:spPr bwMode="auto">
           <a:xfrm>
-            <a:off x="4184507" y="1369472"/>
+            <a:off x="4508069" y="1369472"/>
             <a:ext cx="468000" cy="468000"/>
           </a:xfrm>
           <a:prstGeom prst="rect">
@@ -14027,7 +14027,7 @@
         </p:blipFill>
         <p:spPr bwMode="auto">
           <a:xfrm>
-            <a:off x="5400599" y="3277263"/>
+            <a:off x="5724161" y="3277263"/>
             <a:ext cx="360040" cy="356341"/>
           </a:xfrm>
           <a:prstGeom prst="rect">
@@ -14066,7 +14066,7 @@
         </p:nvCxnSpPr>
         <p:spPr>
           <a:xfrm flipH="1" flipV="1">
-            <a:off x="1410154" y="1433892"/>
+            <a:off x="1733716" y="1433892"/>
             <a:ext cx="2340000" cy="2654"/>
           </a:xfrm>
           <a:prstGeom prst="straightConnector1">
@@ -14136,7 +14136,7 @@
         </p:blipFill>
         <p:spPr bwMode="auto">
           <a:xfrm>
-            <a:off x="5400599" y="3576715"/>
+            <a:off x="5724161" y="3576715"/>
             <a:ext cx="360040" cy="356341"/>
           </a:xfrm>
           <a:prstGeom prst="rect">
@@ -14175,7 +14175,7 @@
         </p:nvSpPr>
         <p:spPr>
           <a:xfrm>
-            <a:off x="1810853" y="1514727"/>
+            <a:off x="2134415" y="1514727"/>
             <a:ext cx="414109" cy="241199"/>
           </a:xfrm>
           <a:prstGeom prst="parallelogram">
@@ -14229,75 +14229,13 @@
       </p:sp>
       <p:sp>
         <p:nvSpPr>
-          <p:cNvPr id="189" name="TextBox 188"/>
-          <p:cNvSpPr txBox="1"/>
-          <p:nvPr/>
-        </p:nvSpPr>
-        <p:spPr>
-          <a:xfrm>
-            <a:off x="1835696" y="2453323"/>
-            <a:ext cx="1497692" cy="200739"/>
-          </a:xfrm>
-          <a:prstGeom prst="roundRect">
-            <a:avLst>
-              <a:gd name="adj" fmla="val 14754"/>
-            </a:avLst>
-          </a:prstGeom>
-          <a:solidFill>
-            <a:schemeClr val="bg1"/>
-          </a:solidFill>
-          <a:ln w="3175">
-            <a:solidFill>
-              <a:schemeClr val="bg1">
-                <a:lumMod val="50000"/>
-              </a:schemeClr>
-            </a:solidFill>
-          </a:ln>
-        </p:spPr>
-        <p:txBody>
-          <a:bodyPr wrap="none" lIns="36000" tIns="0" rIns="36000" bIns="0" rtlCol="0" anchor="ctr" anchorCtr="0">
-            <a:spAutoFit/>
-          </a:bodyPr>
-          <a:lstStyle/>
-          <a:p>
-            <a:pPr algn="ctr"/>
-            <a:r>
-              <a:rPr lang="en-US" sz="1200" dirty="0" smtClean="0">
-                <a:latin typeface="Arial" panose="020B0604020202020204" pitchFamily="34" charset="0"/>
-                <a:cs typeface="Arial" panose="020B0604020202020204" pitchFamily="34" charset="0"/>
-              </a:rPr>
-              <a:t>Payment Order (</a:t>
-            </a:r>
-            <a:r>
-              <a:rPr lang="en-US" sz="1200" b="1" dirty="0">
-                <a:latin typeface="Courier New" panose="02070309020205020404" pitchFamily="49" charset="0"/>
-                <a:cs typeface="Courier New" panose="02070309020205020404" pitchFamily="49" charset="0"/>
-              </a:rPr>
-              <a:t>PO</a:t>
-            </a:r>
-            <a:r>
-              <a:rPr lang="en-US" sz="1200" dirty="0" smtClean="0">
-                <a:latin typeface="Arial" panose="020B0604020202020204" pitchFamily="34" charset="0"/>
-                <a:cs typeface="Arial" panose="020B0604020202020204" pitchFamily="34" charset="0"/>
-              </a:rPr>
-              <a:t>)</a:t>
-            </a:r>
-            <a:endParaRPr lang="en-US" sz="1200" dirty="0">
-              <a:latin typeface="Arial" panose="020B0604020202020204" pitchFamily="34" charset="0"/>
-              <a:cs typeface="Arial" panose="020B0604020202020204" pitchFamily="34" charset="0"/>
-            </a:endParaRPr>
-          </a:p>
-        </p:txBody>
-      </p:sp>
-      <p:sp>
-        <p:nvSpPr>
           <p:cNvPr id="191" name="TextBox 190"/>
           <p:cNvSpPr txBox="1"/>
           <p:nvPr/>
         </p:nvSpPr>
         <p:spPr>
           <a:xfrm>
-            <a:off x="3711019" y="1310902"/>
+            <a:off x="4034581" y="1310902"/>
             <a:ext cx="402558" cy="232464"/>
           </a:xfrm>
           <a:prstGeom prst="roundRect">
@@ -14365,7 +14303,7 @@
         </p:nvSpPr>
         <p:spPr>
           <a:xfrm>
-            <a:off x="1590550" y="926787"/>
+            <a:off x="1914112" y="926787"/>
             <a:ext cx="1711413" cy="216813"/>
           </a:xfrm>
           <a:prstGeom prst="roundRect">
@@ -14427,7 +14365,7 @@
         </p:nvGrpSpPr>
         <p:grpSpPr>
           <a:xfrm>
-            <a:off x="3299682" y="1253262"/>
+            <a:off x="3623244" y="1253262"/>
             <a:ext cx="389850" cy="369332"/>
             <a:chOff x="6653446" y="2335884"/>
             <a:chExt cx="389850" cy="369332"/>
@@ -14520,7 +14458,7 @@
         </p:nvGrpSpPr>
         <p:grpSpPr>
           <a:xfrm>
-            <a:off x="1426944" y="1458008"/>
+            <a:off x="1750506" y="1458008"/>
             <a:ext cx="389850" cy="369332"/>
             <a:chOff x="7617435" y="3266164"/>
             <a:chExt cx="389850" cy="369332"/>
@@ -14613,7 +14551,7 @@
         </p:nvGrpSpPr>
         <p:grpSpPr>
           <a:xfrm>
-            <a:off x="3707752" y="1662308"/>
+            <a:off x="4031314" y="1662308"/>
             <a:ext cx="389850" cy="369332"/>
             <a:chOff x="7769835" y="3418564"/>
             <a:chExt cx="389850" cy="369332"/>
@@ -14706,7 +14644,7 @@
         </p:nvGrpSpPr>
         <p:grpSpPr>
           <a:xfrm>
-            <a:off x="934647" y="1924128"/>
+            <a:off x="1258209" y="1924128"/>
             <a:ext cx="389850" cy="369332"/>
             <a:chOff x="7769835" y="3418564"/>
             <a:chExt cx="389850" cy="369332"/>
@@ -14799,7 +14737,7 @@
         </p:nvGrpSpPr>
         <p:grpSpPr>
           <a:xfrm>
-            <a:off x="4671633" y="1375561"/>
+            <a:off x="4995195" y="1375561"/>
             <a:ext cx="357790" cy="502719"/>
             <a:chOff x="4671633" y="1375561"/>
             <a:chExt cx="357790" cy="502719"/>
@@ -15060,7 +14998,7 @@
         </p:nvSpPr>
         <p:spPr>
           <a:xfrm>
-            <a:off x="5756235" y="3377364"/>
+            <a:off x="6079797" y="3377364"/>
             <a:ext cx="2127753" cy="204311"/>
           </a:xfrm>
           <a:prstGeom prst="roundRect">
@@ -15118,7 +15056,7 @@
         </p:nvSpPr>
         <p:spPr>
           <a:xfrm>
-            <a:off x="5756235" y="3700558"/>
+            <a:off x="6079797" y="3700558"/>
             <a:ext cx="2145386" cy="204311"/>
           </a:xfrm>
           <a:prstGeom prst="roundRect">
@@ -15183,7 +15121,7 @@
         </p:nvSpPr>
         <p:spPr>
           <a:xfrm>
-            <a:off x="5400599" y="3040943"/>
+            <a:off x="5724161" y="3040943"/>
             <a:ext cx="1694942" cy="184666"/>
           </a:xfrm>
           <a:prstGeom prst="rect">
@@ -15227,7 +15165,7 @@
         </p:nvSpPr>
         <p:spPr>
           <a:xfrm>
-            <a:off x="5525357" y="790035"/>
+            <a:off x="5848919" y="790035"/>
             <a:ext cx="2175562" cy="472559"/>
           </a:xfrm>
           <a:prstGeom prst="roundRect">
@@ -15281,7 +15219,7 @@
         </p:nvGrpSpPr>
         <p:grpSpPr>
           <a:xfrm>
-            <a:off x="701493" y="3353207"/>
+            <a:off x="1025055" y="3353207"/>
             <a:ext cx="927282" cy="687559"/>
             <a:chOff x="4013200" y="3014663"/>
             <a:chExt cx="1117600" cy="828675"/>
@@ -15911,7 +15849,7 @@
         </p:nvSpPr>
         <p:spPr>
           <a:xfrm>
-            <a:off x="1763688" y="188640"/>
+            <a:off x="1691680" y="188640"/>
             <a:ext cx="5751896" cy="461665"/>
           </a:xfrm>
           <a:prstGeom prst="rect">
@@ -15976,7 +15914,7 @@
         </p:blipFill>
         <p:spPr bwMode="auto">
           <a:xfrm>
-            <a:off x="4311144" y="4739632"/>
+            <a:off x="4285906" y="4739632"/>
             <a:ext cx="360040" cy="356341"/>
           </a:xfrm>
           <a:prstGeom prst="rect">
@@ -16015,7 +15953,7 @@
         </p:nvSpPr>
         <p:spPr>
           <a:xfrm>
-            <a:off x="4664456" y="4839733"/>
+            <a:off x="4639218" y="4839733"/>
             <a:ext cx="742419" cy="204311"/>
           </a:xfrm>
           <a:prstGeom prst="roundRect">
@@ -16091,7 +16029,7 @@
         </p:blipFill>
         <p:spPr bwMode="auto">
           <a:xfrm>
-            <a:off x="1331640" y="4641141"/>
+            <a:off x="1306402" y="4641141"/>
             <a:ext cx="360040" cy="356341"/>
           </a:xfrm>
           <a:prstGeom prst="rect">
@@ -16130,7 +16068,7 @@
         </p:nvSpPr>
         <p:spPr>
           <a:xfrm>
-            <a:off x="1691680" y="4764984"/>
+            <a:off x="1666442" y="4764984"/>
             <a:ext cx="812681" cy="204311"/>
           </a:xfrm>
           <a:prstGeom prst="roundRect">
@@ -16177,7 +16115,7 @@
         </p:nvSpPr>
         <p:spPr>
           <a:xfrm>
-            <a:off x="5292760" y="1340768"/>
+            <a:off x="5616322" y="1340768"/>
             <a:ext cx="2655044" cy="3240360"/>
           </a:xfrm>
           <a:prstGeom prst="roundRect">
@@ -16226,7 +16164,7 @@
         </p:nvSpPr>
         <p:spPr>
           <a:xfrm>
-            <a:off x="594283" y="1067783"/>
+            <a:off x="917845" y="1067783"/>
             <a:ext cx="930063" cy="307777"/>
           </a:xfrm>
           <a:prstGeom prst="rect">
@@ -16263,7 +16201,7 @@
         </p:nvSpPr>
         <p:spPr>
           <a:xfrm>
-            <a:off x="6566367" y="4936088"/>
+            <a:off x="6541129" y="4936088"/>
             <a:ext cx="2012089" cy="307777"/>
           </a:xfrm>
           <a:prstGeom prst="rect">
@@ -16314,7 +16252,7 @@
         </p:nvSpPr>
         <p:spPr>
           <a:xfrm>
-            <a:off x="6151978" y="5744758"/>
+            <a:off x="6126740" y="5744758"/>
             <a:ext cx="216000" cy="144016"/>
           </a:xfrm>
           <a:prstGeom prst="leftArrow">
@@ -16360,7 +16298,7 @@
         </p:nvSpPr>
         <p:spPr>
           <a:xfrm>
-            <a:off x="3300360" y="5744758"/>
+            <a:off x="3275122" y="5744758"/>
             <a:ext cx="216000" cy="144016"/>
           </a:xfrm>
           <a:prstGeom prst="leftArrow">
@@ -16457,7 +16395,7 @@
         </p:nvGrpSpPr>
         <p:grpSpPr>
           <a:xfrm>
-            <a:off x="6466831" y="5291170"/>
+            <a:off x="6441593" y="5291170"/>
             <a:ext cx="2199279" cy="1090158"/>
             <a:chOff x="6466831" y="5291170"/>
             <a:chExt cx="2199279" cy="1090158"/>
@@ -16773,7 +16711,7 @@
         </p:nvGrpSpPr>
         <p:grpSpPr>
           <a:xfrm>
-            <a:off x="3628160" y="5196313"/>
+            <a:off x="3602922" y="5196313"/>
             <a:ext cx="2414359" cy="1296000"/>
             <a:chOff x="3615541" y="5196313"/>
             <a:chExt cx="2414359" cy="1296000"/>
@@ -17185,7 +17123,7 @@
         </p:nvSpPr>
         <p:spPr>
           <a:xfrm>
-            <a:off x="5414591" y="4005064"/>
+            <a:off x="5738153" y="4005064"/>
             <a:ext cx="2049206" cy="184666"/>
           </a:xfrm>
           <a:prstGeom prst="rect">
@@ -17229,7 +17167,7 @@
         </p:nvSpPr>
         <p:spPr>
           <a:xfrm>
-            <a:off x="5420367" y="4293096"/>
+            <a:off x="5743929" y="4293096"/>
             <a:ext cx="1912950" cy="184666"/>
           </a:xfrm>
           <a:prstGeom prst="rect">
@@ -17273,7 +17211,7 @@
         </p:nvGrpSpPr>
         <p:grpSpPr>
           <a:xfrm>
-            <a:off x="636798" y="5107229"/>
+            <a:off x="611560" y="5107229"/>
             <a:ext cx="2567050" cy="1441119"/>
             <a:chOff x="636798" y="5083759"/>
             <a:chExt cx="2567050" cy="1441119"/>
@@ -17521,7 +17459,7 @@
         </p:nvGrpSpPr>
         <p:grpSpPr>
           <a:xfrm>
-            <a:off x="3279453" y="1723560"/>
+            <a:off x="3603015" y="1723560"/>
             <a:ext cx="414109" cy="237897"/>
             <a:chOff x="3279453" y="1723560"/>
             <a:chExt cx="414109" cy="237897"/>
@@ -17653,8 +17591,8 @@
         </p:nvCxnSpPr>
         <p:spPr>
           <a:xfrm flipH="1">
-            <a:off x="2915816" y="1835986"/>
-            <a:ext cx="580073" cy="3539834"/>
+            <a:off x="2908480" y="1836487"/>
+            <a:ext cx="906355" cy="3533377"/>
           </a:xfrm>
           <a:prstGeom prst="straightConnector1">
             <a:avLst/>
@@ -17686,7 +17624,7 @@
         </p:nvSpPr>
         <p:spPr>
           <a:xfrm>
-            <a:off x="1666046" y="2949159"/>
+            <a:off x="1989608" y="2949159"/>
             <a:ext cx="3036794" cy="1553356"/>
           </a:xfrm>
           <a:prstGeom prst="roundRect">
@@ -17939,6 +17877,68 @@
                 <a:cs typeface="Arial" panose="020B0604020202020204" pitchFamily="34" charset="0"/>
               </a:rPr>
               <a:t>nitiate payment</a:t>
+            </a:r>
+            <a:endParaRPr lang="en-US" sz="1200" dirty="0">
+              <a:latin typeface="Arial" panose="020B0604020202020204" pitchFamily="34" charset="0"/>
+              <a:cs typeface="Arial" panose="020B0604020202020204" pitchFamily="34" charset="0"/>
+            </a:endParaRPr>
+          </a:p>
+        </p:txBody>
+      </p:sp>
+      <p:sp>
+        <p:nvSpPr>
+          <p:cNvPr id="189" name="TextBox 188"/>
+          <p:cNvSpPr txBox="1"/>
+          <p:nvPr/>
+        </p:nvSpPr>
+        <p:spPr>
+          <a:xfrm>
+            <a:off x="2210212" y="2453323"/>
+            <a:ext cx="1497692" cy="200739"/>
+          </a:xfrm>
+          <a:prstGeom prst="roundRect">
+            <a:avLst>
+              <a:gd name="adj" fmla="val 14754"/>
+            </a:avLst>
+          </a:prstGeom>
+          <a:solidFill>
+            <a:schemeClr val="bg1"/>
+          </a:solidFill>
+          <a:ln w="3175">
+            <a:solidFill>
+              <a:schemeClr val="bg1">
+                <a:lumMod val="50000"/>
+              </a:schemeClr>
+            </a:solidFill>
+          </a:ln>
+        </p:spPr>
+        <p:txBody>
+          <a:bodyPr wrap="none" lIns="36000" tIns="0" rIns="36000" bIns="0" rtlCol="0" anchor="ctr" anchorCtr="0">
+            <a:spAutoFit/>
+          </a:bodyPr>
+          <a:lstStyle/>
+          <a:p>
+            <a:pPr algn="ctr"/>
+            <a:r>
+              <a:rPr lang="en-US" sz="1200" dirty="0" smtClean="0">
+                <a:latin typeface="Arial" panose="020B0604020202020204" pitchFamily="34" charset="0"/>
+                <a:cs typeface="Arial" panose="020B0604020202020204" pitchFamily="34" charset="0"/>
+              </a:rPr>
+              <a:t>Payment Order (</a:t>
+            </a:r>
+            <a:r>
+              <a:rPr lang="en-US" sz="1200" b="1" dirty="0">
+                <a:latin typeface="Courier New" panose="02070309020205020404" pitchFamily="49" charset="0"/>
+                <a:cs typeface="Courier New" panose="02070309020205020404" pitchFamily="49" charset="0"/>
+              </a:rPr>
+              <a:t>PO</a:t>
+            </a:r>
+            <a:r>
+              <a:rPr lang="en-US" sz="1200" dirty="0" smtClean="0">
+                <a:latin typeface="Arial" panose="020B0604020202020204" pitchFamily="34" charset="0"/>
+                <a:cs typeface="Arial" panose="020B0604020202020204" pitchFamily="34" charset="0"/>
+              </a:rPr>
+              <a:t>)</a:t>
             </a:r>
             <a:endParaRPr lang="en-US" sz="1200" dirty="0">
               <a:latin typeface="Arial" panose="020B0604020202020204" pitchFamily="34" charset="0"/>

--- a/payments/open-banking-dual-mode-end-to-end-security-simplified.pptx
+++ b/payments/open-banking-dual-mode-end-to-end-security-simplified.pptx
@@ -174,7 +174,7 @@
           <a:p>
             <a:fld id="{487FC4E9-77CD-4C2A-BF4D-150A82B34D6E}" type="datetimeFigureOut">
               <a:rPr lang="en-US" smtClean="0"/>
-              <a:t>2019-11-23</a:t>
+              <a:t>2019-11-28</a:t>
             </a:fld>
             <a:endParaRPr lang="en-US"/>
           </a:p>
@@ -451,7 +451,7 @@
           <a:p>
             <a:fld id="{487FC4E9-77CD-4C2A-BF4D-150A82B34D6E}" type="datetimeFigureOut">
               <a:rPr lang="en-US" smtClean="0"/>
-              <a:t>2019-11-23</a:t>
+              <a:t>2019-11-28</a:t>
             </a:fld>
             <a:endParaRPr lang="en-US"/>
           </a:p>
@@ -704,7 +704,7 @@
           <a:p>
             <a:fld id="{487FC4E9-77CD-4C2A-BF4D-150A82B34D6E}" type="datetimeFigureOut">
               <a:rPr lang="en-US" smtClean="0"/>
-              <a:t>2019-11-23</a:t>
+              <a:t>2019-11-28</a:t>
             </a:fld>
             <a:endParaRPr lang="en-US"/>
           </a:p>
@@ -874,7 +874,7 @@
           <a:p>
             <a:fld id="{487FC4E9-77CD-4C2A-BF4D-150A82B34D6E}" type="datetimeFigureOut">
               <a:rPr lang="en-US" smtClean="0"/>
-              <a:t>2019-11-23</a:t>
+              <a:t>2019-11-28</a:t>
             </a:fld>
             <a:endParaRPr lang="en-US"/>
           </a:p>
@@ -1054,7 +1054,7 @@
           <a:p>
             <a:fld id="{487FC4E9-77CD-4C2A-BF4D-150A82B34D6E}" type="datetimeFigureOut">
               <a:rPr lang="en-US" smtClean="0"/>
-              <a:t>2019-11-23</a:t>
+              <a:t>2019-11-28</a:t>
             </a:fld>
             <a:endParaRPr lang="en-US"/>
           </a:p>
@@ -1296,7 +1296,7 @@
           <a:p>
             <a:fld id="{FC49C25B-30EF-47C5-9138-00DBA21FC2D6}" type="datetimeFigureOut">
               <a:rPr lang="en-US" smtClean="0"/>
-              <a:t>2019-11-23</a:t>
+              <a:t>2019-11-28</a:t>
             </a:fld>
             <a:endParaRPr lang="en-US"/>
           </a:p>
@@ -1466,7 +1466,7 @@
           <a:p>
             <a:fld id="{FC49C25B-30EF-47C5-9138-00DBA21FC2D6}" type="datetimeFigureOut">
               <a:rPr lang="en-US" smtClean="0"/>
-              <a:t>2019-11-23</a:t>
+              <a:t>2019-11-28</a:t>
             </a:fld>
             <a:endParaRPr lang="en-US"/>
           </a:p>
@@ -1712,7 +1712,7 @@
           <a:p>
             <a:fld id="{FC49C25B-30EF-47C5-9138-00DBA21FC2D6}" type="datetimeFigureOut">
               <a:rPr lang="en-US" smtClean="0"/>
-              <a:t>2019-11-23</a:t>
+              <a:t>2019-11-28</a:t>
             </a:fld>
             <a:endParaRPr lang="en-US"/>
           </a:p>
@@ -2000,7 +2000,7 @@
           <a:p>
             <a:fld id="{FC49C25B-30EF-47C5-9138-00DBA21FC2D6}" type="datetimeFigureOut">
               <a:rPr lang="en-US" smtClean="0"/>
-              <a:t>2019-11-23</a:t>
+              <a:t>2019-11-28</a:t>
             </a:fld>
             <a:endParaRPr lang="en-US"/>
           </a:p>
@@ -2422,7 +2422,7 @@
           <a:p>
             <a:fld id="{FC49C25B-30EF-47C5-9138-00DBA21FC2D6}" type="datetimeFigureOut">
               <a:rPr lang="en-US" smtClean="0"/>
-              <a:t>2019-11-23</a:t>
+              <a:t>2019-11-28</a:t>
             </a:fld>
             <a:endParaRPr lang="en-US"/>
           </a:p>
@@ -2540,7 +2540,7 @@
           <a:p>
             <a:fld id="{487FC4E9-77CD-4C2A-BF4D-150A82B34D6E}" type="datetimeFigureOut">
               <a:rPr lang="en-US" smtClean="0"/>
-              <a:t>2019-11-23</a:t>
+              <a:t>2019-11-28</a:t>
             </a:fld>
             <a:endParaRPr lang="en-US"/>
           </a:p>
@@ -2658,7 +2658,7 @@
           <a:p>
             <a:fld id="{FC49C25B-30EF-47C5-9138-00DBA21FC2D6}" type="datetimeFigureOut">
               <a:rPr lang="en-US" smtClean="0"/>
-              <a:t>2019-11-23</a:t>
+              <a:t>2019-11-28</a:t>
             </a:fld>
             <a:endParaRPr lang="en-US"/>
           </a:p>
@@ -2753,7 +2753,7 @@
           <a:p>
             <a:fld id="{FC49C25B-30EF-47C5-9138-00DBA21FC2D6}" type="datetimeFigureOut">
               <a:rPr lang="en-US" smtClean="0"/>
-              <a:t>2019-11-23</a:t>
+              <a:t>2019-11-28</a:t>
             </a:fld>
             <a:endParaRPr lang="en-US"/>
           </a:p>
@@ -3030,7 +3030,7 @@
           <a:p>
             <a:fld id="{FC49C25B-30EF-47C5-9138-00DBA21FC2D6}" type="datetimeFigureOut">
               <a:rPr lang="en-US" smtClean="0"/>
-              <a:t>2019-11-23</a:t>
+              <a:t>2019-11-28</a:t>
             </a:fld>
             <a:endParaRPr lang="en-US"/>
           </a:p>
@@ -3283,7 +3283,7 @@
           <a:p>
             <a:fld id="{FC49C25B-30EF-47C5-9138-00DBA21FC2D6}" type="datetimeFigureOut">
               <a:rPr lang="en-US" smtClean="0"/>
-              <a:t>2019-11-23</a:t>
+              <a:t>2019-11-28</a:t>
             </a:fld>
             <a:endParaRPr lang="en-US"/>
           </a:p>
@@ -3453,7 +3453,7 @@
           <a:p>
             <a:fld id="{FC49C25B-30EF-47C5-9138-00DBA21FC2D6}" type="datetimeFigureOut">
               <a:rPr lang="en-US" smtClean="0"/>
-              <a:t>2019-11-23</a:t>
+              <a:t>2019-11-28</a:t>
             </a:fld>
             <a:endParaRPr lang="en-US"/>
           </a:p>
@@ -3633,7 +3633,7 @@
           <a:p>
             <a:fld id="{FC49C25B-30EF-47C5-9138-00DBA21FC2D6}" type="datetimeFigureOut">
               <a:rPr lang="en-US" smtClean="0"/>
-              <a:t>2019-11-23</a:t>
+              <a:t>2019-11-28</a:t>
             </a:fld>
             <a:endParaRPr lang="en-US"/>
           </a:p>
@@ -3881,7 +3881,7 @@
           <a:p>
             <a:fld id="{9AC59E2D-BDB3-457B-9981-CCAC3BF92E36}" type="datetimeFigureOut">
               <a:rPr lang="en-US" smtClean="0"/>
-              <a:t>2019-11-23</a:t>
+              <a:t>2019-11-28</a:t>
             </a:fld>
             <a:endParaRPr lang="en-US"/>
           </a:p>
@@ -4067,7 +4067,7 @@
           <a:p>
             <a:fld id="{9AC59E2D-BDB3-457B-9981-CCAC3BF92E36}" type="datetimeFigureOut">
               <a:rPr lang="en-US" smtClean="0"/>
-              <a:t>2019-11-23</a:t>
+              <a:t>2019-11-28</a:t>
             </a:fld>
             <a:endParaRPr lang="en-US"/>
           </a:p>
@@ -4319,7 +4319,7 @@
           <a:p>
             <a:fld id="{9AC59E2D-BDB3-457B-9981-CCAC3BF92E36}" type="datetimeFigureOut">
               <a:rPr lang="en-US" smtClean="0"/>
-              <a:t>2019-11-23</a:t>
+              <a:t>2019-11-28</a:t>
             </a:fld>
             <a:endParaRPr lang="en-US"/>
           </a:p>
@@ -4621,7 +4621,7 @@
           <a:p>
             <a:fld id="{9AC59E2D-BDB3-457B-9981-CCAC3BF92E36}" type="datetimeFigureOut">
               <a:rPr lang="en-US" smtClean="0"/>
-              <a:t>2019-11-23</a:t>
+              <a:t>2019-11-28</a:t>
             </a:fld>
             <a:endParaRPr lang="en-US"/>
           </a:p>
@@ -4739,7 +4739,7 @@
           <a:p>
             <a:fld id="{487FC4E9-77CD-4C2A-BF4D-150A82B34D6E}" type="datetimeFigureOut">
               <a:rPr lang="en-US" smtClean="0"/>
-              <a:t>2019-11-23</a:t>
+              <a:t>2019-11-28</a:t>
             </a:fld>
             <a:endParaRPr lang="en-US"/>
           </a:p>
@@ -5181,7 +5181,7 @@
           <a:p>
             <a:fld id="{9AC59E2D-BDB3-457B-9981-CCAC3BF92E36}" type="datetimeFigureOut">
               <a:rPr lang="en-US" smtClean="0"/>
-              <a:t>2019-11-23</a:t>
+              <a:t>2019-11-28</a:t>
             </a:fld>
             <a:endParaRPr lang="en-US"/>
           </a:p>
@@ -5307,7 +5307,7 @@
           <a:p>
             <a:fld id="{9AC59E2D-BDB3-457B-9981-CCAC3BF92E36}" type="datetimeFigureOut">
               <a:rPr lang="en-US" smtClean="0"/>
-              <a:t>2019-11-23</a:t>
+              <a:t>2019-11-28</a:t>
             </a:fld>
             <a:endParaRPr lang="en-US"/>
           </a:p>
@@ -5402,7 +5402,7 @@
           <a:p>
             <a:fld id="{9AC59E2D-BDB3-457B-9981-CCAC3BF92E36}" type="datetimeFigureOut">
               <a:rPr lang="en-US" smtClean="0"/>
-              <a:t>2019-11-23</a:t>
+              <a:t>2019-11-28</a:t>
             </a:fld>
             <a:endParaRPr lang="en-US"/>
           </a:p>
@@ -5688,7 +5688,7 @@
           <a:p>
             <a:fld id="{9AC59E2D-BDB3-457B-9981-CCAC3BF92E36}" type="datetimeFigureOut">
               <a:rPr lang="en-US" smtClean="0"/>
-              <a:t>2019-11-23</a:t>
+              <a:t>2019-11-28</a:t>
             </a:fld>
             <a:endParaRPr lang="en-US"/>
           </a:p>
@@ -5950,7 +5950,7 @@
           <a:p>
             <a:fld id="{9AC59E2D-BDB3-457B-9981-CCAC3BF92E36}" type="datetimeFigureOut">
               <a:rPr lang="en-US" smtClean="0"/>
-              <a:t>2019-11-23</a:t>
+              <a:t>2019-11-28</a:t>
             </a:fld>
             <a:endParaRPr lang="en-US"/>
           </a:p>
@@ -6136,7 +6136,7 @@
           <a:p>
             <a:fld id="{9AC59E2D-BDB3-457B-9981-CCAC3BF92E36}" type="datetimeFigureOut">
               <a:rPr lang="en-US" smtClean="0"/>
-              <a:t>2019-11-23</a:t>
+              <a:t>2019-11-28</a:t>
             </a:fld>
             <a:endParaRPr lang="en-US"/>
           </a:p>
@@ -6322,7 +6322,7 @@
           <a:p>
             <a:fld id="{9AC59E2D-BDB3-457B-9981-CCAC3BF92E36}" type="datetimeFigureOut">
               <a:rPr lang="en-US" smtClean="0"/>
-              <a:t>2019-11-23</a:t>
+              <a:t>2019-11-28</a:t>
             </a:fld>
             <a:endParaRPr lang="en-US"/>
           </a:p>
@@ -6564,7 +6564,7 @@
           <a:p>
             <a:fld id="{FA70D030-0E6B-41F6-8C32-589A7A1D0D79}" type="datetimeFigureOut">
               <a:rPr lang="en-US" smtClean="0"/>
-              <a:t>2019-11-23</a:t>
+              <a:t>2019-11-28</a:t>
             </a:fld>
             <a:endParaRPr lang="en-US"/>
           </a:p>
@@ -6734,7 +6734,7 @@
           <a:p>
             <a:fld id="{FA70D030-0E6B-41F6-8C32-589A7A1D0D79}" type="datetimeFigureOut">
               <a:rPr lang="en-US" smtClean="0"/>
-              <a:t>2019-11-23</a:t>
+              <a:t>2019-11-28</a:t>
             </a:fld>
             <a:endParaRPr lang="en-US"/>
           </a:p>
@@ -6980,7 +6980,7 @@
           <a:p>
             <a:fld id="{FA70D030-0E6B-41F6-8C32-589A7A1D0D79}" type="datetimeFigureOut">
               <a:rPr lang="en-US" smtClean="0"/>
-              <a:t>2019-11-23</a:t>
+              <a:t>2019-11-28</a:t>
             </a:fld>
             <a:endParaRPr lang="en-US"/>
           </a:p>
@@ -7098,7 +7098,7 @@
           <a:p>
             <a:fld id="{487FC4E9-77CD-4C2A-BF4D-150A82B34D6E}" type="datetimeFigureOut">
               <a:rPr lang="en-US" smtClean="0"/>
-              <a:t>2019-11-23</a:t>
+              <a:t>2019-11-28</a:t>
             </a:fld>
             <a:endParaRPr lang="en-US"/>
           </a:p>
@@ -7386,7 +7386,7 @@
           <a:p>
             <a:fld id="{FA70D030-0E6B-41F6-8C32-589A7A1D0D79}" type="datetimeFigureOut">
               <a:rPr lang="en-US" smtClean="0"/>
-              <a:t>2019-11-23</a:t>
+              <a:t>2019-11-28</a:t>
             </a:fld>
             <a:endParaRPr lang="en-US"/>
           </a:p>
@@ -7808,7 +7808,7 @@
           <a:p>
             <a:fld id="{FA70D030-0E6B-41F6-8C32-589A7A1D0D79}" type="datetimeFigureOut">
               <a:rPr lang="en-US" smtClean="0"/>
-              <a:t>2019-11-23</a:t>
+              <a:t>2019-11-28</a:t>
             </a:fld>
             <a:endParaRPr lang="en-US"/>
           </a:p>
@@ -7926,7 +7926,7 @@
           <a:p>
             <a:fld id="{FA70D030-0E6B-41F6-8C32-589A7A1D0D79}" type="datetimeFigureOut">
               <a:rPr lang="en-US" smtClean="0"/>
-              <a:t>2019-11-23</a:t>
+              <a:t>2019-11-28</a:t>
             </a:fld>
             <a:endParaRPr lang="en-US"/>
           </a:p>
@@ -8021,7 +8021,7 @@
           <a:p>
             <a:fld id="{FA70D030-0E6B-41F6-8C32-589A7A1D0D79}" type="datetimeFigureOut">
               <a:rPr lang="en-US" smtClean="0"/>
-              <a:t>2019-11-23</a:t>
+              <a:t>2019-11-28</a:t>
             </a:fld>
             <a:endParaRPr lang="en-US"/>
           </a:p>
@@ -8298,7 +8298,7 @@
           <a:p>
             <a:fld id="{FA70D030-0E6B-41F6-8C32-589A7A1D0D79}" type="datetimeFigureOut">
               <a:rPr lang="en-US" smtClean="0"/>
-              <a:t>2019-11-23</a:t>
+              <a:t>2019-11-28</a:t>
             </a:fld>
             <a:endParaRPr lang="en-US"/>
           </a:p>
@@ -8551,7 +8551,7 @@
           <a:p>
             <a:fld id="{FA70D030-0E6B-41F6-8C32-589A7A1D0D79}" type="datetimeFigureOut">
               <a:rPr lang="en-US" smtClean="0"/>
-              <a:t>2019-11-23</a:t>
+              <a:t>2019-11-28</a:t>
             </a:fld>
             <a:endParaRPr lang="en-US"/>
           </a:p>
@@ -8721,7 +8721,7 @@
           <a:p>
             <a:fld id="{FA70D030-0E6B-41F6-8C32-589A7A1D0D79}" type="datetimeFigureOut">
               <a:rPr lang="en-US" smtClean="0"/>
-              <a:t>2019-11-23</a:t>
+              <a:t>2019-11-28</a:t>
             </a:fld>
             <a:endParaRPr lang="en-US"/>
           </a:p>
@@ -8901,7 +8901,7 @@
           <a:p>
             <a:fld id="{FA70D030-0E6B-41F6-8C32-589A7A1D0D79}" type="datetimeFigureOut">
               <a:rPr lang="en-US" smtClean="0"/>
-              <a:t>2019-11-23</a:t>
+              <a:t>2019-11-28</a:t>
             </a:fld>
             <a:endParaRPr lang="en-US"/>
           </a:p>
@@ -9071,7 +9071,7 @@
           <a:p>
             <a:fld id="{487FC4E9-77CD-4C2A-BF4D-150A82B34D6E}" type="datetimeFigureOut">
               <a:rPr lang="en-US" smtClean="0"/>
-              <a:t>2019-11-23</a:t>
+              <a:t>2019-11-28</a:t>
             </a:fld>
             <a:endParaRPr lang="en-US"/>
           </a:p>
@@ -9317,7 +9317,7 @@
           <a:p>
             <a:fld id="{487FC4E9-77CD-4C2A-BF4D-150A82B34D6E}" type="datetimeFigureOut">
               <a:rPr lang="en-US" smtClean="0"/>
-              <a:t>2019-11-23</a:t>
+              <a:t>2019-11-28</a:t>
             </a:fld>
             <a:endParaRPr lang="en-US"/>
           </a:p>
@@ -9605,7 +9605,7 @@
           <a:p>
             <a:fld id="{487FC4E9-77CD-4C2A-BF4D-150A82B34D6E}" type="datetimeFigureOut">
               <a:rPr lang="en-US" smtClean="0"/>
-              <a:t>2019-11-23</a:t>
+              <a:t>2019-11-28</a:t>
             </a:fld>
             <a:endParaRPr lang="en-US"/>
           </a:p>
@@ -10027,7 +10027,7 @@
           <a:p>
             <a:fld id="{487FC4E9-77CD-4C2A-BF4D-150A82B34D6E}" type="datetimeFigureOut">
               <a:rPr lang="en-US" smtClean="0"/>
-              <a:t>2019-11-23</a:t>
+              <a:t>2019-11-28</a:t>
             </a:fld>
             <a:endParaRPr lang="en-US"/>
           </a:p>
@@ -10145,7 +10145,7 @@
           <a:p>
             <a:fld id="{487FC4E9-77CD-4C2A-BF4D-150A82B34D6E}" type="datetimeFigureOut">
               <a:rPr lang="en-US" smtClean="0"/>
-              <a:t>2019-11-23</a:t>
+              <a:t>2019-11-28</a:t>
             </a:fld>
             <a:endParaRPr lang="en-US"/>
           </a:p>
@@ -10358,7 +10358,7 @@
           <a:p>
             <a:fld id="{487FC4E9-77CD-4C2A-BF4D-150A82B34D6E}" type="datetimeFigureOut">
               <a:rPr lang="en-US" smtClean="0"/>
-              <a:t>2019-11-23</a:t>
+              <a:t>2019-11-28</a:t>
             </a:fld>
             <a:endParaRPr lang="en-US"/>
           </a:p>
@@ -10871,7 +10871,7 @@
           <a:p>
             <a:fld id="{FC49C25B-30EF-47C5-9138-00DBA21FC2D6}" type="datetimeFigureOut">
               <a:rPr lang="en-US" smtClean="0"/>
-              <a:t>2019-11-23</a:t>
+              <a:t>2019-11-28</a:t>
             </a:fld>
             <a:endParaRPr lang="en-US"/>
           </a:p>
@@ -11286,7 +11286,7 @@
           <a:p>
             <a:fld id="{9AC59E2D-BDB3-457B-9981-CCAC3BF92E36}" type="datetimeFigureOut">
               <a:rPr lang="en-US" smtClean="0"/>
-              <a:t>2019-11-23</a:t>
+              <a:t>2019-11-28</a:t>
             </a:fld>
             <a:endParaRPr lang="en-US"/>
           </a:p>
@@ -11796,7 +11796,7 @@
           <a:p>
             <a:fld id="{FA70D030-0E6B-41F6-8C32-589A7A1D0D79}" type="datetimeFigureOut">
               <a:rPr lang="en-US" smtClean="0"/>
-              <a:t>2019-11-23</a:t>
+              <a:t>2019-11-28</a:t>
             </a:fld>
             <a:endParaRPr lang="en-US"/>
           </a:p>
@@ -12334,7 +12334,7 @@
         </p:nvGrpSpPr>
         <p:grpSpPr>
           <a:xfrm>
-            <a:off x="899592" y="2348880"/>
+            <a:off x="893841" y="2292372"/>
             <a:ext cx="1110108" cy="412824"/>
             <a:chOff x="1315014" y="2295731"/>
             <a:chExt cx="1110108" cy="412824"/>
@@ -12412,7 +12412,7 @@
           </p:nvSpPr>
           <p:spPr>
             <a:xfrm>
-              <a:off x="1906885" y="2364698"/>
+              <a:off x="1433030" y="2364698"/>
               <a:ext cx="414109" cy="237600"/>
             </a:xfrm>
             <a:prstGeom prst="parallelogram">
@@ -12472,7 +12472,7 @@
           </p:nvSpPr>
           <p:spPr>
             <a:xfrm>
-              <a:off x="1416045" y="2364698"/>
+              <a:off x="1891764" y="2364698"/>
               <a:ext cx="414109" cy="237600"/>
             </a:xfrm>
             <a:prstGeom prst="parallelogram">
@@ -12533,9 +12533,9 @@
           <p:nvPr/>
         </p:nvCxnSpPr>
         <p:spPr>
-          <a:xfrm flipH="1">
-            <a:off x="1959992" y="2553693"/>
-            <a:ext cx="250220" cy="1599"/>
+          <a:xfrm flipH="1" flipV="1">
+            <a:off x="1954241" y="2498784"/>
+            <a:ext cx="235744" cy="79"/>
           </a:xfrm>
           <a:prstGeom prst="line">
             <a:avLst/>
@@ -14644,7 +14644,7 @@
         </p:nvGrpSpPr>
         <p:grpSpPr>
           <a:xfrm>
-            <a:off x="1258209" y="1924128"/>
+            <a:off x="1258209" y="1918377"/>
             <a:ext cx="389850" cy="369332"/>
             <a:chOff x="7769835" y="3418564"/>
             <a:chExt cx="389850" cy="369332"/>
@@ -17893,12 +17893,12 @@
         </p:nvSpPr>
         <p:spPr>
           <a:xfrm>
-            <a:off x="2210212" y="2453323"/>
-            <a:ext cx="1497692" cy="200739"/>
+            <a:off x="2189985" y="2282623"/>
+            <a:ext cx="2189623" cy="432480"/>
           </a:xfrm>
           <a:prstGeom prst="roundRect">
             <a:avLst>
-              <a:gd name="adj" fmla="val 14754"/>
+              <a:gd name="adj" fmla="val 19213"/>
             </a:avLst>
           </a:prstGeom>
           <a:solidFill>
@@ -17913,12 +17913,11 @@
           </a:ln>
         </p:spPr>
         <p:txBody>
-          <a:bodyPr wrap="none" lIns="36000" tIns="0" rIns="36000" bIns="0" rtlCol="0" anchor="ctr" anchorCtr="0">
+          <a:bodyPr wrap="none" lIns="72000" tIns="0" rIns="36000" bIns="10800" rtlCol="0" anchor="ctr" anchorCtr="0">
             <a:spAutoFit/>
           </a:bodyPr>
           <a:lstStyle/>
           <a:p>
-            <a:pPr algn="ctr"/>
             <a:r>
               <a:rPr lang="en-US" sz="1200" dirty="0" smtClean="0">
                 <a:latin typeface="Arial" panose="020B0604020202020204" pitchFamily="34" charset="0"/>
@@ -17938,7 +17937,20 @@
                 <a:latin typeface="Arial" panose="020B0604020202020204" pitchFamily="34" charset="0"/>
                 <a:cs typeface="Arial" panose="020B0604020202020204" pitchFamily="34" charset="0"/>
               </a:rPr>
-              <a:t>)</a:t>
+              <a:t>) holding</a:t>
+            </a:r>
+            <a:br>
+              <a:rPr lang="en-US" sz="1200" dirty="0" smtClean="0">
+                <a:latin typeface="Arial" panose="020B0604020202020204" pitchFamily="34" charset="0"/>
+                <a:cs typeface="Arial" panose="020B0604020202020204" pitchFamily="34" charset="0"/>
+              </a:rPr>
+            </a:br>
+            <a:r>
+              <a:rPr lang="en-US" sz="1200" dirty="0" smtClean="0">
+                <a:latin typeface="Arial" panose="020B0604020202020204" pitchFamily="34" charset="0"/>
+                <a:cs typeface="Arial" panose="020B0604020202020204" pitchFamily="34" charset="0"/>
+              </a:rPr>
+              <a:t>payment method specific data</a:t>
             </a:r>
             <a:endParaRPr lang="en-US" sz="1200" dirty="0">
               <a:latin typeface="Arial" panose="020B0604020202020204" pitchFamily="34" charset="0"/>

--- a/payments/open-banking-dual-mode-end-to-end-security-simplified.pptx
+++ b/payments/open-banking-dual-mode-end-to-end-security-simplified.pptx
@@ -174,7 +174,7 @@
           <a:p>
             <a:fld id="{487FC4E9-77CD-4C2A-BF4D-150A82B34D6E}" type="datetimeFigureOut">
               <a:rPr lang="en-US" smtClean="0"/>
-              <a:t>2019-11-28</a:t>
+              <a:t>2019-12-06</a:t>
             </a:fld>
             <a:endParaRPr lang="en-US"/>
           </a:p>
@@ -451,7 +451,7 @@
           <a:p>
             <a:fld id="{487FC4E9-77CD-4C2A-BF4D-150A82B34D6E}" type="datetimeFigureOut">
               <a:rPr lang="en-US" smtClean="0"/>
-              <a:t>2019-11-28</a:t>
+              <a:t>2019-12-06</a:t>
             </a:fld>
             <a:endParaRPr lang="en-US"/>
           </a:p>
@@ -704,7 +704,7 @@
           <a:p>
             <a:fld id="{487FC4E9-77CD-4C2A-BF4D-150A82B34D6E}" type="datetimeFigureOut">
               <a:rPr lang="en-US" smtClean="0"/>
-              <a:t>2019-11-28</a:t>
+              <a:t>2019-12-06</a:t>
             </a:fld>
             <a:endParaRPr lang="en-US"/>
           </a:p>
@@ -874,7 +874,7 @@
           <a:p>
             <a:fld id="{487FC4E9-77CD-4C2A-BF4D-150A82B34D6E}" type="datetimeFigureOut">
               <a:rPr lang="en-US" smtClean="0"/>
-              <a:t>2019-11-28</a:t>
+              <a:t>2019-12-06</a:t>
             </a:fld>
             <a:endParaRPr lang="en-US"/>
           </a:p>
@@ -1054,7 +1054,7 @@
           <a:p>
             <a:fld id="{487FC4E9-77CD-4C2A-BF4D-150A82B34D6E}" type="datetimeFigureOut">
               <a:rPr lang="en-US" smtClean="0"/>
-              <a:t>2019-11-28</a:t>
+              <a:t>2019-12-06</a:t>
             </a:fld>
             <a:endParaRPr lang="en-US"/>
           </a:p>
@@ -1296,7 +1296,7 @@
           <a:p>
             <a:fld id="{FC49C25B-30EF-47C5-9138-00DBA21FC2D6}" type="datetimeFigureOut">
               <a:rPr lang="en-US" smtClean="0"/>
-              <a:t>2019-11-28</a:t>
+              <a:t>2019-12-06</a:t>
             </a:fld>
             <a:endParaRPr lang="en-US"/>
           </a:p>
@@ -1466,7 +1466,7 @@
           <a:p>
             <a:fld id="{FC49C25B-30EF-47C5-9138-00DBA21FC2D6}" type="datetimeFigureOut">
               <a:rPr lang="en-US" smtClean="0"/>
-              <a:t>2019-11-28</a:t>
+              <a:t>2019-12-06</a:t>
             </a:fld>
             <a:endParaRPr lang="en-US"/>
           </a:p>
@@ -1712,7 +1712,7 @@
           <a:p>
             <a:fld id="{FC49C25B-30EF-47C5-9138-00DBA21FC2D6}" type="datetimeFigureOut">
               <a:rPr lang="en-US" smtClean="0"/>
-              <a:t>2019-11-28</a:t>
+              <a:t>2019-12-06</a:t>
             </a:fld>
             <a:endParaRPr lang="en-US"/>
           </a:p>
@@ -2000,7 +2000,7 @@
           <a:p>
             <a:fld id="{FC49C25B-30EF-47C5-9138-00DBA21FC2D6}" type="datetimeFigureOut">
               <a:rPr lang="en-US" smtClean="0"/>
-              <a:t>2019-11-28</a:t>
+              <a:t>2019-12-06</a:t>
             </a:fld>
             <a:endParaRPr lang="en-US"/>
           </a:p>
@@ -2422,7 +2422,7 @@
           <a:p>
             <a:fld id="{FC49C25B-30EF-47C5-9138-00DBA21FC2D6}" type="datetimeFigureOut">
               <a:rPr lang="en-US" smtClean="0"/>
-              <a:t>2019-11-28</a:t>
+              <a:t>2019-12-06</a:t>
             </a:fld>
             <a:endParaRPr lang="en-US"/>
           </a:p>
@@ -2540,7 +2540,7 @@
           <a:p>
             <a:fld id="{487FC4E9-77CD-4C2A-BF4D-150A82B34D6E}" type="datetimeFigureOut">
               <a:rPr lang="en-US" smtClean="0"/>
-              <a:t>2019-11-28</a:t>
+              <a:t>2019-12-06</a:t>
             </a:fld>
             <a:endParaRPr lang="en-US"/>
           </a:p>
@@ -2658,7 +2658,7 @@
           <a:p>
             <a:fld id="{FC49C25B-30EF-47C5-9138-00DBA21FC2D6}" type="datetimeFigureOut">
               <a:rPr lang="en-US" smtClean="0"/>
-              <a:t>2019-11-28</a:t>
+              <a:t>2019-12-06</a:t>
             </a:fld>
             <a:endParaRPr lang="en-US"/>
           </a:p>
@@ -2753,7 +2753,7 @@
           <a:p>
             <a:fld id="{FC49C25B-30EF-47C5-9138-00DBA21FC2D6}" type="datetimeFigureOut">
               <a:rPr lang="en-US" smtClean="0"/>
-              <a:t>2019-11-28</a:t>
+              <a:t>2019-12-06</a:t>
             </a:fld>
             <a:endParaRPr lang="en-US"/>
           </a:p>
@@ -3030,7 +3030,7 @@
           <a:p>
             <a:fld id="{FC49C25B-30EF-47C5-9138-00DBA21FC2D6}" type="datetimeFigureOut">
               <a:rPr lang="en-US" smtClean="0"/>
-              <a:t>2019-11-28</a:t>
+              <a:t>2019-12-06</a:t>
             </a:fld>
             <a:endParaRPr lang="en-US"/>
           </a:p>
@@ -3283,7 +3283,7 @@
           <a:p>
             <a:fld id="{FC49C25B-30EF-47C5-9138-00DBA21FC2D6}" type="datetimeFigureOut">
               <a:rPr lang="en-US" smtClean="0"/>
-              <a:t>2019-11-28</a:t>
+              <a:t>2019-12-06</a:t>
             </a:fld>
             <a:endParaRPr lang="en-US"/>
           </a:p>
@@ -3453,7 +3453,7 @@
           <a:p>
             <a:fld id="{FC49C25B-30EF-47C5-9138-00DBA21FC2D6}" type="datetimeFigureOut">
               <a:rPr lang="en-US" smtClean="0"/>
-              <a:t>2019-11-28</a:t>
+              <a:t>2019-12-06</a:t>
             </a:fld>
             <a:endParaRPr lang="en-US"/>
           </a:p>
@@ -3633,7 +3633,7 @@
           <a:p>
             <a:fld id="{FC49C25B-30EF-47C5-9138-00DBA21FC2D6}" type="datetimeFigureOut">
               <a:rPr lang="en-US" smtClean="0"/>
-              <a:t>2019-11-28</a:t>
+              <a:t>2019-12-06</a:t>
             </a:fld>
             <a:endParaRPr lang="en-US"/>
           </a:p>
@@ -3881,7 +3881,7 @@
           <a:p>
             <a:fld id="{9AC59E2D-BDB3-457B-9981-CCAC3BF92E36}" type="datetimeFigureOut">
               <a:rPr lang="en-US" smtClean="0"/>
-              <a:t>2019-11-28</a:t>
+              <a:t>2019-12-06</a:t>
             </a:fld>
             <a:endParaRPr lang="en-US"/>
           </a:p>
@@ -4067,7 +4067,7 @@
           <a:p>
             <a:fld id="{9AC59E2D-BDB3-457B-9981-CCAC3BF92E36}" type="datetimeFigureOut">
               <a:rPr lang="en-US" smtClean="0"/>
-              <a:t>2019-11-28</a:t>
+              <a:t>2019-12-06</a:t>
             </a:fld>
             <a:endParaRPr lang="en-US"/>
           </a:p>
@@ -4319,7 +4319,7 @@
           <a:p>
             <a:fld id="{9AC59E2D-BDB3-457B-9981-CCAC3BF92E36}" type="datetimeFigureOut">
               <a:rPr lang="en-US" smtClean="0"/>
-              <a:t>2019-11-28</a:t>
+              <a:t>2019-12-06</a:t>
             </a:fld>
             <a:endParaRPr lang="en-US"/>
           </a:p>
@@ -4621,7 +4621,7 @@
           <a:p>
             <a:fld id="{9AC59E2D-BDB3-457B-9981-CCAC3BF92E36}" type="datetimeFigureOut">
               <a:rPr lang="en-US" smtClean="0"/>
-              <a:t>2019-11-28</a:t>
+              <a:t>2019-12-06</a:t>
             </a:fld>
             <a:endParaRPr lang="en-US"/>
           </a:p>
@@ -4739,7 +4739,7 @@
           <a:p>
             <a:fld id="{487FC4E9-77CD-4C2A-BF4D-150A82B34D6E}" type="datetimeFigureOut">
               <a:rPr lang="en-US" smtClean="0"/>
-              <a:t>2019-11-28</a:t>
+              <a:t>2019-12-06</a:t>
             </a:fld>
             <a:endParaRPr lang="en-US"/>
           </a:p>
@@ -5181,7 +5181,7 @@
           <a:p>
             <a:fld id="{9AC59E2D-BDB3-457B-9981-CCAC3BF92E36}" type="datetimeFigureOut">
               <a:rPr lang="en-US" smtClean="0"/>
-              <a:t>2019-11-28</a:t>
+              <a:t>2019-12-06</a:t>
             </a:fld>
             <a:endParaRPr lang="en-US"/>
           </a:p>
@@ -5307,7 +5307,7 @@
           <a:p>
             <a:fld id="{9AC59E2D-BDB3-457B-9981-CCAC3BF92E36}" type="datetimeFigureOut">
               <a:rPr lang="en-US" smtClean="0"/>
-              <a:t>2019-11-28</a:t>
+              <a:t>2019-12-06</a:t>
             </a:fld>
             <a:endParaRPr lang="en-US"/>
           </a:p>
@@ -5402,7 +5402,7 @@
           <a:p>
             <a:fld id="{9AC59E2D-BDB3-457B-9981-CCAC3BF92E36}" type="datetimeFigureOut">
               <a:rPr lang="en-US" smtClean="0"/>
-              <a:t>2019-11-28</a:t>
+              <a:t>2019-12-06</a:t>
             </a:fld>
             <a:endParaRPr lang="en-US"/>
           </a:p>
@@ -5688,7 +5688,7 @@
           <a:p>
             <a:fld id="{9AC59E2D-BDB3-457B-9981-CCAC3BF92E36}" type="datetimeFigureOut">
               <a:rPr lang="en-US" smtClean="0"/>
-              <a:t>2019-11-28</a:t>
+              <a:t>2019-12-06</a:t>
             </a:fld>
             <a:endParaRPr lang="en-US"/>
           </a:p>
@@ -5950,7 +5950,7 @@
           <a:p>
             <a:fld id="{9AC59E2D-BDB3-457B-9981-CCAC3BF92E36}" type="datetimeFigureOut">
               <a:rPr lang="en-US" smtClean="0"/>
-              <a:t>2019-11-28</a:t>
+              <a:t>2019-12-06</a:t>
             </a:fld>
             <a:endParaRPr lang="en-US"/>
           </a:p>
@@ -6136,7 +6136,7 @@
           <a:p>
             <a:fld id="{9AC59E2D-BDB3-457B-9981-CCAC3BF92E36}" type="datetimeFigureOut">
               <a:rPr lang="en-US" smtClean="0"/>
-              <a:t>2019-11-28</a:t>
+              <a:t>2019-12-06</a:t>
             </a:fld>
             <a:endParaRPr lang="en-US"/>
           </a:p>
@@ -6322,7 +6322,7 @@
           <a:p>
             <a:fld id="{9AC59E2D-BDB3-457B-9981-CCAC3BF92E36}" type="datetimeFigureOut">
               <a:rPr lang="en-US" smtClean="0"/>
-              <a:t>2019-11-28</a:t>
+              <a:t>2019-12-06</a:t>
             </a:fld>
             <a:endParaRPr lang="en-US"/>
           </a:p>
@@ -6564,7 +6564,7 @@
           <a:p>
             <a:fld id="{FA70D030-0E6B-41F6-8C32-589A7A1D0D79}" type="datetimeFigureOut">
               <a:rPr lang="en-US" smtClean="0"/>
-              <a:t>2019-11-28</a:t>
+              <a:t>2019-12-06</a:t>
             </a:fld>
             <a:endParaRPr lang="en-US"/>
           </a:p>
@@ -6734,7 +6734,7 @@
           <a:p>
             <a:fld id="{FA70D030-0E6B-41F6-8C32-589A7A1D0D79}" type="datetimeFigureOut">
               <a:rPr lang="en-US" smtClean="0"/>
-              <a:t>2019-11-28</a:t>
+              <a:t>2019-12-06</a:t>
             </a:fld>
             <a:endParaRPr lang="en-US"/>
           </a:p>
@@ -6980,7 +6980,7 @@
           <a:p>
             <a:fld id="{FA70D030-0E6B-41F6-8C32-589A7A1D0D79}" type="datetimeFigureOut">
               <a:rPr lang="en-US" smtClean="0"/>
-              <a:t>2019-11-28</a:t>
+              <a:t>2019-12-06</a:t>
             </a:fld>
             <a:endParaRPr lang="en-US"/>
           </a:p>
@@ -7098,7 +7098,7 @@
           <a:p>
             <a:fld id="{487FC4E9-77CD-4C2A-BF4D-150A82B34D6E}" type="datetimeFigureOut">
               <a:rPr lang="en-US" smtClean="0"/>
-              <a:t>2019-11-28</a:t>
+              <a:t>2019-12-06</a:t>
             </a:fld>
             <a:endParaRPr lang="en-US"/>
           </a:p>
@@ -7386,7 +7386,7 @@
           <a:p>
             <a:fld id="{FA70D030-0E6B-41F6-8C32-589A7A1D0D79}" type="datetimeFigureOut">
               <a:rPr lang="en-US" smtClean="0"/>
-              <a:t>2019-11-28</a:t>
+              <a:t>2019-12-06</a:t>
             </a:fld>
             <a:endParaRPr lang="en-US"/>
           </a:p>
@@ -7808,7 +7808,7 @@
           <a:p>
             <a:fld id="{FA70D030-0E6B-41F6-8C32-589A7A1D0D79}" type="datetimeFigureOut">
               <a:rPr lang="en-US" smtClean="0"/>
-              <a:t>2019-11-28</a:t>
+              <a:t>2019-12-06</a:t>
             </a:fld>
             <a:endParaRPr lang="en-US"/>
           </a:p>
@@ -7926,7 +7926,7 @@
           <a:p>
             <a:fld id="{FA70D030-0E6B-41F6-8C32-589A7A1D0D79}" type="datetimeFigureOut">
               <a:rPr lang="en-US" smtClean="0"/>
-              <a:t>2019-11-28</a:t>
+              <a:t>2019-12-06</a:t>
             </a:fld>
             <a:endParaRPr lang="en-US"/>
           </a:p>
@@ -8021,7 +8021,7 @@
           <a:p>
             <a:fld id="{FA70D030-0E6B-41F6-8C32-589A7A1D0D79}" type="datetimeFigureOut">
               <a:rPr lang="en-US" smtClean="0"/>
-              <a:t>2019-11-28</a:t>
+              <a:t>2019-12-06</a:t>
             </a:fld>
             <a:endParaRPr lang="en-US"/>
           </a:p>
@@ -8298,7 +8298,7 @@
           <a:p>
             <a:fld id="{FA70D030-0E6B-41F6-8C32-589A7A1D0D79}" type="datetimeFigureOut">
               <a:rPr lang="en-US" smtClean="0"/>
-              <a:t>2019-11-28</a:t>
+              <a:t>2019-12-06</a:t>
             </a:fld>
             <a:endParaRPr lang="en-US"/>
           </a:p>
@@ -8551,7 +8551,7 @@
           <a:p>
             <a:fld id="{FA70D030-0E6B-41F6-8C32-589A7A1D0D79}" type="datetimeFigureOut">
               <a:rPr lang="en-US" smtClean="0"/>
-              <a:t>2019-11-28</a:t>
+              <a:t>2019-12-06</a:t>
             </a:fld>
             <a:endParaRPr lang="en-US"/>
           </a:p>
@@ -8721,7 +8721,7 @@
           <a:p>
             <a:fld id="{FA70D030-0E6B-41F6-8C32-589A7A1D0D79}" type="datetimeFigureOut">
               <a:rPr lang="en-US" smtClean="0"/>
-              <a:t>2019-11-28</a:t>
+              <a:t>2019-12-06</a:t>
             </a:fld>
             <a:endParaRPr lang="en-US"/>
           </a:p>
@@ -8901,7 +8901,7 @@
           <a:p>
             <a:fld id="{FA70D030-0E6B-41F6-8C32-589A7A1D0D79}" type="datetimeFigureOut">
               <a:rPr lang="en-US" smtClean="0"/>
-              <a:t>2019-11-28</a:t>
+              <a:t>2019-12-06</a:t>
             </a:fld>
             <a:endParaRPr lang="en-US"/>
           </a:p>
@@ -9071,7 +9071,7 @@
           <a:p>
             <a:fld id="{487FC4E9-77CD-4C2A-BF4D-150A82B34D6E}" type="datetimeFigureOut">
               <a:rPr lang="en-US" smtClean="0"/>
-              <a:t>2019-11-28</a:t>
+              <a:t>2019-12-06</a:t>
             </a:fld>
             <a:endParaRPr lang="en-US"/>
           </a:p>
@@ -9317,7 +9317,7 @@
           <a:p>
             <a:fld id="{487FC4E9-77CD-4C2A-BF4D-150A82B34D6E}" type="datetimeFigureOut">
               <a:rPr lang="en-US" smtClean="0"/>
-              <a:t>2019-11-28</a:t>
+              <a:t>2019-12-06</a:t>
             </a:fld>
             <a:endParaRPr lang="en-US"/>
           </a:p>
@@ -9605,7 +9605,7 @@
           <a:p>
             <a:fld id="{487FC4E9-77CD-4C2A-BF4D-150A82B34D6E}" type="datetimeFigureOut">
               <a:rPr lang="en-US" smtClean="0"/>
-              <a:t>2019-11-28</a:t>
+              <a:t>2019-12-06</a:t>
             </a:fld>
             <a:endParaRPr lang="en-US"/>
           </a:p>
@@ -10027,7 +10027,7 @@
           <a:p>
             <a:fld id="{487FC4E9-77CD-4C2A-BF4D-150A82B34D6E}" type="datetimeFigureOut">
               <a:rPr lang="en-US" smtClean="0"/>
-              <a:t>2019-11-28</a:t>
+              <a:t>2019-12-06</a:t>
             </a:fld>
             <a:endParaRPr lang="en-US"/>
           </a:p>
@@ -10145,7 +10145,7 @@
           <a:p>
             <a:fld id="{487FC4E9-77CD-4C2A-BF4D-150A82B34D6E}" type="datetimeFigureOut">
               <a:rPr lang="en-US" smtClean="0"/>
-              <a:t>2019-11-28</a:t>
+              <a:t>2019-12-06</a:t>
             </a:fld>
             <a:endParaRPr lang="en-US"/>
           </a:p>
@@ -10358,7 +10358,7 @@
           <a:p>
             <a:fld id="{487FC4E9-77CD-4C2A-BF4D-150A82B34D6E}" type="datetimeFigureOut">
               <a:rPr lang="en-US" smtClean="0"/>
-              <a:t>2019-11-28</a:t>
+              <a:t>2019-12-06</a:t>
             </a:fld>
             <a:endParaRPr lang="en-US"/>
           </a:p>
@@ -10871,7 +10871,7 @@
           <a:p>
             <a:fld id="{FC49C25B-30EF-47C5-9138-00DBA21FC2D6}" type="datetimeFigureOut">
               <a:rPr lang="en-US" smtClean="0"/>
-              <a:t>2019-11-28</a:t>
+              <a:t>2019-12-06</a:t>
             </a:fld>
             <a:endParaRPr lang="en-US"/>
           </a:p>
@@ -11286,7 +11286,7 @@
           <a:p>
             <a:fld id="{9AC59E2D-BDB3-457B-9981-CCAC3BF92E36}" type="datetimeFigureOut">
               <a:rPr lang="en-US" smtClean="0"/>
-              <a:t>2019-11-28</a:t>
+              <a:t>2019-12-06</a:t>
             </a:fld>
             <a:endParaRPr lang="en-US"/>
           </a:p>
@@ -11796,7 +11796,7 @@
           <a:p>
             <a:fld id="{FA70D030-0E6B-41F6-8C32-589A7A1D0D79}" type="datetimeFigureOut">
               <a:rPr lang="en-US" smtClean="0"/>
-              <a:t>2019-11-28</a:t>
+              <a:t>2019-12-06</a:t>
             </a:fld>
             <a:endParaRPr lang="en-US"/>
           </a:p>
@@ -12171,6 +12171,78 @@
           <a:chExt cx="0" cy="0"/>
         </a:xfrm>
       </p:grpSpPr>
+      <p:cxnSp>
+        <p:nvCxnSpPr>
+          <p:cNvPr id="23" name="Straight Arrow Connector 22"/>
+          <p:cNvCxnSpPr/>
+          <p:nvPr/>
+        </p:nvCxnSpPr>
+        <p:spPr>
+          <a:xfrm>
+            <a:off x="1331640" y="2031640"/>
+            <a:ext cx="0" cy="1476000"/>
+          </a:xfrm>
+          <a:prstGeom prst="straightConnector1">
+            <a:avLst/>
+          </a:prstGeom>
+          <a:ln w="31750">
+            <a:solidFill>
+              <a:srgbClr val="FF0000"/>
+            </a:solidFill>
+            <a:tailEnd type="triangle"/>
+          </a:ln>
+        </p:spPr>
+        <p:style>
+          <a:lnRef idx="1">
+            <a:schemeClr val="accent1"/>
+          </a:lnRef>
+          <a:fillRef idx="0">
+            <a:schemeClr val="accent1"/>
+          </a:fillRef>
+          <a:effectRef idx="0">
+            <a:schemeClr val="accent1"/>
+          </a:effectRef>
+          <a:fontRef idx="minor">
+            <a:schemeClr val="tx1"/>
+          </a:fontRef>
+        </p:style>
+      </p:cxnSp>
+      <p:cxnSp>
+        <p:nvCxnSpPr>
+          <p:cNvPr id="16" name="Straight Arrow Connector 15"/>
+          <p:cNvCxnSpPr/>
+          <p:nvPr/>
+        </p:nvCxnSpPr>
+        <p:spPr>
+          <a:xfrm flipH="1" flipV="1">
+            <a:off x="1728000" y="1844824"/>
+            <a:ext cx="2682000" cy="2150"/>
+          </a:xfrm>
+          <a:prstGeom prst="straightConnector1">
+            <a:avLst/>
+          </a:prstGeom>
+          <a:ln w="31750">
+            <a:solidFill>
+              <a:srgbClr val="FF0000"/>
+            </a:solidFill>
+            <a:tailEnd type="triangle"/>
+          </a:ln>
+        </p:spPr>
+        <p:style>
+          <a:lnRef idx="1">
+            <a:schemeClr val="accent1"/>
+          </a:lnRef>
+          <a:fillRef idx="0">
+            <a:schemeClr val="accent1"/>
+          </a:fillRef>
+          <a:effectRef idx="0">
+            <a:schemeClr val="accent1"/>
+          </a:effectRef>
+          <a:fontRef idx="minor">
+            <a:schemeClr val="tx1"/>
+          </a:fontRef>
+        </p:style>
+      </p:cxnSp>
       <p:pic>
         <p:nvPicPr>
           <p:cNvPr id="11" name="Picture 10"/>
@@ -12209,7 +12281,7 @@
         </p:nvCxnSpPr>
         <p:spPr>
           <a:xfrm flipV="1">
-            <a:off x="1673862" y="3717031"/>
+            <a:off x="1541589" y="3867652"/>
             <a:ext cx="435113" cy="1"/>
           </a:xfrm>
           <a:prstGeom prst="line">
@@ -12271,61 +12343,6 @@
           </a:fontRef>
         </p:style>
       </p:cxnSp>
-      <p:sp>
-        <p:nvSpPr>
-          <p:cNvPr id="242" name="Bent Arrow 241"/>
-          <p:cNvSpPr/>
-          <p:nvPr/>
-        </p:nvSpPr>
-        <p:spPr>
-          <a:xfrm rot="16200000" flipH="1">
-            <a:off x="2135462" y="1032535"/>
-            <a:ext cx="1507398" cy="3075094"/>
-          </a:xfrm>
-          <a:prstGeom prst="bentArrow">
-            <a:avLst>
-              <a:gd name="adj1" fmla="val 3680"/>
-              <a:gd name="adj2" fmla="val 6825"/>
-              <a:gd name="adj3" fmla="val 8968"/>
-              <a:gd name="adj4" fmla="val 14326"/>
-            </a:avLst>
-          </a:prstGeom>
-          <a:solidFill>
-            <a:schemeClr val="accent2"/>
-          </a:solidFill>
-          <a:ln w="12700">
-            <a:noFill/>
-          </a:ln>
-        </p:spPr>
-        <p:style>
-          <a:lnRef idx="2">
-            <a:schemeClr val="accent1">
-              <a:shade val="50000"/>
-            </a:schemeClr>
-          </a:lnRef>
-          <a:fillRef idx="1">
-            <a:schemeClr val="accent1"/>
-          </a:fillRef>
-          <a:effectRef idx="0">
-            <a:schemeClr val="accent1"/>
-          </a:effectRef>
-          <a:fontRef idx="minor">
-            <a:schemeClr val="lt1"/>
-          </a:fontRef>
-        </p:style>
-        <p:txBody>
-          <a:bodyPr rtlCol="0" anchor="ctr"/>
-          <a:lstStyle/>
-          <a:p>
-            <a:pPr algn="ctr"/>
-            <a:endParaRPr lang="en-US">
-              <a:solidFill>
-                <a:schemeClr val="tx1"/>
-              </a:solidFill>
-            </a:endParaRPr>
-          </a:p>
-        </p:txBody>
-      </p:sp>
       <p:grpSp>
         <p:nvGrpSpPr>
           <p:cNvPr id="243" name="Group 242"/>
@@ -12334,7 +12351,7 @@
         </p:nvGrpSpPr>
         <p:grpSpPr>
           <a:xfrm>
-            <a:off x="893841" y="2292372"/>
+            <a:off x="767319" y="2437242"/>
             <a:ext cx="1110108" cy="412824"/>
             <a:chOff x="1315014" y="2295731"/>
             <a:chExt cx="1110108" cy="412824"/>
@@ -12534,7 +12551,7 @@
         </p:nvCxnSpPr>
         <p:spPr>
           <a:xfrm flipH="1" flipV="1">
-            <a:off x="1954241" y="2498784"/>
+            <a:off x="1827719" y="2643654"/>
             <a:ext cx="235744" cy="79"/>
           </a:xfrm>
           <a:prstGeom prst="line">
@@ -12646,7 +12663,7 @@
         </p:nvSpPr>
         <p:spPr>
           <a:xfrm>
-            <a:off x="956199" y="3993086"/>
+            <a:off x="823926" y="4143707"/>
             <a:ext cx="1021434" cy="307777"/>
           </a:xfrm>
           <a:prstGeom prst="rect">
@@ -12730,8 +12747,8 @@
         </p:nvGrpSpPr>
         <p:grpSpPr>
           <a:xfrm>
-            <a:off x="1098040" y="1408420"/>
-            <a:ext cx="557162" cy="447881"/>
+            <a:off x="899592" y="1316217"/>
+            <a:ext cx="786660" cy="632366"/>
             <a:chOff x="3321759" y="524071"/>
             <a:chExt cx="557162" cy="447881"/>
           </a:xfrm>
@@ -14644,7 +14661,7 @@
         </p:nvGrpSpPr>
         <p:grpSpPr>
           <a:xfrm>
-            <a:off x="1258209" y="1918377"/>
+            <a:off x="1137438" y="2063247"/>
             <a:ext cx="389850" cy="369332"/>
             <a:chOff x="7769835" y="3418564"/>
             <a:chExt cx="389850" cy="369332"/>
@@ -15219,7 +15236,7 @@
         </p:nvGrpSpPr>
         <p:grpSpPr>
           <a:xfrm>
-            <a:off x="1025055" y="3353207"/>
+            <a:off x="892782" y="3503828"/>
             <a:ext cx="927282" cy="687559"/>
             <a:chOff x="4013200" y="3014663"/>
             <a:chExt cx="1117600" cy="828675"/>
@@ -16164,7 +16181,7 @@
         </p:nvSpPr>
         <p:spPr>
           <a:xfrm>
-            <a:off x="917845" y="1067783"/>
+            <a:off x="827584" y="980728"/>
             <a:ext cx="930063" cy="307777"/>
           </a:xfrm>
           <a:prstGeom prst="rect">
@@ -16344,8 +16361,8 @@
         </p:nvSpPr>
         <p:spPr>
           <a:xfrm>
-            <a:off x="7619510" y="6658580"/>
-            <a:ext cx="1535998" cy="215444"/>
+            <a:off x="7561802" y="6658580"/>
+            <a:ext cx="1593706" cy="215444"/>
           </a:xfrm>
           <a:prstGeom prst="rect">
             <a:avLst/>
@@ -16364,7 +16381,7 @@
                 <a:latin typeface="Arial" panose="020B0604020202020204" pitchFamily="34" charset="0"/>
                 <a:cs typeface="Arial" panose="020B0604020202020204" pitchFamily="34" charset="0"/>
               </a:rPr>
-              <a:t>V0.3 </a:t>
+              <a:t>V0.31 </a:t>
             </a:r>
             <a:r>
               <a:rPr lang="en-US" sz="800" dirty="0" err="1" smtClean="0">
@@ -16378,7 +16395,14 @@
                 <a:latin typeface="Arial" panose="020B0604020202020204" pitchFamily="34" charset="0"/>
                 <a:cs typeface="Arial" panose="020B0604020202020204" pitchFamily="34" charset="0"/>
               </a:rPr>
-              <a:t> 2019-11-21</a:t>
+              <a:t> </a:t>
+            </a:r>
+            <a:r>
+              <a:rPr lang="en-US" sz="800" dirty="0" smtClean="0">
+                <a:latin typeface="Arial" panose="020B0604020202020204" pitchFamily="34" charset="0"/>
+                <a:cs typeface="Arial" panose="020B0604020202020204" pitchFamily="34" charset="0"/>
+              </a:rPr>
+              <a:t>2019-12-06</a:t>
             </a:r>
             <a:endParaRPr lang="en-US" sz="800" dirty="0">
               <a:latin typeface="Arial" panose="020B0604020202020204" pitchFamily="34" charset="0"/>
@@ -17624,7 +17648,7 @@
         </p:nvSpPr>
         <p:spPr>
           <a:xfrm>
-            <a:off x="1989608" y="2949159"/>
+            <a:off x="1857335" y="3099780"/>
             <a:ext cx="3036794" cy="1553356"/>
           </a:xfrm>
           <a:prstGeom prst="roundRect">
@@ -17893,7 +17917,7 @@
         </p:nvSpPr>
         <p:spPr>
           <a:xfrm>
-            <a:off x="2189985" y="2282623"/>
+            <a:off x="2063463" y="2427493"/>
             <a:ext cx="2189623" cy="432480"/>
           </a:xfrm>
           <a:prstGeom prst="roundRect">
